--- a/sci_calc_main/documentation/Παρουσίαση.pptx
+++ b/sci_calc_main/documentation/Παρουσίαση.pptx
@@ -5,20 +5,37 @@
     <p:sldMasterId id="2147483672" r:id="rId1"/>
   </p:sldMasterIdLst>
   <p:notesMasterIdLst>
-    <p:notesMasterId r:id="rId10"/>
+    <p:notesMasterId r:id="rId27"/>
   </p:notesMasterIdLst>
   <p:handoutMasterIdLst>
-    <p:handoutMasterId r:id="rId11"/>
+    <p:handoutMasterId r:id="rId28"/>
   </p:handoutMasterIdLst>
   <p:sldIdLst>
     <p:sldId id="256" r:id="rId2"/>
     <p:sldId id="257" r:id="rId3"/>
     <p:sldId id="258" r:id="rId4"/>
-    <p:sldId id="259" r:id="rId5"/>
-    <p:sldId id="260" r:id="rId6"/>
-    <p:sldId id="261" r:id="rId7"/>
-    <p:sldId id="262" r:id="rId8"/>
-    <p:sldId id="263" r:id="rId9"/>
+    <p:sldId id="264" r:id="rId5"/>
+    <p:sldId id="259" r:id="rId6"/>
+    <p:sldId id="260" r:id="rId7"/>
+    <p:sldId id="261" r:id="rId8"/>
+    <p:sldId id="267" r:id="rId9"/>
+    <p:sldId id="262" r:id="rId10"/>
+    <p:sldId id="263" r:id="rId11"/>
+    <p:sldId id="265" r:id="rId12"/>
+    <p:sldId id="266" r:id="rId13"/>
+    <p:sldId id="268" r:id="rId14"/>
+    <p:sldId id="269" r:id="rId15"/>
+    <p:sldId id="270" r:id="rId16"/>
+    <p:sldId id="271" r:id="rId17"/>
+    <p:sldId id="272" r:id="rId18"/>
+    <p:sldId id="273" r:id="rId19"/>
+    <p:sldId id="278" r:id="rId20"/>
+    <p:sldId id="274" r:id="rId21"/>
+    <p:sldId id="275" r:id="rId22"/>
+    <p:sldId id="277" r:id="rId23"/>
+    <p:sldId id="279" r:id="rId24"/>
+    <p:sldId id="280" r:id="rId25"/>
+    <p:sldId id="281" r:id="rId26"/>
   </p:sldIdLst>
   <p:sldSz cx="12192000" cy="6858000"/>
   <p:notesSz cx="6858000" cy="9144000"/>
@@ -128,17 +145,25 @@
 </p:presentation>
 </file>
 
+<file path=ppt/revisionInfo.xml><?xml version="1.0" encoding="utf-8"?>
+<p1510:revInfo xmlns:a="http://schemas.openxmlformats.org/drawingml/2006/main" xmlns:r="http://schemas.openxmlformats.org/officeDocument/2006/relationships" xmlns:p1510="http://schemas.microsoft.com/office/powerpoint/2015/10/main">
+  <p1510:revLst>
+    <p1510:client id="{0E19EBBC-76C8-4175-856E-9CD6DDD70504}" v="24" dt="2024-06-08T15:55:23.132"/>
+  </p1510:revLst>
+</p1510:revInfo>
+</file>
+
 <file path=ppt/changesInfos/changesInfo1.xml><?xml version="1.0" encoding="utf-8"?>
 <pc:chgInfo xmlns:a="http://schemas.openxmlformats.org/drawingml/2006/main" xmlns:r="http://schemas.openxmlformats.org/officeDocument/2006/relationships" xmlns:ac="http://schemas.microsoft.com/office/drawing/2013/main/command" xmlns:pc="http://schemas.microsoft.com/office/powerpoint/2013/main/command">
   <pc:docChgLst>
     <pc:chgData name="Meletis Konstas" userId="80fb3a933d8d92c8" providerId="LiveId" clId="{0E19EBBC-76C8-4175-856E-9CD6DDD70504}"/>
-    <pc:docChg chg="undo custSel modSld">
-      <pc:chgData name="Meletis Konstas" userId="80fb3a933d8d92c8" providerId="LiveId" clId="{0E19EBBC-76C8-4175-856E-9CD6DDD70504}" dt="2024-06-07T15:41:11.315" v="1" actId="313"/>
+    <pc:docChg chg="undo custSel addSld delSld modSld">
+      <pc:chgData name="Meletis Konstas" userId="80fb3a933d8d92c8" providerId="LiveId" clId="{0E19EBBC-76C8-4175-856E-9CD6DDD70504}" dt="2024-06-08T15:55:30.825" v="3102" actId="20577"/>
       <pc:docMkLst>
         <pc:docMk/>
       </pc:docMkLst>
       <pc:sldChg chg="modSp mod">
-        <pc:chgData name="Meletis Konstas" userId="80fb3a933d8d92c8" providerId="LiveId" clId="{0E19EBBC-76C8-4175-856E-9CD6DDD70504}" dt="2024-06-07T15:41:11.315" v="1" actId="313"/>
+        <pc:chgData name="Meletis Konstas" userId="80fb3a933d8d92c8" providerId="LiveId" clId="{0E19EBBC-76C8-4175-856E-9CD6DDD70504}" dt="2024-06-08T14:16:42.357" v="2177" actId="403"/>
         <pc:sldMkLst>
           <pc:docMk/>
           <pc:sldMk cId="1061599388" sldId="258"/>
@@ -151,6 +176,774 @@
             <ac:spMk id="2" creationId="{F91AA39B-AE60-BFC4-5D24-B9EEA5DD2913}"/>
           </ac:spMkLst>
         </pc:spChg>
+        <pc:spChg chg="mod">
+          <ac:chgData name="Meletis Konstas" userId="80fb3a933d8d92c8" providerId="LiveId" clId="{0E19EBBC-76C8-4175-856E-9CD6DDD70504}" dt="2024-06-08T14:16:42.357" v="2177" actId="403"/>
+          <ac:spMkLst>
+            <pc:docMk/>
+            <pc:sldMk cId="1061599388" sldId="258"/>
+            <ac:spMk id="3" creationId="{4F9B49A0-B63F-FC41-4594-F53CEB8A6AED}"/>
+          </ac:spMkLst>
+        </pc:spChg>
+      </pc:sldChg>
+      <pc:sldChg chg="modSp mod">
+        <pc:chgData name="Meletis Konstas" userId="80fb3a933d8d92c8" providerId="LiveId" clId="{0E19EBBC-76C8-4175-856E-9CD6DDD70504}" dt="2024-06-08T14:17:01.068" v="2178" actId="403"/>
+        <pc:sldMkLst>
+          <pc:docMk/>
+          <pc:sldMk cId="1642808449" sldId="260"/>
+        </pc:sldMkLst>
+        <pc:spChg chg="mod">
+          <ac:chgData name="Meletis Konstas" userId="80fb3a933d8d92c8" providerId="LiveId" clId="{0E19EBBC-76C8-4175-856E-9CD6DDD70504}" dt="2024-06-08T14:17:01.068" v="2178" actId="403"/>
+          <ac:spMkLst>
+            <pc:docMk/>
+            <pc:sldMk cId="1642808449" sldId="260"/>
+            <ac:spMk id="3" creationId="{C7586BCB-8D51-B197-1A71-AA5B8A71D06B}"/>
+          </ac:spMkLst>
+        </pc:spChg>
+      </pc:sldChg>
+      <pc:sldChg chg="modSp mod">
+        <pc:chgData name="Meletis Konstas" userId="80fb3a933d8d92c8" providerId="LiveId" clId="{0E19EBBC-76C8-4175-856E-9CD6DDD70504}" dt="2024-06-08T14:17:07.991" v="2179" actId="403"/>
+        <pc:sldMkLst>
+          <pc:docMk/>
+          <pc:sldMk cId="2219773199" sldId="261"/>
+        </pc:sldMkLst>
+        <pc:spChg chg="mod">
+          <ac:chgData name="Meletis Konstas" userId="80fb3a933d8d92c8" providerId="LiveId" clId="{0E19EBBC-76C8-4175-856E-9CD6DDD70504}" dt="2024-06-08T14:17:07.991" v="2179" actId="403"/>
+          <ac:spMkLst>
+            <pc:docMk/>
+            <pc:sldMk cId="2219773199" sldId="261"/>
+            <ac:spMk id="3" creationId="{59517ED6-F64C-9803-7FDE-14E1C9CB7728}"/>
+          </ac:spMkLst>
+        </pc:spChg>
+      </pc:sldChg>
+      <pc:sldChg chg="modSp mod">
+        <pc:chgData name="Meletis Konstas" userId="80fb3a933d8d92c8" providerId="LiveId" clId="{0E19EBBC-76C8-4175-856E-9CD6DDD70504}" dt="2024-06-08T14:17:22.239" v="2183" actId="403"/>
+        <pc:sldMkLst>
+          <pc:docMk/>
+          <pc:sldMk cId="2025534729" sldId="262"/>
+        </pc:sldMkLst>
+        <pc:spChg chg="mod">
+          <ac:chgData name="Meletis Konstas" userId="80fb3a933d8d92c8" providerId="LiveId" clId="{0E19EBBC-76C8-4175-856E-9CD6DDD70504}" dt="2024-06-08T14:17:22.239" v="2183" actId="403"/>
+          <ac:spMkLst>
+            <pc:docMk/>
+            <pc:sldMk cId="2025534729" sldId="262"/>
+            <ac:spMk id="3" creationId="{27CC5DBA-328B-3896-AA32-3945DBEAE022}"/>
+          </ac:spMkLst>
+        </pc:spChg>
+      </pc:sldChg>
+      <pc:sldChg chg="modSp mod">
+        <pc:chgData name="Meletis Konstas" userId="80fb3a933d8d92c8" providerId="LiveId" clId="{0E19EBBC-76C8-4175-856E-9CD6DDD70504}" dt="2024-06-08T14:17:34.018" v="2186" actId="403"/>
+        <pc:sldMkLst>
+          <pc:docMk/>
+          <pc:sldMk cId="3760529039" sldId="263"/>
+        </pc:sldMkLst>
+        <pc:spChg chg="mod">
+          <ac:chgData name="Meletis Konstas" userId="80fb3a933d8d92c8" providerId="LiveId" clId="{0E19EBBC-76C8-4175-856E-9CD6DDD70504}" dt="2024-06-08T13:15:41.277" v="17" actId="20577"/>
+          <ac:spMkLst>
+            <pc:docMk/>
+            <pc:sldMk cId="3760529039" sldId="263"/>
+            <ac:spMk id="2" creationId="{90EACACE-1E69-4164-EA05-B746CBC3255F}"/>
+          </ac:spMkLst>
+        </pc:spChg>
+        <pc:spChg chg="mod">
+          <ac:chgData name="Meletis Konstas" userId="80fb3a933d8d92c8" providerId="LiveId" clId="{0E19EBBC-76C8-4175-856E-9CD6DDD70504}" dt="2024-06-08T14:17:34.018" v="2186" actId="403"/>
+          <ac:spMkLst>
+            <pc:docMk/>
+            <pc:sldMk cId="3760529039" sldId="263"/>
+            <ac:spMk id="3" creationId="{405D51DA-C1A9-B86A-6760-AFD67E5EE5A2}"/>
+          </ac:spMkLst>
+        </pc:spChg>
+      </pc:sldChg>
+      <pc:sldChg chg="modSp new mod">
+        <pc:chgData name="Meletis Konstas" userId="80fb3a933d8d92c8" providerId="LiveId" clId="{0E19EBBC-76C8-4175-856E-9CD6DDD70504}" dt="2024-06-08T14:16:37.555" v="2176" actId="403"/>
+        <pc:sldMkLst>
+          <pc:docMk/>
+          <pc:sldMk cId="1090695846" sldId="264"/>
+        </pc:sldMkLst>
+        <pc:spChg chg="mod">
+          <ac:chgData name="Meletis Konstas" userId="80fb3a933d8d92c8" providerId="LiveId" clId="{0E19EBBC-76C8-4175-856E-9CD6DDD70504}" dt="2024-06-08T13:28:07.469" v="606" actId="20577"/>
+          <ac:spMkLst>
+            <pc:docMk/>
+            <pc:sldMk cId="1090695846" sldId="264"/>
+            <ac:spMk id="2" creationId="{05FE403F-19CB-0292-B352-2CA00CD9FB33}"/>
+          </ac:spMkLst>
+        </pc:spChg>
+        <pc:spChg chg="mod">
+          <ac:chgData name="Meletis Konstas" userId="80fb3a933d8d92c8" providerId="LiveId" clId="{0E19EBBC-76C8-4175-856E-9CD6DDD70504}" dt="2024-06-08T14:16:37.555" v="2176" actId="403"/>
+          <ac:spMkLst>
+            <pc:docMk/>
+            <pc:sldMk cId="1090695846" sldId="264"/>
+            <ac:spMk id="3" creationId="{B028695B-101B-18FD-E799-1DF4DD9FE2BE}"/>
+          </ac:spMkLst>
+        </pc:spChg>
+      </pc:sldChg>
+      <pc:sldChg chg="addSp delSp modSp new mod">
+        <pc:chgData name="Meletis Konstas" userId="80fb3a933d8d92c8" providerId="LiveId" clId="{0E19EBBC-76C8-4175-856E-9CD6DDD70504}" dt="2024-06-08T14:17:43.986" v="2187" actId="403"/>
+        <pc:sldMkLst>
+          <pc:docMk/>
+          <pc:sldMk cId="1969649278" sldId="265"/>
+        </pc:sldMkLst>
+        <pc:spChg chg="mod">
+          <ac:chgData name="Meletis Konstas" userId="80fb3a933d8d92c8" providerId="LiveId" clId="{0E19EBBC-76C8-4175-856E-9CD6DDD70504}" dt="2024-06-08T13:33:17.070" v="783" actId="20577"/>
+          <ac:spMkLst>
+            <pc:docMk/>
+            <pc:sldMk cId="1969649278" sldId="265"/>
+            <ac:spMk id="2" creationId="{7C7DF19A-2285-2EF1-0C39-49740B336D15}"/>
+          </ac:spMkLst>
+        </pc:spChg>
+        <pc:spChg chg="mod">
+          <ac:chgData name="Meletis Konstas" userId="80fb3a933d8d92c8" providerId="LiveId" clId="{0E19EBBC-76C8-4175-856E-9CD6DDD70504}" dt="2024-06-08T14:17:43.986" v="2187" actId="403"/>
+          <ac:spMkLst>
+            <pc:docMk/>
+            <pc:sldMk cId="1969649278" sldId="265"/>
+            <ac:spMk id="3" creationId="{736AD393-926C-9A5C-0F09-4649AEFA47F7}"/>
+          </ac:spMkLst>
+        </pc:spChg>
+        <pc:spChg chg="add del">
+          <ac:chgData name="Meletis Konstas" userId="80fb3a933d8d92c8" providerId="LiveId" clId="{0E19EBBC-76C8-4175-856E-9CD6DDD70504}" dt="2024-06-08T13:33:11.584" v="770" actId="22"/>
+          <ac:spMkLst>
+            <pc:docMk/>
+            <pc:sldMk cId="1969649278" sldId="265"/>
+            <ac:spMk id="5" creationId="{A4B70821-8DD6-3D78-FC39-4E287EC779DB}"/>
+          </ac:spMkLst>
+        </pc:spChg>
+      </pc:sldChg>
+      <pc:sldChg chg="modSp new mod">
+        <pc:chgData name="Meletis Konstas" userId="80fb3a933d8d92c8" providerId="LiveId" clId="{0E19EBBC-76C8-4175-856E-9CD6DDD70504}" dt="2024-06-08T14:17:48.446" v="2188" actId="403"/>
+        <pc:sldMkLst>
+          <pc:docMk/>
+          <pc:sldMk cId="2917973527" sldId="266"/>
+        </pc:sldMkLst>
+        <pc:spChg chg="mod">
+          <ac:chgData name="Meletis Konstas" userId="80fb3a933d8d92c8" providerId="LiveId" clId="{0E19EBBC-76C8-4175-856E-9CD6DDD70504}" dt="2024-06-08T13:45:13.834" v="1258" actId="313"/>
+          <ac:spMkLst>
+            <pc:docMk/>
+            <pc:sldMk cId="2917973527" sldId="266"/>
+            <ac:spMk id="2" creationId="{E09577D7-8F3C-85C0-93F6-993D92447433}"/>
+          </ac:spMkLst>
+        </pc:spChg>
+        <pc:spChg chg="mod">
+          <ac:chgData name="Meletis Konstas" userId="80fb3a933d8d92c8" providerId="LiveId" clId="{0E19EBBC-76C8-4175-856E-9CD6DDD70504}" dt="2024-06-08T14:17:48.446" v="2188" actId="403"/>
+          <ac:spMkLst>
+            <pc:docMk/>
+            <pc:sldMk cId="2917973527" sldId="266"/>
+            <ac:spMk id="3" creationId="{A38EE82B-2C3D-FD30-9313-181B00C810C0}"/>
+          </ac:spMkLst>
+        </pc:spChg>
+      </pc:sldChg>
+      <pc:sldChg chg="modSp new mod">
+        <pc:chgData name="Meletis Konstas" userId="80fb3a933d8d92c8" providerId="LiveId" clId="{0E19EBBC-76C8-4175-856E-9CD6DDD70504}" dt="2024-06-08T14:17:13.132" v="2180" actId="403"/>
+        <pc:sldMkLst>
+          <pc:docMk/>
+          <pc:sldMk cId="3106502201" sldId="267"/>
+        </pc:sldMkLst>
+        <pc:spChg chg="mod">
+          <ac:chgData name="Meletis Konstas" userId="80fb3a933d8d92c8" providerId="LiveId" clId="{0E19EBBC-76C8-4175-856E-9CD6DDD70504}" dt="2024-06-08T13:50:06.064" v="1380" actId="20577"/>
+          <ac:spMkLst>
+            <pc:docMk/>
+            <pc:sldMk cId="3106502201" sldId="267"/>
+            <ac:spMk id="2" creationId="{F30FC04A-4C0F-730E-D63D-A99FE0829168}"/>
+          </ac:spMkLst>
+        </pc:spChg>
+        <pc:spChg chg="mod">
+          <ac:chgData name="Meletis Konstas" userId="80fb3a933d8d92c8" providerId="LiveId" clId="{0E19EBBC-76C8-4175-856E-9CD6DDD70504}" dt="2024-06-08T14:17:13.132" v="2180" actId="403"/>
+          <ac:spMkLst>
+            <pc:docMk/>
+            <pc:sldMk cId="3106502201" sldId="267"/>
+            <ac:spMk id="3" creationId="{D72EC429-3952-D8A6-DFF4-DB1678CCE83B}"/>
+          </ac:spMkLst>
+        </pc:spChg>
+      </pc:sldChg>
+      <pc:sldChg chg="modSp new mod">
+        <pc:chgData name="Meletis Konstas" userId="80fb3a933d8d92c8" providerId="LiveId" clId="{0E19EBBC-76C8-4175-856E-9CD6DDD70504}" dt="2024-06-08T14:17:52.522" v="2189" actId="403"/>
+        <pc:sldMkLst>
+          <pc:docMk/>
+          <pc:sldMk cId="2501112534" sldId="268"/>
+        </pc:sldMkLst>
+        <pc:spChg chg="mod">
+          <ac:chgData name="Meletis Konstas" userId="80fb3a933d8d92c8" providerId="LiveId" clId="{0E19EBBC-76C8-4175-856E-9CD6DDD70504}" dt="2024-06-08T14:03:59.578" v="1799" actId="20577"/>
+          <ac:spMkLst>
+            <pc:docMk/>
+            <pc:sldMk cId="2501112534" sldId="268"/>
+            <ac:spMk id="2" creationId="{5375FCBC-81FD-552F-431F-5B910D8CD574}"/>
+          </ac:spMkLst>
+        </pc:spChg>
+        <pc:spChg chg="mod">
+          <ac:chgData name="Meletis Konstas" userId="80fb3a933d8d92c8" providerId="LiveId" clId="{0E19EBBC-76C8-4175-856E-9CD6DDD70504}" dt="2024-06-08T14:17:52.522" v="2189" actId="403"/>
+          <ac:spMkLst>
+            <pc:docMk/>
+            <pc:sldMk cId="2501112534" sldId="268"/>
+            <ac:spMk id="3" creationId="{FBFF8640-748D-8B2C-C147-377B0D947CE4}"/>
+          </ac:spMkLst>
+        </pc:spChg>
+      </pc:sldChg>
+      <pc:sldChg chg="addSp delSp modSp new mod modClrScheme chgLayout">
+        <pc:chgData name="Meletis Konstas" userId="80fb3a933d8d92c8" providerId="LiveId" clId="{0E19EBBC-76C8-4175-856E-9CD6DDD70504}" dt="2024-06-08T15:42:18.081" v="2368" actId="20577"/>
+        <pc:sldMkLst>
+          <pc:docMk/>
+          <pc:sldMk cId="505727259" sldId="269"/>
+        </pc:sldMkLst>
+        <pc:spChg chg="mod">
+          <ac:chgData name="Meletis Konstas" userId="80fb3a933d8d92c8" providerId="LiveId" clId="{0E19EBBC-76C8-4175-856E-9CD6DDD70504}" dt="2024-06-08T15:36:51.719" v="2249" actId="26606"/>
+          <ac:spMkLst>
+            <pc:docMk/>
+            <pc:sldMk cId="505727259" sldId="269"/>
+            <ac:spMk id="2" creationId="{7D80E6D0-3A81-630E-29C8-DAD38758732E}"/>
+          </ac:spMkLst>
+        </pc:spChg>
+        <pc:spChg chg="del">
+          <ac:chgData name="Meletis Konstas" userId="80fb3a933d8d92c8" providerId="LiveId" clId="{0E19EBBC-76C8-4175-856E-9CD6DDD70504}" dt="2024-06-08T15:36:42.484" v="2247" actId="931"/>
+          <ac:spMkLst>
+            <pc:docMk/>
+            <pc:sldMk cId="505727259" sldId="269"/>
+            <ac:spMk id="3" creationId="{A8A59D5C-D5C8-2D96-95D2-F014749DD377}"/>
+          </ac:spMkLst>
+        </pc:spChg>
+        <pc:spChg chg="add mod">
+          <ac:chgData name="Meletis Konstas" userId="80fb3a933d8d92c8" providerId="LiveId" clId="{0E19EBBC-76C8-4175-856E-9CD6DDD70504}" dt="2024-06-08T15:42:18.081" v="2368" actId="20577"/>
+          <ac:spMkLst>
+            <pc:docMk/>
+            <pc:sldMk cId="505727259" sldId="269"/>
+            <ac:spMk id="10" creationId="{C99EAA58-6829-73CE-FA7A-4FF6881DF058}"/>
+          </ac:spMkLst>
+        </pc:spChg>
+        <pc:picChg chg="add mod">
+          <ac:chgData name="Meletis Konstas" userId="80fb3a933d8d92c8" providerId="LiveId" clId="{0E19EBBC-76C8-4175-856E-9CD6DDD70504}" dt="2024-06-08T15:36:51.719" v="2249" actId="26606"/>
+          <ac:picMkLst>
+            <pc:docMk/>
+            <pc:sldMk cId="505727259" sldId="269"/>
+            <ac:picMk id="5" creationId="{69C33384-93A2-87AE-AF12-64122B6924F6}"/>
+          </ac:picMkLst>
+        </pc:picChg>
+      </pc:sldChg>
+      <pc:sldChg chg="addSp modSp add mod">
+        <pc:chgData name="Meletis Konstas" userId="80fb3a933d8d92c8" providerId="LiveId" clId="{0E19EBBC-76C8-4175-856E-9CD6DDD70504}" dt="2024-06-08T15:40:52.086" v="2292" actId="20577"/>
+        <pc:sldMkLst>
+          <pc:docMk/>
+          <pc:sldMk cId="2721400116" sldId="270"/>
+        </pc:sldMkLst>
+        <pc:spChg chg="add mod">
+          <ac:chgData name="Meletis Konstas" userId="80fb3a933d8d92c8" providerId="LiveId" clId="{0E19EBBC-76C8-4175-856E-9CD6DDD70504}" dt="2024-06-08T15:39:21.063" v="2264" actId="207"/>
+          <ac:spMkLst>
+            <pc:docMk/>
+            <pc:sldMk cId="2721400116" sldId="270"/>
+            <ac:spMk id="3" creationId="{6E04DA55-785B-BB30-4762-8F61F265742F}"/>
+          </ac:spMkLst>
+        </pc:spChg>
+        <pc:spChg chg="mod">
+          <ac:chgData name="Meletis Konstas" userId="80fb3a933d8d92c8" providerId="LiveId" clId="{0E19EBBC-76C8-4175-856E-9CD6DDD70504}" dt="2024-06-08T15:40:52.086" v="2292" actId="20577"/>
+          <ac:spMkLst>
+            <pc:docMk/>
+            <pc:sldMk cId="2721400116" sldId="270"/>
+            <ac:spMk id="10" creationId="{C99EAA58-6829-73CE-FA7A-4FF6881DF058}"/>
+          </ac:spMkLst>
+        </pc:spChg>
+      </pc:sldChg>
+      <pc:sldChg chg="addSp delSp modSp add del mod">
+        <pc:chgData name="Meletis Konstas" userId="80fb3a933d8d92c8" providerId="LiveId" clId="{0E19EBBC-76C8-4175-856E-9CD6DDD70504}" dt="2024-06-08T15:38:24.316" v="2257" actId="2696"/>
+        <pc:sldMkLst>
+          <pc:docMk/>
+          <pc:sldMk cId="3825827102" sldId="270"/>
+        </pc:sldMkLst>
+        <pc:spChg chg="add mod">
+          <ac:chgData name="Meletis Konstas" userId="80fb3a933d8d92c8" providerId="LiveId" clId="{0E19EBBC-76C8-4175-856E-9CD6DDD70504}" dt="2024-06-08T15:38:11.010" v="2255" actId="478"/>
+          <ac:spMkLst>
+            <pc:docMk/>
+            <pc:sldMk cId="3825827102" sldId="270"/>
+            <ac:spMk id="9" creationId="{0EFCEC17-45A3-8F24-D499-B6F569E262A9}"/>
+          </ac:spMkLst>
+        </pc:spChg>
+        <pc:spChg chg="del">
+          <ac:chgData name="Meletis Konstas" userId="80fb3a933d8d92c8" providerId="LiveId" clId="{0E19EBBC-76C8-4175-856E-9CD6DDD70504}" dt="2024-06-08T15:37:33.860" v="2251" actId="26606"/>
+          <ac:spMkLst>
+            <pc:docMk/>
+            <pc:sldMk cId="3825827102" sldId="270"/>
+            <ac:spMk id="10" creationId="{C99EAA58-6829-73CE-FA7A-4FF6881DF058}"/>
+          </ac:spMkLst>
+        </pc:spChg>
+        <pc:spChg chg="add del">
+          <ac:chgData name="Meletis Konstas" userId="80fb3a933d8d92c8" providerId="LiveId" clId="{0E19EBBC-76C8-4175-856E-9CD6DDD70504}" dt="2024-06-08T15:38:09.416" v="2252"/>
+          <ac:spMkLst>
+            <pc:docMk/>
+            <pc:sldMk cId="3825827102" sldId="270"/>
+            <ac:spMk id="15" creationId="{F0BB5104-37B9-2EDB-4AE8-E18255A4AF5A}"/>
+          </ac:spMkLst>
+        </pc:spChg>
+        <pc:picChg chg="del">
+          <ac:chgData name="Meletis Konstas" userId="80fb3a933d8d92c8" providerId="LiveId" clId="{0E19EBBC-76C8-4175-856E-9CD6DDD70504}" dt="2024-06-08T15:38:11.010" v="2255" actId="478"/>
+          <ac:picMkLst>
+            <pc:docMk/>
+            <pc:sldMk cId="3825827102" sldId="270"/>
+            <ac:picMk id="5" creationId="{69C33384-93A2-87AE-AF12-64122B6924F6}"/>
+          </ac:picMkLst>
+        </pc:picChg>
+        <pc:picChg chg="add mod">
+          <ac:chgData name="Meletis Konstas" userId="80fb3a933d8d92c8" providerId="LiveId" clId="{0E19EBBC-76C8-4175-856E-9CD6DDD70504}" dt="2024-06-08T15:38:14.298" v="2256" actId="1076"/>
+          <ac:picMkLst>
+            <pc:docMk/>
+            <pc:sldMk cId="3825827102" sldId="270"/>
+            <ac:picMk id="7" creationId="{FE143950-0663-189F-D346-95039D0D089B}"/>
+          </ac:picMkLst>
+        </pc:picChg>
+      </pc:sldChg>
+      <pc:sldChg chg="addSp delSp modSp new mod">
+        <pc:chgData name="Meletis Konstas" userId="80fb3a933d8d92c8" providerId="LiveId" clId="{0E19EBBC-76C8-4175-856E-9CD6DDD70504}" dt="2024-06-08T15:43:03.222" v="2406"/>
+        <pc:sldMkLst>
+          <pc:docMk/>
+          <pc:sldMk cId="2739559267" sldId="271"/>
+        </pc:sldMkLst>
+        <pc:spChg chg="mod">
+          <ac:chgData name="Meletis Konstas" userId="80fb3a933d8d92c8" providerId="LiveId" clId="{0E19EBBC-76C8-4175-856E-9CD6DDD70504}" dt="2024-06-08T15:43:03.222" v="2406"/>
+          <ac:spMkLst>
+            <pc:docMk/>
+            <pc:sldMk cId="2739559267" sldId="271"/>
+            <ac:spMk id="2" creationId="{FE44084E-7F80-BAD7-F256-E61AF01BA987}"/>
+          </ac:spMkLst>
+        </pc:spChg>
+        <pc:spChg chg="del">
+          <ac:chgData name="Meletis Konstas" userId="80fb3a933d8d92c8" providerId="LiveId" clId="{0E19EBBC-76C8-4175-856E-9CD6DDD70504}" dt="2024-06-08T15:39:59.097" v="2266" actId="931"/>
+          <ac:spMkLst>
+            <pc:docMk/>
+            <pc:sldMk cId="2739559267" sldId="271"/>
+            <ac:spMk id="3" creationId="{5278E1DB-9F09-0363-E862-DDCA81B37174}"/>
+          </ac:spMkLst>
+        </pc:spChg>
+        <pc:spChg chg="mod">
+          <ac:chgData name="Meletis Konstas" userId="80fb3a933d8d92c8" providerId="LiveId" clId="{0E19EBBC-76C8-4175-856E-9CD6DDD70504}" dt="2024-06-08T15:42:40.919" v="2404" actId="20577"/>
+          <ac:spMkLst>
+            <pc:docMk/>
+            <pc:sldMk cId="2739559267" sldId="271"/>
+            <ac:spMk id="4" creationId="{1DDB2F69-CB12-48EA-E3DF-B632D36EC7A1}"/>
+          </ac:spMkLst>
+        </pc:spChg>
+        <pc:spChg chg="add mod">
+          <ac:chgData name="Meletis Konstas" userId="80fb3a933d8d92c8" providerId="LiveId" clId="{0E19EBBC-76C8-4175-856E-9CD6DDD70504}" dt="2024-06-08T15:41:13.256" v="2296" actId="1076"/>
+          <ac:spMkLst>
+            <pc:docMk/>
+            <pc:sldMk cId="2739559267" sldId="271"/>
+            <ac:spMk id="7" creationId="{83FD4727-70A4-D72B-BF33-45A715E420DD}"/>
+          </ac:spMkLst>
+        </pc:spChg>
+        <pc:picChg chg="add mod">
+          <ac:chgData name="Meletis Konstas" userId="80fb3a933d8d92c8" providerId="LiveId" clId="{0E19EBBC-76C8-4175-856E-9CD6DDD70504}" dt="2024-06-08T15:40:00.360" v="2267" actId="27614"/>
+          <ac:picMkLst>
+            <pc:docMk/>
+            <pc:sldMk cId="2739559267" sldId="271"/>
+            <ac:picMk id="6" creationId="{C37B2F2D-FCF6-209E-D762-8329B83F8400}"/>
+          </ac:picMkLst>
+        </pc:picChg>
+      </pc:sldChg>
+      <pc:sldChg chg="addSp delSp modSp add mod">
+        <pc:chgData name="Meletis Konstas" userId="80fb3a933d8d92c8" providerId="LiveId" clId="{0E19EBBC-76C8-4175-856E-9CD6DDD70504}" dt="2024-06-08T15:43:05.651" v="2407"/>
+        <pc:sldMkLst>
+          <pc:docMk/>
+          <pc:sldMk cId="3026023675" sldId="272"/>
+        </pc:sldMkLst>
+        <pc:spChg chg="mod">
+          <ac:chgData name="Meletis Konstas" userId="80fb3a933d8d92c8" providerId="LiveId" clId="{0E19EBBC-76C8-4175-856E-9CD6DDD70504}" dt="2024-06-08T15:43:05.651" v="2407"/>
+          <ac:spMkLst>
+            <pc:docMk/>
+            <pc:sldMk cId="3026023675" sldId="272"/>
+            <ac:spMk id="2" creationId="{FE44084E-7F80-BAD7-F256-E61AF01BA987}"/>
+          </ac:spMkLst>
+        </pc:spChg>
+        <pc:spChg chg="mod">
+          <ac:chgData name="Meletis Konstas" userId="80fb3a933d8d92c8" providerId="LiveId" clId="{0E19EBBC-76C8-4175-856E-9CD6DDD70504}" dt="2024-06-08T15:41:52.793" v="2350" actId="313"/>
+          <ac:spMkLst>
+            <pc:docMk/>
+            <pc:sldMk cId="3026023675" sldId="272"/>
+            <ac:spMk id="4" creationId="{1DDB2F69-CB12-48EA-E3DF-B632D36EC7A1}"/>
+          </ac:spMkLst>
+        </pc:spChg>
+        <pc:spChg chg="add del mod">
+          <ac:chgData name="Meletis Konstas" userId="80fb3a933d8d92c8" providerId="LiveId" clId="{0E19EBBC-76C8-4175-856E-9CD6DDD70504}" dt="2024-06-08T15:41:45.042" v="2325"/>
+          <ac:spMkLst>
+            <pc:docMk/>
+            <pc:sldMk cId="3026023675" sldId="272"/>
+            <ac:spMk id="5" creationId="{29B8A8FF-A222-D5B8-7383-D3E490730BD5}"/>
+          </ac:spMkLst>
+        </pc:spChg>
+        <pc:spChg chg="add mod">
+          <ac:chgData name="Meletis Konstas" userId="80fb3a933d8d92c8" providerId="LiveId" clId="{0E19EBBC-76C8-4175-856E-9CD6DDD70504}" dt="2024-06-08T15:42:05.099" v="2354" actId="1036"/>
+          <ac:spMkLst>
+            <pc:docMk/>
+            <pc:sldMk cId="3026023675" sldId="272"/>
+            <ac:spMk id="11" creationId="{DA691C82-96BD-B674-9B05-4EC9B581556C}"/>
+          </ac:spMkLst>
+        </pc:spChg>
+        <pc:picChg chg="del">
+          <ac:chgData name="Meletis Konstas" userId="80fb3a933d8d92c8" providerId="LiveId" clId="{0E19EBBC-76C8-4175-856E-9CD6DDD70504}" dt="2024-06-08T15:40:35.393" v="2269" actId="478"/>
+          <ac:picMkLst>
+            <pc:docMk/>
+            <pc:sldMk cId="3026023675" sldId="272"/>
+            <ac:picMk id="6" creationId="{C37B2F2D-FCF6-209E-D762-8329B83F8400}"/>
+          </ac:picMkLst>
+        </pc:picChg>
+        <pc:picChg chg="add mod">
+          <ac:chgData name="Meletis Konstas" userId="80fb3a933d8d92c8" providerId="LiveId" clId="{0E19EBBC-76C8-4175-856E-9CD6DDD70504}" dt="2024-06-08T15:41:30.585" v="2324" actId="931"/>
+          <ac:picMkLst>
+            <pc:docMk/>
+            <pc:sldMk cId="3026023675" sldId="272"/>
+            <ac:picMk id="8" creationId="{BBBF9B44-A560-CB90-C208-3DE364774D8D}"/>
+          </ac:picMkLst>
+        </pc:picChg>
+        <pc:picChg chg="add mod">
+          <ac:chgData name="Meletis Konstas" userId="80fb3a933d8d92c8" providerId="LiveId" clId="{0E19EBBC-76C8-4175-856E-9CD6DDD70504}" dt="2024-06-08T15:41:45.924" v="2327" actId="962"/>
+          <ac:picMkLst>
+            <pc:docMk/>
+            <pc:sldMk cId="3026023675" sldId="272"/>
+            <ac:picMk id="10" creationId="{3665A065-8416-DA49-66B0-321168A523FC}"/>
+          </ac:picMkLst>
+        </pc:picChg>
+      </pc:sldChg>
+      <pc:sldChg chg="addSp delSp modSp new mod">
+        <pc:chgData name="Meletis Konstas" userId="80fb3a933d8d92c8" providerId="LiveId" clId="{0E19EBBC-76C8-4175-856E-9CD6DDD70504}" dt="2024-06-08T15:44:44.221" v="2606" actId="20577"/>
+        <pc:sldMkLst>
+          <pc:docMk/>
+          <pc:sldMk cId="1133800916" sldId="273"/>
+        </pc:sldMkLst>
+        <pc:spChg chg="mod">
+          <ac:chgData name="Meletis Konstas" userId="80fb3a933d8d92c8" providerId="LiveId" clId="{0E19EBBC-76C8-4175-856E-9CD6DDD70504}" dt="2024-06-08T15:43:06.935" v="2408"/>
+          <ac:spMkLst>
+            <pc:docMk/>
+            <pc:sldMk cId="1133800916" sldId="273"/>
+            <ac:spMk id="2" creationId="{E7A8B1D4-3ED6-98D4-F0EE-4DA3551A45C3}"/>
+          </ac:spMkLst>
+        </pc:spChg>
+        <pc:spChg chg="del">
+          <ac:chgData name="Meletis Konstas" userId="80fb3a933d8d92c8" providerId="LiveId" clId="{0E19EBBC-76C8-4175-856E-9CD6DDD70504}" dt="2024-06-08T15:43:19.610" v="2409"/>
+          <ac:spMkLst>
+            <pc:docMk/>
+            <pc:sldMk cId="1133800916" sldId="273"/>
+            <ac:spMk id="3" creationId="{6A0786A6-3E03-5FA6-F1E8-5A3B5F7AD6CC}"/>
+          </ac:spMkLst>
+        </pc:spChg>
+        <pc:spChg chg="mod">
+          <ac:chgData name="Meletis Konstas" userId="80fb3a933d8d92c8" providerId="LiveId" clId="{0E19EBBC-76C8-4175-856E-9CD6DDD70504}" dt="2024-06-08T15:44:44.221" v="2606" actId="20577"/>
+          <ac:spMkLst>
+            <pc:docMk/>
+            <pc:sldMk cId="1133800916" sldId="273"/>
+            <ac:spMk id="4" creationId="{AD1E34C1-5EFA-F173-F8A3-4A2D158810EF}"/>
+          </ac:spMkLst>
+        </pc:spChg>
+        <pc:spChg chg="add del">
+          <ac:chgData name="Meletis Konstas" userId="80fb3a933d8d92c8" providerId="LiveId" clId="{0E19EBBC-76C8-4175-856E-9CD6DDD70504}" dt="2024-06-08T15:44:19.091" v="2498" actId="22"/>
+          <ac:spMkLst>
+            <pc:docMk/>
+            <pc:sldMk cId="1133800916" sldId="273"/>
+            <ac:spMk id="8" creationId="{2FEB4B50-AB3A-0B2C-EE9F-2C72DA927123}"/>
+          </ac:spMkLst>
+        </pc:spChg>
+        <pc:spChg chg="add mod">
+          <ac:chgData name="Meletis Konstas" userId="80fb3a933d8d92c8" providerId="LiveId" clId="{0E19EBBC-76C8-4175-856E-9CD6DDD70504}" dt="2024-06-08T15:44:32.249" v="2579" actId="1035"/>
+          <ac:spMkLst>
+            <pc:docMk/>
+            <pc:sldMk cId="1133800916" sldId="273"/>
+            <ac:spMk id="9" creationId="{445C0B39-B2AF-BD04-F301-1E8D0D00D478}"/>
+          </ac:spMkLst>
+        </pc:spChg>
+        <pc:picChg chg="add mod">
+          <ac:chgData name="Meletis Konstas" userId="80fb3a933d8d92c8" providerId="LiveId" clId="{0E19EBBC-76C8-4175-856E-9CD6DDD70504}" dt="2024-06-08T15:43:20.515" v="2411" actId="962"/>
+          <ac:picMkLst>
+            <pc:docMk/>
+            <pc:sldMk cId="1133800916" sldId="273"/>
+            <ac:picMk id="6" creationId="{DB7B2181-F870-5618-121C-35132A403A00}"/>
+          </ac:picMkLst>
+        </pc:picChg>
+      </pc:sldChg>
+      <pc:sldChg chg="addSp delSp modSp new mod">
+        <pc:chgData name="Meletis Konstas" userId="80fb3a933d8d92c8" providerId="LiveId" clId="{0E19EBBC-76C8-4175-856E-9CD6DDD70504}" dt="2024-06-08T15:48:32.683" v="2859" actId="1038"/>
+        <pc:sldMkLst>
+          <pc:docMk/>
+          <pc:sldMk cId="3775914653" sldId="274"/>
+        </pc:sldMkLst>
+        <pc:spChg chg="mod">
+          <ac:chgData name="Meletis Konstas" userId="80fb3a933d8d92c8" providerId="LiveId" clId="{0E19EBBC-76C8-4175-856E-9CD6DDD70504}" dt="2024-06-08T15:44:59.322" v="2608"/>
+          <ac:spMkLst>
+            <pc:docMk/>
+            <pc:sldMk cId="3775914653" sldId="274"/>
+            <ac:spMk id="2" creationId="{F0DB698C-AC43-E8DC-7C1D-25345D97276A}"/>
+          </ac:spMkLst>
+        </pc:spChg>
+        <pc:spChg chg="del">
+          <ac:chgData name="Meletis Konstas" userId="80fb3a933d8d92c8" providerId="LiveId" clId="{0E19EBBC-76C8-4175-856E-9CD6DDD70504}" dt="2024-06-08T15:45:07.753" v="2609"/>
+          <ac:spMkLst>
+            <pc:docMk/>
+            <pc:sldMk cId="3775914653" sldId="274"/>
+            <ac:spMk id="3" creationId="{852B59A3-FD6B-6D38-162C-59E2A0096DF1}"/>
+          </ac:spMkLst>
+        </pc:spChg>
+        <pc:spChg chg="mod">
+          <ac:chgData name="Meletis Konstas" userId="80fb3a933d8d92c8" providerId="LiveId" clId="{0E19EBBC-76C8-4175-856E-9CD6DDD70504}" dt="2024-06-08T15:48:26.452" v="2834" actId="313"/>
+          <ac:spMkLst>
+            <pc:docMk/>
+            <pc:sldMk cId="3775914653" sldId="274"/>
+            <ac:spMk id="4" creationId="{7E33ACEF-5B55-CBF7-B6C7-A415FE48FA84}"/>
+          </ac:spMkLst>
+        </pc:spChg>
+        <pc:spChg chg="add mod">
+          <ac:chgData name="Meletis Konstas" userId="80fb3a933d8d92c8" providerId="LiveId" clId="{0E19EBBC-76C8-4175-856E-9CD6DDD70504}" dt="2024-06-08T15:48:32.683" v="2859" actId="1038"/>
+          <ac:spMkLst>
+            <pc:docMk/>
+            <pc:sldMk cId="3775914653" sldId="274"/>
+            <ac:spMk id="7" creationId="{00A1CFF3-2E95-8309-E1FE-B328A91DB790}"/>
+          </ac:spMkLst>
+        </pc:spChg>
+        <pc:picChg chg="add mod">
+          <ac:chgData name="Meletis Konstas" userId="80fb3a933d8d92c8" providerId="LiveId" clId="{0E19EBBC-76C8-4175-856E-9CD6DDD70504}" dt="2024-06-08T15:45:08.976" v="2610" actId="27614"/>
+          <ac:picMkLst>
+            <pc:docMk/>
+            <pc:sldMk cId="3775914653" sldId="274"/>
+            <ac:picMk id="6" creationId="{0C1B156D-592B-3C5A-A24C-0AB7955DA40A}"/>
+          </ac:picMkLst>
+        </pc:picChg>
+      </pc:sldChg>
+      <pc:sldChg chg="addSp delSp modSp new mod">
+        <pc:chgData name="Meletis Konstas" userId="80fb3a933d8d92c8" providerId="LiveId" clId="{0E19EBBC-76C8-4175-856E-9CD6DDD70504}" dt="2024-06-08T15:51:09.533" v="2933" actId="6549"/>
+        <pc:sldMkLst>
+          <pc:docMk/>
+          <pc:sldMk cId="3864846501" sldId="275"/>
+        </pc:sldMkLst>
+        <pc:spChg chg="del">
+          <ac:chgData name="Meletis Konstas" userId="80fb3a933d8d92c8" providerId="LiveId" clId="{0E19EBBC-76C8-4175-856E-9CD6DDD70504}" dt="2024-06-08T15:46:05.953" v="2681"/>
+          <ac:spMkLst>
+            <pc:docMk/>
+            <pc:sldMk cId="3864846501" sldId="275"/>
+            <ac:spMk id="3" creationId="{B9421334-D68E-F28B-6938-12D5A2AABB5A}"/>
+          </ac:spMkLst>
+        </pc:spChg>
+        <pc:spChg chg="mod">
+          <ac:chgData name="Meletis Konstas" userId="80fb3a933d8d92c8" providerId="LiveId" clId="{0E19EBBC-76C8-4175-856E-9CD6DDD70504}" dt="2024-06-08T15:51:09.533" v="2933" actId="6549"/>
+          <ac:spMkLst>
+            <pc:docMk/>
+            <pc:sldMk cId="3864846501" sldId="275"/>
+            <ac:spMk id="4" creationId="{F9CAD320-FE75-60CD-A034-ACEF996EEB0B}"/>
+          </ac:spMkLst>
+        </pc:spChg>
+        <pc:spChg chg="add mod">
+          <ac:chgData name="Meletis Konstas" userId="80fb3a933d8d92c8" providerId="LiveId" clId="{0E19EBBC-76C8-4175-856E-9CD6DDD70504}" dt="2024-06-08T15:49:36.516" v="2922" actId="1037"/>
+          <ac:spMkLst>
+            <pc:docMk/>
+            <pc:sldMk cId="3864846501" sldId="275"/>
+            <ac:spMk id="7" creationId="{28596D8B-D872-D9B0-ED60-14D3D83E85E0}"/>
+          </ac:spMkLst>
+        </pc:spChg>
+        <pc:picChg chg="add mod">
+          <ac:chgData name="Meletis Konstas" userId="80fb3a933d8d92c8" providerId="LiveId" clId="{0E19EBBC-76C8-4175-856E-9CD6DDD70504}" dt="2024-06-08T15:46:06.699" v="2682" actId="27614"/>
+          <ac:picMkLst>
+            <pc:docMk/>
+            <pc:sldMk cId="3864846501" sldId="275"/>
+            <ac:picMk id="6" creationId="{0A721ACB-9ACB-DD96-12F6-5A74CCF6E920}"/>
+          </ac:picMkLst>
+        </pc:picChg>
+      </pc:sldChg>
+      <pc:sldChg chg="modSp add del mod">
+        <pc:chgData name="Meletis Konstas" userId="80fb3a933d8d92c8" providerId="LiveId" clId="{0E19EBBC-76C8-4175-856E-9CD6DDD70504}" dt="2024-06-08T15:50:36.260" v="2930" actId="2696"/>
+        <pc:sldMkLst>
+          <pc:docMk/>
+          <pc:sldMk cId="549169958" sldId="276"/>
+        </pc:sldMkLst>
+        <pc:spChg chg="mod">
+          <ac:chgData name="Meletis Konstas" userId="80fb3a933d8d92c8" providerId="LiveId" clId="{0E19EBBC-76C8-4175-856E-9CD6DDD70504}" dt="2024-06-08T15:50:19.091" v="2929" actId="20577"/>
+          <ac:spMkLst>
+            <pc:docMk/>
+            <pc:sldMk cId="549169958" sldId="276"/>
+            <ac:spMk id="4" creationId="{AD1E34C1-5EFA-F173-F8A3-4A2D158810EF}"/>
+          </ac:spMkLst>
+        </pc:spChg>
+        <pc:spChg chg="mod">
+          <ac:chgData name="Meletis Konstas" userId="80fb3a933d8d92c8" providerId="LiveId" clId="{0E19EBBC-76C8-4175-856E-9CD6DDD70504}" dt="2024-06-08T15:50:16.998" v="2928" actId="1076"/>
+          <ac:spMkLst>
+            <pc:docMk/>
+            <pc:sldMk cId="549169958" sldId="276"/>
+            <ac:spMk id="9" creationId="{445C0B39-B2AF-BD04-F301-1E8D0D00D478}"/>
+          </ac:spMkLst>
+        </pc:spChg>
+      </pc:sldChg>
+      <pc:sldChg chg="addSp delSp modSp new mod">
+        <pc:chgData name="Meletis Konstas" userId="80fb3a933d8d92c8" providerId="LiveId" clId="{0E19EBBC-76C8-4175-856E-9CD6DDD70504}" dt="2024-06-08T15:52:42.344" v="2952" actId="1036"/>
+        <pc:sldMkLst>
+          <pc:docMk/>
+          <pc:sldMk cId="1044991076" sldId="277"/>
+        </pc:sldMkLst>
+        <pc:spChg chg="del">
+          <ac:chgData name="Meletis Konstas" userId="80fb3a933d8d92c8" providerId="LiveId" clId="{0E19EBBC-76C8-4175-856E-9CD6DDD70504}" dt="2024-06-08T15:49:13.919" v="2913"/>
+          <ac:spMkLst>
+            <pc:docMk/>
+            <pc:sldMk cId="1044991076" sldId="277"/>
+            <ac:spMk id="3" creationId="{9B891D41-ECA4-373B-4E28-1E466E411334}"/>
+          </ac:spMkLst>
+        </pc:spChg>
+        <pc:spChg chg="mod">
+          <ac:chgData name="Meletis Konstas" userId="80fb3a933d8d92c8" providerId="LiveId" clId="{0E19EBBC-76C8-4175-856E-9CD6DDD70504}" dt="2024-06-08T15:52:32.817" v="2943"/>
+          <ac:spMkLst>
+            <pc:docMk/>
+            <pc:sldMk cId="1044991076" sldId="277"/>
+            <ac:spMk id="4" creationId="{7664AFE3-2410-FD51-ECB5-C8523D21058A}"/>
+          </ac:spMkLst>
+        </pc:spChg>
+        <pc:spChg chg="add mod">
+          <ac:chgData name="Meletis Konstas" userId="80fb3a933d8d92c8" providerId="LiveId" clId="{0E19EBBC-76C8-4175-856E-9CD6DDD70504}" dt="2024-06-08T15:52:42.344" v="2952" actId="1036"/>
+          <ac:spMkLst>
+            <pc:docMk/>
+            <pc:sldMk cId="1044991076" sldId="277"/>
+            <ac:spMk id="7" creationId="{46A730CD-CA5B-F132-CD39-AEC1A5C611FC}"/>
+          </ac:spMkLst>
+        </pc:spChg>
+        <pc:picChg chg="add mod">
+          <ac:chgData name="Meletis Konstas" userId="80fb3a933d8d92c8" providerId="LiveId" clId="{0E19EBBC-76C8-4175-856E-9CD6DDD70504}" dt="2024-06-08T15:49:15.475" v="2914" actId="27614"/>
+          <ac:picMkLst>
+            <pc:docMk/>
+            <pc:sldMk cId="1044991076" sldId="277"/>
+            <ac:picMk id="6" creationId="{C4DD6240-C6F9-65C3-ACCD-8BD2CA8B6BAF}"/>
+          </ac:picMkLst>
+        </pc:picChg>
+      </pc:sldChg>
+      <pc:sldChg chg="add">
+        <pc:chgData name="Meletis Konstas" userId="80fb3a933d8d92c8" providerId="LiveId" clId="{0E19EBBC-76C8-4175-856E-9CD6DDD70504}" dt="2024-06-08T15:50:08.424" v="2927" actId="2890"/>
+        <pc:sldMkLst>
+          <pc:docMk/>
+          <pc:sldMk cId="1154978714" sldId="278"/>
+        </pc:sldMkLst>
+      </pc:sldChg>
+      <pc:sldChg chg="new del">
+        <pc:chgData name="Meletis Konstas" userId="80fb3a933d8d92c8" providerId="LiveId" clId="{0E19EBBC-76C8-4175-856E-9CD6DDD70504}" dt="2024-06-08T15:50:05.393" v="2926" actId="680"/>
+        <pc:sldMkLst>
+          <pc:docMk/>
+          <pc:sldMk cId="2442446857" sldId="278"/>
+        </pc:sldMkLst>
+      </pc:sldChg>
+      <pc:sldChg chg="addSp delSp modSp new mod">
+        <pc:chgData name="Meletis Konstas" userId="80fb3a933d8d92c8" providerId="LiveId" clId="{0E19EBBC-76C8-4175-856E-9CD6DDD70504}" dt="2024-06-08T15:54:00.421" v="3022" actId="20577"/>
+        <pc:sldMkLst>
+          <pc:docMk/>
+          <pc:sldMk cId="479476273" sldId="279"/>
+        </pc:sldMkLst>
+        <pc:spChg chg="del">
+          <ac:chgData name="Meletis Konstas" userId="80fb3a933d8d92c8" providerId="LiveId" clId="{0E19EBBC-76C8-4175-856E-9CD6DDD70504}" dt="2024-06-08T15:51:52.869" v="2938"/>
+          <ac:spMkLst>
+            <pc:docMk/>
+            <pc:sldMk cId="479476273" sldId="279"/>
+            <ac:spMk id="3" creationId="{8BCAD1E3-B865-1796-A312-D97675D66C78}"/>
+          </ac:spMkLst>
+        </pc:spChg>
+        <pc:spChg chg="mod">
+          <ac:chgData name="Meletis Konstas" userId="80fb3a933d8d92c8" providerId="LiveId" clId="{0E19EBBC-76C8-4175-856E-9CD6DDD70504}" dt="2024-06-08T15:54:00.421" v="3022" actId="20577"/>
+          <ac:spMkLst>
+            <pc:docMk/>
+            <pc:sldMk cId="479476273" sldId="279"/>
+            <ac:spMk id="4" creationId="{AB4FA741-AB72-F8E9-DF1C-E0E5EA42F426}"/>
+          </ac:spMkLst>
+        </pc:spChg>
+        <pc:spChg chg="add del">
+          <ac:chgData name="Meletis Konstas" userId="80fb3a933d8d92c8" providerId="LiveId" clId="{0E19EBBC-76C8-4175-856E-9CD6DDD70504}" dt="2024-06-08T15:52:47.795" v="2954" actId="22"/>
+          <ac:spMkLst>
+            <pc:docMk/>
+            <pc:sldMk cId="479476273" sldId="279"/>
+            <ac:spMk id="8" creationId="{69FED37A-EAD9-2A0F-5CEB-7738CDF2D8B3}"/>
+          </ac:spMkLst>
+        </pc:spChg>
+        <pc:spChg chg="add mod">
+          <ac:chgData name="Meletis Konstas" userId="80fb3a933d8d92c8" providerId="LiveId" clId="{0E19EBBC-76C8-4175-856E-9CD6DDD70504}" dt="2024-06-08T15:53:50.886" v="3017" actId="1076"/>
+          <ac:spMkLst>
+            <pc:docMk/>
+            <pc:sldMk cId="479476273" sldId="279"/>
+            <ac:spMk id="9" creationId="{97166519-F663-817E-96D7-58D0EF848127}"/>
+          </ac:spMkLst>
+        </pc:spChg>
+        <pc:picChg chg="add mod">
+          <ac:chgData name="Meletis Konstas" userId="80fb3a933d8d92c8" providerId="LiveId" clId="{0E19EBBC-76C8-4175-856E-9CD6DDD70504}" dt="2024-06-08T15:51:54.367" v="2940" actId="962"/>
+          <ac:picMkLst>
+            <pc:docMk/>
+            <pc:sldMk cId="479476273" sldId="279"/>
+            <ac:picMk id="6" creationId="{D76AC784-15D4-E95D-D887-BC111230913E}"/>
+          </ac:picMkLst>
+        </pc:picChg>
+      </pc:sldChg>
+      <pc:sldChg chg="addSp delSp modSp new mod">
+        <pc:chgData name="Meletis Konstas" userId="80fb3a933d8d92c8" providerId="LiveId" clId="{0E19EBBC-76C8-4175-856E-9CD6DDD70504}" dt="2024-06-08T15:54:39.433" v="3040" actId="1038"/>
+        <pc:sldMkLst>
+          <pc:docMk/>
+          <pc:sldMk cId="2934522648" sldId="280"/>
+        </pc:sldMkLst>
+        <pc:spChg chg="del">
+          <ac:chgData name="Meletis Konstas" userId="80fb3a933d8d92c8" providerId="LiveId" clId="{0E19EBBC-76C8-4175-856E-9CD6DDD70504}" dt="2024-06-08T15:53:56.815" v="3018"/>
+          <ac:spMkLst>
+            <pc:docMk/>
+            <pc:sldMk cId="2934522648" sldId="280"/>
+            <ac:spMk id="3" creationId="{8B5AA641-D18A-9BC0-4280-FC8CA36F4680}"/>
+          </ac:spMkLst>
+        </pc:spChg>
+        <pc:spChg chg="mod">
+          <ac:chgData name="Meletis Konstas" userId="80fb3a933d8d92c8" providerId="LiveId" clId="{0E19EBBC-76C8-4175-856E-9CD6DDD70504}" dt="2024-06-08T15:54:28.955" v="3029" actId="20577"/>
+          <ac:spMkLst>
+            <pc:docMk/>
+            <pc:sldMk cId="2934522648" sldId="280"/>
+            <ac:spMk id="4" creationId="{9B9758B2-9CEA-4037-A19C-2AA56B927E46}"/>
+          </ac:spMkLst>
+        </pc:spChg>
+        <pc:spChg chg="add del">
+          <ac:chgData name="Meletis Konstas" userId="80fb3a933d8d92c8" providerId="LiveId" clId="{0E19EBBC-76C8-4175-856E-9CD6DDD70504}" dt="2024-06-08T15:54:33.408" v="3031" actId="22"/>
+          <ac:spMkLst>
+            <pc:docMk/>
+            <pc:sldMk cId="2934522648" sldId="280"/>
+            <ac:spMk id="8" creationId="{5CBF6F8F-A846-E671-DBF9-8875F0AFF4AA}"/>
+          </ac:spMkLst>
+        </pc:spChg>
+        <pc:spChg chg="add mod">
+          <ac:chgData name="Meletis Konstas" userId="80fb3a933d8d92c8" providerId="LiveId" clId="{0E19EBBC-76C8-4175-856E-9CD6DDD70504}" dt="2024-06-08T15:54:39.433" v="3040" actId="1038"/>
+          <ac:spMkLst>
+            <pc:docMk/>
+            <pc:sldMk cId="2934522648" sldId="280"/>
+            <ac:spMk id="9" creationId="{6905B1C9-230B-B750-A566-54FFD56B76A8}"/>
+          </ac:spMkLst>
+        </pc:spChg>
+        <pc:picChg chg="add mod">
+          <ac:chgData name="Meletis Konstas" userId="80fb3a933d8d92c8" providerId="LiveId" clId="{0E19EBBC-76C8-4175-856E-9CD6DDD70504}" dt="2024-06-08T15:53:58.064" v="3019" actId="27614"/>
+          <ac:picMkLst>
+            <pc:docMk/>
+            <pc:sldMk cId="2934522648" sldId="280"/>
+            <ac:picMk id="6" creationId="{5C72A44A-9B4A-64DA-C981-A1619E7B9CDC}"/>
+          </ac:picMkLst>
+        </pc:picChg>
+      </pc:sldChg>
+      <pc:sldChg chg="addSp delSp modSp new mod">
+        <pc:chgData name="Meletis Konstas" userId="80fb3a933d8d92c8" providerId="LiveId" clId="{0E19EBBC-76C8-4175-856E-9CD6DDD70504}" dt="2024-06-08T15:55:30.825" v="3102" actId="20577"/>
+        <pc:sldMkLst>
+          <pc:docMk/>
+          <pc:sldMk cId="4005168087" sldId="281"/>
+        </pc:sldMkLst>
+        <pc:spChg chg="del">
+          <ac:chgData name="Meletis Konstas" userId="80fb3a933d8d92c8" providerId="LiveId" clId="{0E19EBBC-76C8-4175-856E-9CD6DDD70504}" dt="2024-06-08T15:54:58.629" v="3041"/>
+          <ac:spMkLst>
+            <pc:docMk/>
+            <pc:sldMk cId="4005168087" sldId="281"/>
+            <ac:spMk id="3" creationId="{01C1F3E9-E1CD-CA62-4917-245DBAEF26C8}"/>
+          </ac:spMkLst>
+        </pc:spChg>
+        <pc:spChg chg="mod">
+          <ac:chgData name="Meletis Konstas" userId="80fb3a933d8d92c8" providerId="LiveId" clId="{0E19EBBC-76C8-4175-856E-9CD6DDD70504}" dt="2024-06-08T15:55:30.825" v="3102" actId="20577"/>
+          <ac:spMkLst>
+            <pc:docMk/>
+            <pc:sldMk cId="4005168087" sldId="281"/>
+            <ac:spMk id="4" creationId="{4C0E6856-AA7B-10CD-E923-14B2061C9F1F}"/>
+          </ac:spMkLst>
+        </pc:spChg>
+        <pc:spChg chg="add mod">
+          <ac:chgData name="Meletis Konstas" userId="80fb3a933d8d92c8" providerId="LiveId" clId="{0E19EBBC-76C8-4175-856E-9CD6DDD70504}" dt="2024-06-08T15:55:22.370" v="3092"/>
+          <ac:spMkLst>
+            <pc:docMk/>
+            <pc:sldMk cId="4005168087" sldId="281"/>
+            <ac:spMk id="7" creationId="{9307A9B8-7265-B37F-3F51-83A2CC2204A6}"/>
+          </ac:spMkLst>
+        </pc:spChg>
+        <pc:picChg chg="add mod">
+          <ac:chgData name="Meletis Konstas" userId="80fb3a933d8d92c8" providerId="LiveId" clId="{0E19EBBC-76C8-4175-856E-9CD6DDD70504}" dt="2024-06-08T15:54:59.341" v="3043" actId="962"/>
+          <ac:picMkLst>
+            <pc:docMk/>
+            <pc:sldMk cId="4005168087" sldId="281"/>
+            <ac:picMk id="6" creationId="{9D68B4F7-265D-055E-BF21-0E2AF5DBC7AE}"/>
+          </ac:picMkLst>
+        </pc:picChg>
       </pc:sldChg>
     </pc:docChg>
   </pc:docChgLst>
@@ -253,7 +1046,7 @@
             <a:pPr rtl="0"/>
             <a:fld id="{9989CEA1-E749-494C-AD44-096A79C0D099}" type="datetime1">
               <a:rPr lang="el-GR" smtClean="0"/>
-              <a:t>7/6/2024</a:t>
+              <a:t>8/6/2024</a:t>
             </a:fld>
             <a:endParaRPr lang="el-GR"/>
           </a:p>
@@ -435,7 +1228,7 @@
             <a:pPr rtl="0"/>
             <a:fld id="{B821F92E-8357-45A9-A750-682B497434C8}" type="datetime1">
               <a:rPr lang="el-GR" noProof="0" smtClean="0"/>
-              <a:t>7/6/2024</a:t>
+              <a:t>8/6/2024</a:t>
             </a:fld>
             <a:endParaRPr lang="el-GR" noProof="0"/>
           </a:p>
@@ -1038,7 +1831,7 @@
             <a:pPr rtl="0"/>
             <a:fld id="{782BF959-9F1D-442A-B1B3-D30FE43F2A8E}" type="datetime1">
               <a:rPr lang="el-GR" noProof="0" smtClean="0"/>
-              <a:t>7/6/2024</a:t>
+              <a:t>8/6/2024</a:t>
             </a:fld>
             <a:endParaRPr lang="el-GR" noProof="0"/>
           </a:p>
@@ -1303,7 +2096,7 @@
             <a:pPr rtl="0"/>
             <a:fld id="{1C64ADB0-84A2-4632-A109-B776CF25AF76}" type="datetime1">
               <a:rPr lang="el-GR" noProof="0" smtClean="0"/>
-              <a:t>7/6/2024</a:t>
+              <a:t>8/6/2024</a:t>
             </a:fld>
             <a:endParaRPr lang="el-GR" noProof="0"/>
           </a:p>
@@ -1541,7 +2334,7 @@
             <a:pPr rtl="0"/>
             <a:fld id="{CDE11580-C0E1-4567-95AB-58528A20AC01}" type="datetime1">
               <a:rPr lang="el-GR" noProof="0" smtClean="0"/>
-              <a:t>7/6/2024</a:t>
+              <a:t>8/6/2024</a:t>
             </a:fld>
             <a:endParaRPr lang="el-GR" noProof="0"/>
           </a:p>
@@ -1784,7 +2577,7 @@
             <a:pPr rtl="0"/>
             <a:fld id="{70C65874-BBEE-4786-940F-8886DF266E9A}" type="datetime1">
               <a:rPr lang="el-GR" noProof="0" smtClean="0"/>
-              <a:t>7/6/2024</a:t>
+              <a:t>8/6/2024</a:t>
             </a:fld>
             <a:endParaRPr lang="el-GR" noProof="0"/>
           </a:p>
@@ -2095,7 +2888,7 @@
             <a:pPr rtl="0"/>
             <a:fld id="{BAE92C03-DC0A-4F93-ABD3-719702CA1AA1}" type="datetime1">
               <a:rPr lang="el-GR" noProof="0" smtClean="0"/>
-              <a:t>7/6/2024</a:t>
+              <a:t>8/6/2024</a:t>
             </a:fld>
             <a:endParaRPr lang="el-GR" noProof="0"/>
           </a:p>
@@ -2399,7 +3192,7 @@
             <a:pPr rtl="0"/>
             <a:fld id="{89FB7F7F-200D-4E06-9708-36F5C2BBCB8C}" type="datetime1">
               <a:rPr lang="el-GR" noProof="0" smtClean="0"/>
-              <a:t>7/6/2024</a:t>
+              <a:t>8/6/2024</a:t>
             </a:fld>
             <a:endParaRPr lang="el-GR" noProof="0"/>
           </a:p>
@@ -2823,7 +3616,7 @@
             <a:pPr rtl="0"/>
             <a:fld id="{A0DB36A7-F304-4C43-9713-854E8FD8E66E}" type="datetime1">
               <a:rPr lang="el-GR" noProof="0" smtClean="0"/>
-              <a:t>7/6/2024</a:t>
+              <a:t>8/6/2024</a:t>
             </a:fld>
             <a:endParaRPr lang="el-GR" noProof="0"/>
           </a:p>
@@ -2922,7 +3715,7 @@
             <a:pPr rtl="0"/>
             <a:fld id="{722CCC3C-F87B-4D2A-BF51-F22AC7A9A790}" type="datetime1">
               <a:rPr lang="el-GR" noProof="0" smtClean="0"/>
-              <a:t>7/6/2024</a:t>
+              <a:t>8/6/2024</a:t>
             </a:fld>
             <a:endParaRPr lang="el-GR" noProof="0"/>
           </a:p>
@@ -3088,7 +3881,7 @@
             <a:pPr rtl="0"/>
             <a:fld id="{A933C5AD-5A5D-4BE4-A3AF-A1F44AA1602F}" type="datetime1">
               <a:rPr lang="el-GR" noProof="0" smtClean="0"/>
-              <a:t>7/6/2024</a:t>
+              <a:t>8/6/2024</a:t>
             </a:fld>
             <a:endParaRPr lang="el-GR" noProof="0"/>
           </a:p>
@@ -3469,7 +4262,7 @@
             <a:pPr rtl="0"/>
             <a:fld id="{BD281C95-C7DA-4379-BA13-55CE6B660E4D}" type="datetime1">
               <a:rPr lang="el-GR" noProof="0" smtClean="0"/>
-              <a:t>7/6/2024</a:t>
+              <a:t>8/6/2024</a:t>
             </a:fld>
             <a:endParaRPr lang="el-GR" noProof="0"/>
           </a:p>
@@ -3762,7 +4555,7 @@
             <a:pPr rtl="0"/>
             <a:fld id="{37B00D55-54B2-4D84-9E21-6F24818E2801}" type="datetime1">
               <a:rPr lang="el-GR" noProof="0" smtClean="0"/>
-              <a:t>7/6/2024</a:t>
+              <a:t>8/6/2024</a:t>
             </a:fld>
             <a:endParaRPr lang="el-GR" noProof="0"/>
           </a:p>
@@ -3977,7 +4770,7 @@
           <a:p>
             <a:fld id="{260B3263-368D-4C77-8BC0-7F24AC002C4D}" type="datetime1">
               <a:rPr lang="el-GR" noProof="0" smtClean="0"/>
-              <a:t>7/6/2024</a:t>
+              <a:t>8/6/2024</a:t>
             </a:fld>
             <a:endParaRPr lang="el-GR" noProof="0">
               <a:latin typeface="Calibri" panose="020F0502020204030204" pitchFamily="34" charset="0"/>
@@ -5074,6 +5867,1623 @@
 </p:sld>
 </file>
 
+<file path=ppt/slides/slide10.xml><?xml version="1.0" encoding="utf-8"?>
+<p:sld xmlns:a="http://schemas.openxmlformats.org/drawingml/2006/main" xmlns:r="http://schemas.openxmlformats.org/officeDocument/2006/relationships" xmlns:p="http://schemas.openxmlformats.org/presentationml/2006/main">
+  <p:cSld>
+    <p:spTree>
+      <p:nvGrpSpPr>
+        <p:cNvPr id="1" name=""/>
+        <p:cNvGrpSpPr/>
+        <p:nvPr/>
+      </p:nvGrpSpPr>
+      <p:grpSpPr>
+        <a:xfrm>
+          <a:off x="0" y="0"/>
+          <a:ext cx="0" cy="0"/>
+          <a:chOff x="0" y="0"/>
+          <a:chExt cx="0" cy="0"/>
+        </a:xfrm>
+      </p:grpSpPr>
+      <p:sp>
+        <p:nvSpPr>
+          <p:cNvPr id="2" name="Τίτλος 1">
+            <a:extLst>
+              <a:ext uri="{FF2B5EF4-FFF2-40B4-BE49-F238E27FC236}">
+                <a16:creationId xmlns:a16="http://schemas.microsoft.com/office/drawing/2014/main" id="{90EACACE-1E69-4164-EA05-B746CBC3255F}"/>
+              </a:ext>
+            </a:extLst>
+          </p:cNvPr>
+          <p:cNvSpPr>
+            <a:spLocks noGrp="1"/>
+          </p:cNvSpPr>
+          <p:nvPr>
+            <p:ph type="title"/>
+          </p:nvPr>
+        </p:nvSpPr>
+        <p:spPr/>
+        <p:txBody>
+          <a:bodyPr/>
+          <a:lstStyle/>
+          <a:p>
+            <a:r>
+              <a:rPr lang="el-GR" dirty="0" err="1"/>
+              <a:t>Αποτελεσματα</a:t>
+            </a:r>
+            <a:endParaRPr lang="el-GR" dirty="0"/>
+          </a:p>
+        </p:txBody>
+      </p:sp>
+      <p:sp>
+        <p:nvSpPr>
+          <p:cNvPr id="3" name="Θέση περιεχομένου 2">
+            <a:extLst>
+              <a:ext uri="{FF2B5EF4-FFF2-40B4-BE49-F238E27FC236}">
+                <a16:creationId xmlns:a16="http://schemas.microsoft.com/office/drawing/2014/main" id="{405D51DA-C1A9-B86A-6760-AFD67E5EE5A2}"/>
+              </a:ext>
+            </a:extLst>
+          </p:cNvPr>
+          <p:cNvSpPr>
+            <a:spLocks noGrp="1"/>
+          </p:cNvSpPr>
+          <p:nvPr>
+            <p:ph idx="1"/>
+          </p:nvPr>
+        </p:nvSpPr>
+        <p:spPr/>
+        <p:txBody>
+          <a:bodyPr>
+            <a:normAutofit/>
+          </a:bodyPr>
+          <a:lstStyle/>
+          <a:p>
+            <a:r>
+              <a:rPr lang="el-GR" sz="2000" dirty="0"/>
+              <a:t>Διαχωρισμός πράξεων σε κύριες και δευτερεύουσες</a:t>
+            </a:r>
+          </a:p>
+          <a:p>
+            <a:pPr lvl="1">
+              <a:buFont typeface="Courier New" panose="02070309020205020404" pitchFamily="49" charset="0"/>
+              <a:buChar char="o"/>
+            </a:pPr>
+            <a:r>
+              <a:rPr lang="el-GR" sz="1800" dirty="0"/>
+              <a:t>Κύριες πράξεις: +, -, *, /, </a:t>
+            </a:r>
+            <a:r>
+              <a:rPr lang="en-US" sz="1800" dirty="0"/>
+              <a:t>modulo</a:t>
+            </a:r>
+            <a:r>
+              <a:rPr lang="el-GR" sz="1800" dirty="0"/>
+              <a:t> (με χρήση αντίστοιχων τελεστών της </a:t>
+            </a:r>
+            <a:r>
+              <a:rPr lang="en-US" sz="1800" dirty="0"/>
+              <a:t>Python)</a:t>
+            </a:r>
+          </a:p>
+          <a:p>
+            <a:pPr lvl="1">
+              <a:buFont typeface="Courier New" panose="02070309020205020404" pitchFamily="49" charset="0"/>
+              <a:buChar char="o"/>
+            </a:pPr>
+            <a:r>
+              <a:rPr lang="el-GR" sz="1800" dirty="0"/>
+              <a:t>Δευτερεύουσες: Τριγωνομετρικές, λογάριθμοι ( </a:t>
+            </a:r>
+            <a:r>
+              <a:rPr lang="en-US" sz="1800" dirty="0"/>
+              <a:t>log/ln), </a:t>
+            </a:r>
+            <a:r>
+              <a:rPr lang="el-GR" sz="1800" dirty="0"/>
+              <a:t>παραγοντικό, εκθετικές, ρίζες</a:t>
+            </a:r>
+            <a:r>
+              <a:rPr lang="en-US" sz="1800" dirty="0"/>
+              <a:t> (</a:t>
+            </a:r>
+            <a:r>
+              <a:rPr lang="el-GR" sz="1800" dirty="0"/>
+              <a:t>με χρήση συναρτήσεων της </a:t>
+            </a:r>
+            <a:r>
+              <a:rPr lang="en-US" sz="1800" dirty="0"/>
+              <a:t>math)</a:t>
+            </a:r>
+            <a:endParaRPr lang="el-GR" sz="1800" dirty="0"/>
+          </a:p>
+          <a:p>
+            <a:r>
+              <a:rPr lang="el-GR" sz="2000" dirty="0"/>
+              <a:t>Αλλαγή προσήμου</a:t>
+            </a:r>
+          </a:p>
+          <a:p>
+            <a:r>
+              <a:rPr lang="el-GR" sz="2000" dirty="0"/>
+              <a:t>Στρογγυλοποιήσεις (προς τον μεγαλύτερο ή μικρότερο ακέραιο)</a:t>
+            </a:r>
+          </a:p>
+          <a:p>
+            <a:r>
+              <a:rPr lang="el-GR" sz="2000" dirty="0"/>
+              <a:t>Δυνατότητα υπολογισμού σε μοίρες ή ακτίνια με χρήση επιλογέα</a:t>
+            </a:r>
+          </a:p>
+          <a:p>
+            <a:r>
+              <a:rPr lang="el-GR" sz="2000" dirty="0"/>
+              <a:t>Σύντομη επεξήγηση λειτουργίας του κάθε πλήκτρου με </a:t>
+            </a:r>
+            <a:r>
+              <a:rPr lang="en-US" sz="2000" dirty="0"/>
+              <a:t>mouseover</a:t>
+            </a:r>
+            <a:endParaRPr lang="el-GR" sz="2000" dirty="0"/>
+          </a:p>
+          <a:p>
+            <a:endParaRPr lang="el-GR" dirty="0"/>
+          </a:p>
+          <a:p>
+            <a:pPr marL="324000" lvl="1" indent="0">
+              <a:buNone/>
+            </a:pPr>
+            <a:endParaRPr lang="el-GR" dirty="0"/>
+          </a:p>
+        </p:txBody>
+      </p:sp>
+    </p:spTree>
+    <p:extLst>
+      <p:ext uri="{BB962C8B-B14F-4D97-AF65-F5344CB8AC3E}">
+        <p14:creationId xmlns:p14="http://schemas.microsoft.com/office/powerpoint/2010/main" val="3760529039"/>
+      </p:ext>
+    </p:extLst>
+  </p:cSld>
+  <p:clrMapOvr>
+    <a:masterClrMapping/>
+  </p:clrMapOvr>
+</p:sld>
+</file>
+
+<file path=ppt/slides/slide11.xml><?xml version="1.0" encoding="utf-8"?>
+<p:sld xmlns:a="http://schemas.openxmlformats.org/drawingml/2006/main" xmlns:r="http://schemas.openxmlformats.org/officeDocument/2006/relationships" xmlns:p="http://schemas.openxmlformats.org/presentationml/2006/main">
+  <p:cSld>
+    <p:spTree>
+      <p:nvGrpSpPr>
+        <p:cNvPr id="1" name=""/>
+        <p:cNvGrpSpPr/>
+        <p:nvPr/>
+      </p:nvGrpSpPr>
+      <p:grpSpPr>
+        <a:xfrm>
+          <a:off x="0" y="0"/>
+          <a:ext cx="0" cy="0"/>
+          <a:chOff x="0" y="0"/>
+          <a:chExt cx="0" cy="0"/>
+        </a:xfrm>
+      </p:grpSpPr>
+      <p:sp>
+        <p:nvSpPr>
+          <p:cNvPr id="2" name="Τίτλος 1">
+            <a:extLst>
+              <a:ext uri="{FF2B5EF4-FFF2-40B4-BE49-F238E27FC236}">
+                <a16:creationId xmlns:a16="http://schemas.microsoft.com/office/drawing/2014/main" id="{7C7DF19A-2285-2EF1-0C39-49740B336D15}"/>
+              </a:ext>
+            </a:extLst>
+          </p:cNvPr>
+          <p:cNvSpPr>
+            <a:spLocks noGrp="1"/>
+          </p:cNvSpPr>
+          <p:nvPr>
+            <p:ph type="title"/>
+          </p:nvPr>
+        </p:nvSpPr>
+        <p:spPr/>
+        <p:txBody>
+          <a:bodyPr/>
+          <a:lstStyle/>
+          <a:p>
+            <a:r>
+              <a:rPr lang="el-GR" dirty="0" err="1"/>
+              <a:t>αποτελεσματα</a:t>
+            </a:r>
+            <a:endParaRPr lang="el-GR" dirty="0"/>
+          </a:p>
+        </p:txBody>
+      </p:sp>
+      <p:sp>
+        <p:nvSpPr>
+          <p:cNvPr id="3" name="Θέση περιεχομένου 2">
+            <a:extLst>
+              <a:ext uri="{FF2B5EF4-FFF2-40B4-BE49-F238E27FC236}">
+                <a16:creationId xmlns:a16="http://schemas.microsoft.com/office/drawing/2014/main" id="{736AD393-926C-9A5C-0F09-4649AEFA47F7}"/>
+              </a:ext>
+            </a:extLst>
+          </p:cNvPr>
+          <p:cNvSpPr>
+            <a:spLocks noGrp="1"/>
+          </p:cNvSpPr>
+          <p:nvPr>
+            <p:ph idx="1"/>
+          </p:nvPr>
+        </p:nvSpPr>
+        <p:spPr/>
+        <p:txBody>
+          <a:bodyPr/>
+          <a:lstStyle/>
+          <a:p>
+            <a:r>
+              <a:rPr lang="el-GR" sz="2000" dirty="0"/>
+              <a:t>Σταθερές </a:t>
+            </a:r>
+            <a:r>
+              <a:rPr lang="en-US" sz="2000" dirty="0"/>
+              <a:t>(e </a:t>
+            </a:r>
+            <a:r>
+              <a:rPr lang="el-GR" sz="2000" dirty="0"/>
+              <a:t>και π)</a:t>
+            </a:r>
+            <a:endParaRPr lang="en-US" sz="2000" dirty="0"/>
+          </a:p>
+          <a:p>
+            <a:r>
+              <a:rPr lang="el-GR" sz="2000" dirty="0"/>
+              <a:t>Εμφάνιση ποσοστού</a:t>
+            </a:r>
+          </a:p>
+          <a:p>
+            <a:r>
+              <a:rPr lang="el-GR" sz="2000" dirty="0"/>
+              <a:t>Εμφάνιση αντίστροφου</a:t>
+            </a:r>
+          </a:p>
+          <a:p>
+            <a:r>
+              <a:rPr lang="el-GR" sz="2000" dirty="0"/>
+              <a:t>Λειτουργίες μνήμης (</a:t>
+            </a:r>
+            <a:r>
+              <a:rPr lang="en-US" sz="2000" dirty="0"/>
+              <a:t>MS, M+, M-, MR, MC, GT) </a:t>
+            </a:r>
+            <a:endParaRPr lang="el-GR" sz="2000" dirty="0"/>
+          </a:p>
+          <a:p>
+            <a:r>
+              <a:rPr lang="el-GR" sz="2000" dirty="0"/>
+              <a:t>Λειτουργίες Εκκαθάρισης</a:t>
+            </a:r>
+            <a:endParaRPr lang="en-US" sz="2000" dirty="0"/>
+          </a:p>
+          <a:p>
+            <a:r>
+              <a:rPr lang="el-GR" sz="2000" dirty="0"/>
+              <a:t>Διαχείριση σφαλμάτων εμφάνισης ή μαθηματικών περιορισμών (π.χ. διαίρεση με το ‘0’)</a:t>
+            </a:r>
+          </a:p>
+          <a:p>
+            <a:endParaRPr lang="el-GR" dirty="0"/>
+          </a:p>
+        </p:txBody>
+      </p:sp>
+    </p:spTree>
+    <p:extLst>
+      <p:ext uri="{BB962C8B-B14F-4D97-AF65-F5344CB8AC3E}">
+        <p14:creationId xmlns:p14="http://schemas.microsoft.com/office/powerpoint/2010/main" val="1969649278"/>
+      </p:ext>
+    </p:extLst>
+  </p:cSld>
+  <p:clrMapOvr>
+    <a:masterClrMapping/>
+  </p:clrMapOvr>
+</p:sld>
+</file>
+
+<file path=ppt/slides/slide12.xml><?xml version="1.0" encoding="utf-8"?>
+<p:sld xmlns:a="http://schemas.openxmlformats.org/drawingml/2006/main" xmlns:r="http://schemas.openxmlformats.org/officeDocument/2006/relationships" xmlns:p="http://schemas.openxmlformats.org/presentationml/2006/main">
+  <p:cSld>
+    <p:spTree>
+      <p:nvGrpSpPr>
+        <p:cNvPr id="1" name=""/>
+        <p:cNvGrpSpPr/>
+        <p:nvPr/>
+      </p:nvGrpSpPr>
+      <p:grpSpPr>
+        <a:xfrm>
+          <a:off x="0" y="0"/>
+          <a:ext cx="0" cy="0"/>
+          <a:chOff x="0" y="0"/>
+          <a:chExt cx="0" cy="0"/>
+        </a:xfrm>
+      </p:grpSpPr>
+      <p:sp>
+        <p:nvSpPr>
+          <p:cNvPr id="2" name="Τίτλος 1">
+            <a:extLst>
+              <a:ext uri="{FF2B5EF4-FFF2-40B4-BE49-F238E27FC236}">
+                <a16:creationId xmlns:a16="http://schemas.microsoft.com/office/drawing/2014/main" id="{E09577D7-8F3C-85C0-93F6-993D92447433}"/>
+              </a:ext>
+            </a:extLst>
+          </p:cNvPr>
+          <p:cNvSpPr>
+            <a:spLocks noGrp="1"/>
+          </p:cNvSpPr>
+          <p:nvPr>
+            <p:ph type="title"/>
+          </p:nvPr>
+        </p:nvSpPr>
+        <p:spPr/>
+        <p:txBody>
+          <a:bodyPr/>
+          <a:lstStyle/>
+          <a:p>
+            <a:r>
+              <a:rPr lang="el-GR" dirty="0" err="1"/>
+              <a:t>Γνωστοι</a:t>
+            </a:r>
+            <a:r>
+              <a:rPr lang="el-GR" dirty="0"/>
+              <a:t> </a:t>
+            </a:r>
+            <a:r>
+              <a:rPr lang="el-GR" dirty="0" err="1"/>
+              <a:t>περιορισμοι</a:t>
+            </a:r>
+            <a:endParaRPr lang="el-GR" dirty="0"/>
+          </a:p>
+        </p:txBody>
+      </p:sp>
+      <p:sp>
+        <p:nvSpPr>
+          <p:cNvPr id="3" name="Θέση περιεχομένου 2">
+            <a:extLst>
+              <a:ext uri="{FF2B5EF4-FFF2-40B4-BE49-F238E27FC236}">
+                <a16:creationId xmlns:a16="http://schemas.microsoft.com/office/drawing/2014/main" id="{A38EE82B-2C3D-FD30-9313-181B00C810C0}"/>
+              </a:ext>
+            </a:extLst>
+          </p:cNvPr>
+          <p:cNvSpPr>
+            <a:spLocks noGrp="1"/>
+          </p:cNvSpPr>
+          <p:nvPr>
+            <p:ph idx="1"/>
+          </p:nvPr>
+        </p:nvSpPr>
+        <p:spPr/>
+        <p:txBody>
+          <a:bodyPr>
+            <a:normAutofit/>
+          </a:bodyPr>
+          <a:lstStyle/>
+          <a:p>
+            <a:r>
+              <a:rPr lang="el-GR" sz="2000" dirty="0"/>
+              <a:t>Υπολογισμοί με άρρητους (λόγω περιορισμένων δεκαδικών ψηφίων) </a:t>
+            </a:r>
+          </a:p>
+        </p:txBody>
+      </p:sp>
+    </p:spTree>
+    <p:extLst>
+      <p:ext uri="{BB962C8B-B14F-4D97-AF65-F5344CB8AC3E}">
+        <p14:creationId xmlns:p14="http://schemas.microsoft.com/office/powerpoint/2010/main" val="2917973527"/>
+      </p:ext>
+    </p:extLst>
+  </p:cSld>
+  <p:clrMapOvr>
+    <a:masterClrMapping/>
+  </p:clrMapOvr>
+</p:sld>
+</file>
+
+<file path=ppt/slides/slide13.xml><?xml version="1.0" encoding="utf-8"?>
+<p:sld xmlns:a="http://schemas.openxmlformats.org/drawingml/2006/main" xmlns:r="http://schemas.openxmlformats.org/officeDocument/2006/relationships" xmlns:p="http://schemas.openxmlformats.org/presentationml/2006/main">
+  <p:cSld>
+    <p:spTree>
+      <p:nvGrpSpPr>
+        <p:cNvPr id="1" name=""/>
+        <p:cNvGrpSpPr/>
+        <p:nvPr/>
+      </p:nvGrpSpPr>
+      <p:grpSpPr>
+        <a:xfrm>
+          <a:off x="0" y="0"/>
+          <a:ext cx="0" cy="0"/>
+          <a:chOff x="0" y="0"/>
+          <a:chExt cx="0" cy="0"/>
+        </a:xfrm>
+      </p:grpSpPr>
+      <p:sp>
+        <p:nvSpPr>
+          <p:cNvPr id="2" name="Τίτλος 1">
+            <a:extLst>
+              <a:ext uri="{FF2B5EF4-FFF2-40B4-BE49-F238E27FC236}">
+                <a16:creationId xmlns:a16="http://schemas.microsoft.com/office/drawing/2014/main" id="{5375FCBC-81FD-552F-431F-5B910D8CD574}"/>
+              </a:ext>
+            </a:extLst>
+          </p:cNvPr>
+          <p:cNvSpPr>
+            <a:spLocks noGrp="1"/>
+          </p:cNvSpPr>
+          <p:nvPr>
+            <p:ph type="title"/>
+          </p:nvPr>
+        </p:nvSpPr>
+        <p:spPr/>
+        <p:txBody>
+          <a:bodyPr/>
+          <a:lstStyle/>
+          <a:p>
+            <a:r>
+              <a:rPr lang="el-GR" dirty="0" err="1"/>
+              <a:t>Ιδεεσ</a:t>
+            </a:r>
+            <a:r>
+              <a:rPr lang="el-GR" dirty="0"/>
+              <a:t> για </a:t>
+            </a:r>
+            <a:r>
+              <a:rPr lang="el-GR" dirty="0" err="1"/>
+              <a:t>περεταιρω</a:t>
+            </a:r>
+            <a:r>
+              <a:rPr lang="el-GR" dirty="0"/>
+              <a:t> </a:t>
+            </a:r>
+            <a:r>
+              <a:rPr lang="el-GR" dirty="0" err="1"/>
+              <a:t>αναπτυξη</a:t>
+            </a:r>
+            <a:endParaRPr lang="el-GR" dirty="0"/>
+          </a:p>
+        </p:txBody>
+      </p:sp>
+      <p:sp>
+        <p:nvSpPr>
+          <p:cNvPr id="3" name="Θέση περιεχομένου 2">
+            <a:extLst>
+              <a:ext uri="{FF2B5EF4-FFF2-40B4-BE49-F238E27FC236}">
+                <a16:creationId xmlns:a16="http://schemas.microsoft.com/office/drawing/2014/main" id="{FBFF8640-748D-8B2C-C147-377B0D947CE4}"/>
+              </a:ext>
+            </a:extLst>
+          </p:cNvPr>
+          <p:cNvSpPr>
+            <a:spLocks noGrp="1"/>
+          </p:cNvSpPr>
+          <p:nvPr>
+            <p:ph idx="1"/>
+          </p:nvPr>
+        </p:nvSpPr>
+        <p:spPr/>
+        <p:txBody>
+          <a:bodyPr/>
+          <a:lstStyle/>
+          <a:p>
+            <a:r>
+              <a:rPr lang="el-GR" sz="2000" dirty="0"/>
+              <a:t>Μετατροπή μονάδων μέτρησης (μήκος, βάρος, ταχύτητα, θερμοκρασία </a:t>
+            </a:r>
+            <a:r>
+              <a:rPr lang="el-GR" sz="2000" dirty="0" err="1"/>
+              <a:t>κτλ</a:t>
+            </a:r>
+            <a:r>
+              <a:rPr lang="el-GR" sz="2000" dirty="0"/>
+              <a:t>)</a:t>
+            </a:r>
+          </a:p>
+          <a:p>
+            <a:r>
+              <a:rPr lang="el-GR" sz="2000" dirty="0"/>
+              <a:t>Εμφάνιση διαχωρισμού χιλιάδων</a:t>
+            </a:r>
+          </a:p>
+          <a:p>
+            <a:r>
+              <a:rPr lang="el-GR" sz="2000" dirty="0"/>
+              <a:t>Επίλυση μαθηματικών παραστάσεων και εξισώσεων</a:t>
+            </a:r>
+          </a:p>
+          <a:p>
+            <a:r>
+              <a:rPr lang="el-GR" sz="2000" dirty="0"/>
+              <a:t>Γραφικές παραστάσεις</a:t>
+            </a:r>
+          </a:p>
+          <a:p>
+            <a:r>
+              <a:rPr lang="el-GR" sz="2000" dirty="0"/>
+              <a:t>Ιστορικό πράξεων</a:t>
+            </a:r>
+            <a:endParaRPr lang="el-GR" dirty="0"/>
+          </a:p>
+        </p:txBody>
+      </p:sp>
+    </p:spTree>
+    <p:extLst>
+      <p:ext uri="{BB962C8B-B14F-4D97-AF65-F5344CB8AC3E}">
+        <p14:creationId xmlns:p14="http://schemas.microsoft.com/office/powerpoint/2010/main" val="2501112534"/>
+      </p:ext>
+    </p:extLst>
+  </p:cSld>
+  <p:clrMapOvr>
+    <a:masterClrMapping/>
+  </p:clrMapOvr>
+</p:sld>
+</file>
+
+<file path=ppt/slides/slide14.xml><?xml version="1.0" encoding="utf-8"?>
+<p:sld xmlns:a="http://schemas.openxmlformats.org/drawingml/2006/main" xmlns:r="http://schemas.openxmlformats.org/officeDocument/2006/relationships" xmlns:p="http://schemas.openxmlformats.org/presentationml/2006/main">
+  <p:cSld>
+    <p:spTree>
+      <p:nvGrpSpPr>
+        <p:cNvPr id="1" name=""/>
+        <p:cNvGrpSpPr/>
+        <p:nvPr/>
+      </p:nvGrpSpPr>
+      <p:grpSpPr>
+        <a:xfrm>
+          <a:off x="0" y="0"/>
+          <a:ext cx="0" cy="0"/>
+          <a:chOff x="0" y="0"/>
+          <a:chExt cx="0" cy="0"/>
+        </a:xfrm>
+      </p:grpSpPr>
+      <p:sp>
+        <p:nvSpPr>
+          <p:cNvPr id="2" name="Τίτλος 1">
+            <a:extLst>
+              <a:ext uri="{FF2B5EF4-FFF2-40B4-BE49-F238E27FC236}">
+                <a16:creationId xmlns:a16="http://schemas.microsoft.com/office/drawing/2014/main" id="{7D80E6D0-3A81-630E-29C8-DAD38758732E}"/>
+              </a:ext>
+            </a:extLst>
+          </p:cNvPr>
+          <p:cNvSpPr>
+            <a:spLocks noGrp="1"/>
+          </p:cNvSpPr>
+          <p:nvPr>
+            <p:ph type="title"/>
+          </p:nvPr>
+        </p:nvSpPr>
+        <p:spPr>
+          <a:xfrm>
+            <a:off x="581193" y="729658"/>
+            <a:ext cx="11029616" cy="988332"/>
+          </a:xfrm>
+        </p:spPr>
+        <p:txBody>
+          <a:bodyPr anchor="b">
+            <a:normAutofit/>
+          </a:bodyPr>
+          <a:lstStyle/>
+          <a:p>
+            <a:r>
+              <a:rPr lang="el-GR" dirty="0" err="1"/>
+              <a:t>Παραδειγμα</a:t>
+            </a:r>
+            <a:r>
+              <a:rPr lang="el-GR" dirty="0"/>
+              <a:t> </a:t>
+            </a:r>
+            <a:r>
+              <a:rPr lang="el-GR" dirty="0" err="1"/>
+              <a:t>λειτουργιασ</a:t>
+            </a:r>
+            <a:r>
+              <a:rPr lang="en-US" dirty="0"/>
+              <a:t> 1</a:t>
+            </a:r>
+            <a:endParaRPr lang="el-GR" dirty="0"/>
+          </a:p>
+        </p:txBody>
+      </p:sp>
+      <p:pic>
+        <p:nvPicPr>
+          <p:cNvPr id="5" name="Θέση περιεχομένου 4" descr="Εικόνα που περιέχει αριθμομηχανή, κείμενο, στιγμιότυπο οθόνης&#10;&#10;Περιγραφή που δημιουργήθηκε αυτόματα">
+            <a:extLst>
+              <a:ext uri="{FF2B5EF4-FFF2-40B4-BE49-F238E27FC236}">
+                <a16:creationId xmlns:a16="http://schemas.microsoft.com/office/drawing/2014/main" id="{69C33384-93A2-87AE-AF12-64122B6924F6}"/>
+              </a:ext>
+            </a:extLst>
+          </p:cNvPr>
+          <p:cNvPicPr>
+            <a:picLocks noGrp="1" noChangeAspect="1"/>
+          </p:cNvPicPr>
+          <p:nvPr>
+            <p:ph sz="half" idx="1"/>
+          </p:nvPr>
+        </p:nvPicPr>
+        <p:blipFill>
+          <a:blip r:embed="rId2"/>
+          <a:stretch>
+            <a:fillRect/>
+          </a:stretch>
+        </p:blipFill>
+        <p:spPr>
+          <a:xfrm>
+            <a:off x="2479494" y="2228003"/>
+            <a:ext cx="1625788" cy="3633047"/>
+          </a:xfrm>
+          <a:noFill/>
+        </p:spPr>
+      </p:pic>
+      <p:sp>
+        <p:nvSpPr>
+          <p:cNvPr id="10" name="Content Placeholder 3">
+            <a:extLst>
+              <a:ext uri="{FF2B5EF4-FFF2-40B4-BE49-F238E27FC236}">
+                <a16:creationId xmlns:a16="http://schemas.microsoft.com/office/drawing/2014/main" id="{C99EAA58-6829-73CE-FA7A-4FF6881DF058}"/>
+              </a:ext>
+            </a:extLst>
+          </p:cNvPr>
+          <p:cNvSpPr>
+            <a:spLocks noGrp="1"/>
+          </p:cNvSpPr>
+          <p:nvPr>
+            <p:ph sz="half" idx="2"/>
+          </p:nvPr>
+        </p:nvSpPr>
+        <p:spPr>
+          <a:xfrm>
+            <a:off x="6188417" y="2228003"/>
+            <a:ext cx="5422392" cy="3633047"/>
+          </a:xfrm>
+        </p:spPr>
+        <p:txBody>
+          <a:bodyPr/>
+          <a:lstStyle/>
+          <a:p>
+            <a:r>
+              <a:rPr lang="el-GR" dirty="0"/>
+              <a:t>Αρχική οθόνη</a:t>
+            </a:r>
+            <a:endParaRPr lang="en-US" dirty="0"/>
+          </a:p>
+        </p:txBody>
+      </p:sp>
+    </p:spTree>
+    <p:extLst>
+      <p:ext uri="{BB962C8B-B14F-4D97-AF65-F5344CB8AC3E}">
+        <p14:creationId xmlns:p14="http://schemas.microsoft.com/office/powerpoint/2010/main" val="505727259"/>
+      </p:ext>
+    </p:extLst>
+  </p:cSld>
+  <p:clrMapOvr>
+    <a:masterClrMapping/>
+  </p:clrMapOvr>
+</p:sld>
+</file>
+
+<file path=ppt/slides/slide15.xml><?xml version="1.0" encoding="utf-8"?>
+<p:sld xmlns:a="http://schemas.openxmlformats.org/drawingml/2006/main" xmlns:r="http://schemas.openxmlformats.org/officeDocument/2006/relationships" xmlns:p="http://schemas.openxmlformats.org/presentationml/2006/main">
+  <p:cSld>
+    <p:spTree>
+      <p:nvGrpSpPr>
+        <p:cNvPr id="1" name=""/>
+        <p:cNvGrpSpPr/>
+        <p:nvPr/>
+      </p:nvGrpSpPr>
+      <p:grpSpPr>
+        <a:xfrm>
+          <a:off x="0" y="0"/>
+          <a:ext cx="0" cy="0"/>
+          <a:chOff x="0" y="0"/>
+          <a:chExt cx="0" cy="0"/>
+        </a:xfrm>
+      </p:grpSpPr>
+      <p:sp>
+        <p:nvSpPr>
+          <p:cNvPr id="2" name="Τίτλος 1">
+            <a:extLst>
+              <a:ext uri="{FF2B5EF4-FFF2-40B4-BE49-F238E27FC236}">
+                <a16:creationId xmlns:a16="http://schemas.microsoft.com/office/drawing/2014/main" id="{7D80E6D0-3A81-630E-29C8-DAD38758732E}"/>
+              </a:ext>
+            </a:extLst>
+          </p:cNvPr>
+          <p:cNvSpPr>
+            <a:spLocks noGrp="1"/>
+          </p:cNvSpPr>
+          <p:nvPr>
+            <p:ph type="title"/>
+          </p:nvPr>
+        </p:nvSpPr>
+        <p:spPr>
+          <a:xfrm>
+            <a:off x="581193" y="729658"/>
+            <a:ext cx="11029616" cy="988332"/>
+          </a:xfrm>
+        </p:spPr>
+        <p:txBody>
+          <a:bodyPr anchor="b">
+            <a:normAutofit/>
+          </a:bodyPr>
+          <a:lstStyle/>
+          <a:p>
+            <a:r>
+              <a:rPr lang="el-GR" dirty="0" err="1"/>
+              <a:t>Παραδειγμα</a:t>
+            </a:r>
+            <a:r>
+              <a:rPr lang="el-GR" dirty="0"/>
+              <a:t> </a:t>
+            </a:r>
+            <a:r>
+              <a:rPr lang="el-GR" dirty="0" err="1"/>
+              <a:t>λειτουργιασ</a:t>
+            </a:r>
+            <a:r>
+              <a:rPr lang="en-US" dirty="0"/>
+              <a:t> 1</a:t>
+            </a:r>
+            <a:endParaRPr lang="el-GR" dirty="0"/>
+          </a:p>
+        </p:txBody>
+      </p:sp>
+      <p:pic>
+        <p:nvPicPr>
+          <p:cNvPr id="5" name="Θέση περιεχομένου 4" descr="Εικόνα που περιέχει αριθμομηχανή, κείμενο, στιγμιότυπο οθόνης&#10;&#10;Περιγραφή που δημιουργήθηκε αυτόματα">
+            <a:extLst>
+              <a:ext uri="{FF2B5EF4-FFF2-40B4-BE49-F238E27FC236}">
+                <a16:creationId xmlns:a16="http://schemas.microsoft.com/office/drawing/2014/main" id="{69C33384-93A2-87AE-AF12-64122B6924F6}"/>
+              </a:ext>
+            </a:extLst>
+          </p:cNvPr>
+          <p:cNvPicPr>
+            <a:picLocks noGrp="1" noChangeAspect="1"/>
+          </p:cNvPicPr>
+          <p:nvPr>
+            <p:ph sz="half" idx="1"/>
+          </p:nvPr>
+        </p:nvPicPr>
+        <p:blipFill>
+          <a:blip r:embed="rId2"/>
+          <a:stretch>
+            <a:fillRect/>
+          </a:stretch>
+        </p:blipFill>
+        <p:spPr>
+          <a:xfrm>
+            <a:off x="2479494" y="2228003"/>
+            <a:ext cx="1625788" cy="3633047"/>
+          </a:xfrm>
+          <a:noFill/>
+        </p:spPr>
+      </p:pic>
+      <p:sp>
+        <p:nvSpPr>
+          <p:cNvPr id="10" name="Content Placeholder 3">
+            <a:extLst>
+              <a:ext uri="{FF2B5EF4-FFF2-40B4-BE49-F238E27FC236}">
+                <a16:creationId xmlns:a16="http://schemas.microsoft.com/office/drawing/2014/main" id="{C99EAA58-6829-73CE-FA7A-4FF6881DF058}"/>
+              </a:ext>
+            </a:extLst>
+          </p:cNvPr>
+          <p:cNvSpPr>
+            <a:spLocks noGrp="1"/>
+          </p:cNvSpPr>
+          <p:nvPr>
+            <p:ph sz="half" idx="2"/>
+          </p:nvPr>
+        </p:nvSpPr>
+        <p:spPr>
+          <a:xfrm>
+            <a:off x="6188417" y="2228003"/>
+            <a:ext cx="5422392" cy="3633047"/>
+          </a:xfrm>
+        </p:spPr>
+        <p:txBody>
+          <a:bodyPr/>
+          <a:lstStyle/>
+          <a:p>
+            <a:r>
+              <a:rPr lang="el-GR" dirty="0"/>
+              <a:t>Πατάμε το πλήκτρο ‘4’</a:t>
+            </a:r>
+            <a:endParaRPr lang="en-US" dirty="0"/>
+          </a:p>
+        </p:txBody>
+      </p:sp>
+      <p:sp>
+        <p:nvSpPr>
+          <p:cNvPr id="3" name="Οβάλ 2">
+            <a:extLst>
+              <a:ext uri="{FF2B5EF4-FFF2-40B4-BE49-F238E27FC236}">
+                <a16:creationId xmlns:a16="http://schemas.microsoft.com/office/drawing/2014/main" id="{6E04DA55-785B-BB30-4762-8F61F265742F}"/>
+              </a:ext>
+            </a:extLst>
+          </p:cNvPr>
+          <p:cNvSpPr/>
+          <p:nvPr/>
+        </p:nvSpPr>
+        <p:spPr>
+          <a:xfrm>
+            <a:off x="2505075" y="4945855"/>
+            <a:ext cx="266700" cy="226219"/>
+          </a:xfrm>
+          <a:prstGeom prst="ellipse">
+            <a:avLst/>
+          </a:prstGeom>
+          <a:solidFill>
+            <a:srgbClr val="1A3260">
+              <a:alpha val="27059"/>
+            </a:srgbClr>
+          </a:solidFill>
+        </p:spPr>
+        <p:style>
+          <a:lnRef idx="2">
+            <a:schemeClr val="accent1">
+              <a:shade val="15000"/>
+            </a:schemeClr>
+          </a:lnRef>
+          <a:fillRef idx="1">
+            <a:schemeClr val="accent1"/>
+          </a:fillRef>
+          <a:effectRef idx="0">
+            <a:schemeClr val="accent1"/>
+          </a:effectRef>
+          <a:fontRef idx="minor">
+            <a:schemeClr val="lt1"/>
+          </a:fontRef>
+        </p:style>
+        <p:txBody>
+          <a:bodyPr rtlCol="0" anchor="ctr"/>
+          <a:lstStyle/>
+          <a:p>
+            <a:pPr algn="ctr"/>
+            <a:endParaRPr lang="el-GR"/>
+          </a:p>
+        </p:txBody>
+      </p:sp>
+    </p:spTree>
+    <p:extLst>
+      <p:ext uri="{BB962C8B-B14F-4D97-AF65-F5344CB8AC3E}">
+        <p14:creationId xmlns:p14="http://schemas.microsoft.com/office/powerpoint/2010/main" val="2721400116"/>
+      </p:ext>
+    </p:extLst>
+  </p:cSld>
+  <p:clrMapOvr>
+    <a:masterClrMapping/>
+  </p:clrMapOvr>
+</p:sld>
+</file>
+
+<file path=ppt/slides/slide16.xml><?xml version="1.0" encoding="utf-8"?>
+<p:sld xmlns:a="http://schemas.openxmlformats.org/drawingml/2006/main" xmlns:r="http://schemas.openxmlformats.org/officeDocument/2006/relationships" xmlns:p="http://schemas.openxmlformats.org/presentationml/2006/main">
+  <p:cSld>
+    <p:spTree>
+      <p:nvGrpSpPr>
+        <p:cNvPr id="1" name=""/>
+        <p:cNvGrpSpPr/>
+        <p:nvPr/>
+      </p:nvGrpSpPr>
+      <p:grpSpPr>
+        <a:xfrm>
+          <a:off x="0" y="0"/>
+          <a:ext cx="0" cy="0"/>
+          <a:chOff x="0" y="0"/>
+          <a:chExt cx="0" cy="0"/>
+        </a:xfrm>
+      </p:grpSpPr>
+      <p:sp>
+        <p:nvSpPr>
+          <p:cNvPr id="2" name="Τίτλος 1">
+            <a:extLst>
+              <a:ext uri="{FF2B5EF4-FFF2-40B4-BE49-F238E27FC236}">
+                <a16:creationId xmlns:a16="http://schemas.microsoft.com/office/drawing/2014/main" id="{FE44084E-7F80-BAD7-F256-E61AF01BA987}"/>
+              </a:ext>
+            </a:extLst>
+          </p:cNvPr>
+          <p:cNvSpPr>
+            <a:spLocks noGrp="1"/>
+          </p:cNvSpPr>
+          <p:nvPr>
+            <p:ph type="title"/>
+          </p:nvPr>
+        </p:nvSpPr>
+        <p:spPr/>
+        <p:txBody>
+          <a:bodyPr/>
+          <a:lstStyle/>
+          <a:p>
+            <a:r>
+              <a:rPr lang="el-GR" dirty="0" err="1"/>
+              <a:t>Παραδειγμα</a:t>
+            </a:r>
+            <a:r>
+              <a:rPr lang="el-GR" dirty="0"/>
+              <a:t> </a:t>
+            </a:r>
+            <a:r>
+              <a:rPr lang="el-GR" dirty="0" err="1"/>
+              <a:t>λειτουργιασ</a:t>
+            </a:r>
+            <a:r>
+              <a:rPr lang="en-US" dirty="0"/>
+              <a:t> 1</a:t>
+            </a:r>
+            <a:endParaRPr lang="el-GR" dirty="0"/>
+          </a:p>
+        </p:txBody>
+      </p:sp>
+      <p:pic>
+        <p:nvPicPr>
+          <p:cNvPr id="6" name="Θέση περιεχομένου 5" descr="Εικόνα που περιέχει κείμενο, στιγμιότυπο οθόνης, αριθμομηχανή&#10;&#10;Περιγραφή που δημιουργήθηκε αυτόματα">
+            <a:extLst>
+              <a:ext uri="{FF2B5EF4-FFF2-40B4-BE49-F238E27FC236}">
+                <a16:creationId xmlns:a16="http://schemas.microsoft.com/office/drawing/2014/main" id="{C37B2F2D-FCF6-209E-D762-8329B83F8400}"/>
+              </a:ext>
+            </a:extLst>
+          </p:cNvPr>
+          <p:cNvPicPr>
+            <a:picLocks noGrp="1" noChangeAspect="1"/>
+          </p:cNvPicPr>
+          <p:nvPr>
+            <p:ph sz="half" idx="1"/>
+          </p:nvPr>
+        </p:nvPicPr>
+        <p:blipFill>
+          <a:blip r:embed="rId2"/>
+          <a:stretch>
+            <a:fillRect/>
+          </a:stretch>
+        </p:blipFill>
+        <p:spPr>
+          <a:xfrm>
+            <a:off x="2479920" y="2227263"/>
+            <a:ext cx="1625110" cy="3633787"/>
+          </a:xfrm>
+        </p:spPr>
+      </p:pic>
+      <p:sp>
+        <p:nvSpPr>
+          <p:cNvPr id="4" name="Θέση περιεχομένου 3">
+            <a:extLst>
+              <a:ext uri="{FF2B5EF4-FFF2-40B4-BE49-F238E27FC236}">
+                <a16:creationId xmlns:a16="http://schemas.microsoft.com/office/drawing/2014/main" id="{1DDB2F69-CB12-48EA-E3DF-B632D36EC7A1}"/>
+              </a:ext>
+            </a:extLst>
+          </p:cNvPr>
+          <p:cNvSpPr>
+            <a:spLocks noGrp="1"/>
+          </p:cNvSpPr>
+          <p:nvPr>
+            <p:ph sz="half" idx="2"/>
+          </p:nvPr>
+        </p:nvSpPr>
+        <p:spPr/>
+        <p:txBody>
+          <a:bodyPr/>
+          <a:lstStyle/>
+          <a:p>
+            <a:r>
+              <a:rPr lang="el-GR" dirty="0"/>
+              <a:t>Στην οθόνη εμφανίζεται το ‘4’</a:t>
+            </a:r>
+          </a:p>
+          <a:p>
+            <a:r>
+              <a:rPr lang="el-GR" dirty="0"/>
+              <a:t>Πατάμε το πλήκτρο ‘+’</a:t>
+            </a:r>
+          </a:p>
+        </p:txBody>
+      </p:sp>
+      <p:sp>
+        <p:nvSpPr>
+          <p:cNvPr id="7" name="Οβάλ 6">
+            <a:extLst>
+              <a:ext uri="{FF2B5EF4-FFF2-40B4-BE49-F238E27FC236}">
+                <a16:creationId xmlns:a16="http://schemas.microsoft.com/office/drawing/2014/main" id="{83FD4727-70A4-D72B-BF33-45A715E420DD}"/>
+              </a:ext>
+            </a:extLst>
+          </p:cNvPr>
+          <p:cNvSpPr/>
+          <p:nvPr/>
+        </p:nvSpPr>
+        <p:spPr>
+          <a:xfrm>
+            <a:off x="3470275" y="5257005"/>
+            <a:ext cx="266700" cy="226219"/>
+          </a:xfrm>
+          <a:prstGeom prst="ellipse">
+            <a:avLst/>
+          </a:prstGeom>
+          <a:solidFill>
+            <a:srgbClr val="1A3260">
+              <a:alpha val="27059"/>
+            </a:srgbClr>
+          </a:solidFill>
+        </p:spPr>
+        <p:style>
+          <a:lnRef idx="2">
+            <a:schemeClr val="accent1">
+              <a:shade val="15000"/>
+            </a:schemeClr>
+          </a:lnRef>
+          <a:fillRef idx="1">
+            <a:schemeClr val="accent1"/>
+          </a:fillRef>
+          <a:effectRef idx="0">
+            <a:schemeClr val="accent1"/>
+          </a:effectRef>
+          <a:fontRef idx="minor">
+            <a:schemeClr val="lt1"/>
+          </a:fontRef>
+        </p:style>
+        <p:txBody>
+          <a:bodyPr rtlCol="0" anchor="ctr"/>
+          <a:lstStyle/>
+          <a:p>
+            <a:pPr algn="ctr"/>
+            <a:endParaRPr lang="el-GR"/>
+          </a:p>
+        </p:txBody>
+      </p:sp>
+    </p:spTree>
+    <p:extLst>
+      <p:ext uri="{BB962C8B-B14F-4D97-AF65-F5344CB8AC3E}">
+        <p14:creationId xmlns:p14="http://schemas.microsoft.com/office/powerpoint/2010/main" val="2739559267"/>
+      </p:ext>
+    </p:extLst>
+  </p:cSld>
+  <p:clrMapOvr>
+    <a:masterClrMapping/>
+  </p:clrMapOvr>
+</p:sld>
+</file>
+
+<file path=ppt/slides/slide17.xml><?xml version="1.0" encoding="utf-8"?>
+<p:sld xmlns:a="http://schemas.openxmlformats.org/drawingml/2006/main" xmlns:r="http://schemas.openxmlformats.org/officeDocument/2006/relationships" xmlns:p="http://schemas.openxmlformats.org/presentationml/2006/main">
+  <p:cSld>
+    <p:spTree>
+      <p:nvGrpSpPr>
+        <p:cNvPr id="1" name=""/>
+        <p:cNvGrpSpPr/>
+        <p:nvPr/>
+      </p:nvGrpSpPr>
+      <p:grpSpPr>
+        <a:xfrm>
+          <a:off x="0" y="0"/>
+          <a:ext cx="0" cy="0"/>
+          <a:chOff x="0" y="0"/>
+          <a:chExt cx="0" cy="0"/>
+        </a:xfrm>
+      </p:grpSpPr>
+      <p:sp>
+        <p:nvSpPr>
+          <p:cNvPr id="2" name="Τίτλος 1">
+            <a:extLst>
+              <a:ext uri="{FF2B5EF4-FFF2-40B4-BE49-F238E27FC236}">
+                <a16:creationId xmlns:a16="http://schemas.microsoft.com/office/drawing/2014/main" id="{FE44084E-7F80-BAD7-F256-E61AF01BA987}"/>
+              </a:ext>
+            </a:extLst>
+          </p:cNvPr>
+          <p:cNvSpPr>
+            <a:spLocks noGrp="1"/>
+          </p:cNvSpPr>
+          <p:nvPr>
+            <p:ph type="title"/>
+          </p:nvPr>
+        </p:nvSpPr>
+        <p:spPr/>
+        <p:txBody>
+          <a:bodyPr/>
+          <a:lstStyle/>
+          <a:p>
+            <a:r>
+              <a:rPr lang="el-GR" dirty="0" err="1"/>
+              <a:t>Παραδειγμα</a:t>
+            </a:r>
+            <a:r>
+              <a:rPr lang="el-GR" dirty="0"/>
+              <a:t> </a:t>
+            </a:r>
+            <a:r>
+              <a:rPr lang="el-GR" dirty="0" err="1"/>
+              <a:t>λειτουργιασ</a:t>
+            </a:r>
+            <a:r>
+              <a:rPr lang="en-US" dirty="0"/>
+              <a:t> 1</a:t>
+            </a:r>
+            <a:endParaRPr lang="el-GR" dirty="0"/>
+          </a:p>
+        </p:txBody>
+      </p:sp>
+      <p:sp>
+        <p:nvSpPr>
+          <p:cNvPr id="4" name="Θέση περιεχομένου 3">
+            <a:extLst>
+              <a:ext uri="{FF2B5EF4-FFF2-40B4-BE49-F238E27FC236}">
+                <a16:creationId xmlns:a16="http://schemas.microsoft.com/office/drawing/2014/main" id="{1DDB2F69-CB12-48EA-E3DF-B632D36EC7A1}"/>
+              </a:ext>
+            </a:extLst>
+          </p:cNvPr>
+          <p:cNvSpPr>
+            <a:spLocks noGrp="1"/>
+          </p:cNvSpPr>
+          <p:nvPr>
+            <p:ph sz="half" idx="2"/>
+          </p:nvPr>
+        </p:nvSpPr>
+        <p:spPr/>
+        <p:txBody>
+          <a:bodyPr/>
+          <a:lstStyle/>
+          <a:p>
+            <a:r>
+              <a:rPr lang="el-GR" dirty="0"/>
+              <a:t>Πατάμε το πλήκτρο ‘5’</a:t>
+            </a:r>
+          </a:p>
+        </p:txBody>
+      </p:sp>
+      <p:pic>
+        <p:nvPicPr>
+          <p:cNvPr id="10" name="Θέση περιεχομένου 9" descr="Εικόνα που περιέχει κείμενο, στιγμιότυπο οθόνης, αριθμομηχανή&#10;&#10;Περιγραφή που δημιουργήθηκε αυτόματα">
+            <a:extLst>
+              <a:ext uri="{FF2B5EF4-FFF2-40B4-BE49-F238E27FC236}">
+                <a16:creationId xmlns:a16="http://schemas.microsoft.com/office/drawing/2014/main" id="{3665A065-8416-DA49-66B0-321168A523FC}"/>
+              </a:ext>
+            </a:extLst>
+          </p:cNvPr>
+          <p:cNvPicPr>
+            <a:picLocks noGrp="1" noChangeAspect="1"/>
+          </p:cNvPicPr>
+          <p:nvPr>
+            <p:ph sz="half" idx="1"/>
+          </p:nvPr>
+        </p:nvPicPr>
+        <p:blipFill>
+          <a:blip r:embed="rId2"/>
+          <a:stretch>
+            <a:fillRect/>
+          </a:stretch>
+        </p:blipFill>
+        <p:spPr>
+          <a:xfrm>
+            <a:off x="2479920" y="2227263"/>
+            <a:ext cx="1625110" cy="3633787"/>
+          </a:xfrm>
+        </p:spPr>
+      </p:pic>
+      <p:sp>
+        <p:nvSpPr>
+          <p:cNvPr id="11" name="Οβάλ 10">
+            <a:extLst>
+              <a:ext uri="{FF2B5EF4-FFF2-40B4-BE49-F238E27FC236}">
+                <a16:creationId xmlns:a16="http://schemas.microsoft.com/office/drawing/2014/main" id="{DA691C82-96BD-B674-9B05-4EC9B581556C}"/>
+              </a:ext>
+            </a:extLst>
+          </p:cNvPr>
+          <p:cNvSpPr/>
+          <p:nvPr/>
+        </p:nvSpPr>
+        <p:spPr>
+          <a:xfrm>
+            <a:off x="2827545" y="4945579"/>
+            <a:ext cx="266700" cy="226219"/>
+          </a:xfrm>
+          <a:prstGeom prst="ellipse">
+            <a:avLst/>
+          </a:prstGeom>
+          <a:solidFill>
+            <a:srgbClr val="1A3260">
+              <a:alpha val="27059"/>
+            </a:srgbClr>
+          </a:solidFill>
+        </p:spPr>
+        <p:style>
+          <a:lnRef idx="2">
+            <a:schemeClr val="accent1">
+              <a:shade val="15000"/>
+            </a:schemeClr>
+          </a:lnRef>
+          <a:fillRef idx="1">
+            <a:schemeClr val="accent1"/>
+          </a:fillRef>
+          <a:effectRef idx="0">
+            <a:schemeClr val="accent1"/>
+          </a:effectRef>
+          <a:fontRef idx="minor">
+            <a:schemeClr val="lt1"/>
+          </a:fontRef>
+        </p:style>
+        <p:txBody>
+          <a:bodyPr rtlCol="0" anchor="ctr"/>
+          <a:lstStyle/>
+          <a:p>
+            <a:pPr algn="ctr"/>
+            <a:endParaRPr lang="el-GR"/>
+          </a:p>
+        </p:txBody>
+      </p:sp>
+    </p:spTree>
+    <p:extLst>
+      <p:ext uri="{BB962C8B-B14F-4D97-AF65-F5344CB8AC3E}">
+        <p14:creationId xmlns:p14="http://schemas.microsoft.com/office/powerpoint/2010/main" val="3026023675"/>
+      </p:ext>
+    </p:extLst>
+  </p:cSld>
+  <p:clrMapOvr>
+    <a:masterClrMapping/>
+  </p:clrMapOvr>
+</p:sld>
+</file>
+
+<file path=ppt/slides/slide18.xml><?xml version="1.0" encoding="utf-8"?>
+<p:sld xmlns:a="http://schemas.openxmlformats.org/drawingml/2006/main" xmlns:r="http://schemas.openxmlformats.org/officeDocument/2006/relationships" xmlns:p="http://schemas.openxmlformats.org/presentationml/2006/main">
+  <p:cSld>
+    <p:spTree>
+      <p:nvGrpSpPr>
+        <p:cNvPr id="1" name=""/>
+        <p:cNvGrpSpPr/>
+        <p:nvPr/>
+      </p:nvGrpSpPr>
+      <p:grpSpPr>
+        <a:xfrm>
+          <a:off x="0" y="0"/>
+          <a:ext cx="0" cy="0"/>
+          <a:chOff x="0" y="0"/>
+          <a:chExt cx="0" cy="0"/>
+        </a:xfrm>
+      </p:grpSpPr>
+      <p:sp>
+        <p:nvSpPr>
+          <p:cNvPr id="2" name="Τίτλος 1">
+            <a:extLst>
+              <a:ext uri="{FF2B5EF4-FFF2-40B4-BE49-F238E27FC236}">
+                <a16:creationId xmlns:a16="http://schemas.microsoft.com/office/drawing/2014/main" id="{E7A8B1D4-3ED6-98D4-F0EE-4DA3551A45C3}"/>
+              </a:ext>
+            </a:extLst>
+          </p:cNvPr>
+          <p:cNvSpPr>
+            <a:spLocks noGrp="1"/>
+          </p:cNvSpPr>
+          <p:nvPr>
+            <p:ph type="title"/>
+          </p:nvPr>
+        </p:nvSpPr>
+        <p:spPr/>
+        <p:txBody>
+          <a:bodyPr/>
+          <a:lstStyle/>
+          <a:p>
+            <a:r>
+              <a:rPr lang="el-GR" dirty="0" err="1"/>
+              <a:t>Παραδειγμα</a:t>
+            </a:r>
+            <a:r>
+              <a:rPr lang="el-GR" dirty="0"/>
+              <a:t> </a:t>
+            </a:r>
+            <a:r>
+              <a:rPr lang="el-GR" dirty="0" err="1"/>
+              <a:t>λειτουργιασ</a:t>
+            </a:r>
+            <a:r>
+              <a:rPr lang="en-US" dirty="0"/>
+              <a:t> 1</a:t>
+            </a:r>
+            <a:endParaRPr lang="el-GR" dirty="0"/>
+          </a:p>
+        </p:txBody>
+      </p:sp>
+      <p:pic>
+        <p:nvPicPr>
+          <p:cNvPr id="6" name="Θέση περιεχομένου 5" descr="Εικόνα που περιέχει κείμενο, στιγμιότυπο οθόνης, αριθμομηχανή&#10;&#10;Περιγραφή που δημιουργήθηκε αυτόματα">
+            <a:extLst>
+              <a:ext uri="{FF2B5EF4-FFF2-40B4-BE49-F238E27FC236}">
+                <a16:creationId xmlns:a16="http://schemas.microsoft.com/office/drawing/2014/main" id="{DB7B2181-F870-5618-121C-35132A403A00}"/>
+              </a:ext>
+            </a:extLst>
+          </p:cNvPr>
+          <p:cNvPicPr>
+            <a:picLocks noGrp="1" noChangeAspect="1"/>
+          </p:cNvPicPr>
+          <p:nvPr>
+            <p:ph sz="half" idx="1"/>
+          </p:nvPr>
+        </p:nvPicPr>
+        <p:blipFill>
+          <a:blip r:embed="rId2"/>
+          <a:stretch>
+            <a:fillRect/>
+          </a:stretch>
+        </p:blipFill>
+        <p:spPr>
+          <a:xfrm>
+            <a:off x="2479920" y="2227263"/>
+            <a:ext cx="1625110" cy="3633787"/>
+          </a:xfrm>
+        </p:spPr>
+      </p:pic>
+      <p:sp>
+        <p:nvSpPr>
+          <p:cNvPr id="4" name="Θέση περιεχομένου 3">
+            <a:extLst>
+              <a:ext uri="{FF2B5EF4-FFF2-40B4-BE49-F238E27FC236}">
+                <a16:creationId xmlns:a16="http://schemas.microsoft.com/office/drawing/2014/main" id="{AD1E34C1-5EFA-F173-F8A3-4A2D158810EF}"/>
+              </a:ext>
+            </a:extLst>
+          </p:cNvPr>
+          <p:cNvSpPr>
+            <a:spLocks noGrp="1"/>
+          </p:cNvSpPr>
+          <p:nvPr>
+            <p:ph sz="half" idx="2"/>
+          </p:nvPr>
+        </p:nvSpPr>
+        <p:spPr/>
+        <p:txBody>
+          <a:bodyPr/>
+          <a:lstStyle/>
+          <a:p>
+            <a:r>
+              <a:rPr lang="el-GR" dirty="0"/>
+              <a:t>Πατάμε το πλήκτρο ‘-’</a:t>
+            </a:r>
+          </a:p>
+          <a:p>
+            <a:r>
+              <a:rPr lang="el-GR" dirty="0"/>
+              <a:t>Στην οθόνη εμφανίζεται το αποτέλεσμα της προηγούμενης πράξης, 4+5 = ‘9’</a:t>
+            </a:r>
+          </a:p>
+          <a:p>
+            <a:endParaRPr lang="el-GR" dirty="0"/>
+          </a:p>
+        </p:txBody>
+      </p:sp>
+      <p:sp>
+        <p:nvSpPr>
+          <p:cNvPr id="9" name="Οβάλ 8">
+            <a:extLst>
+              <a:ext uri="{FF2B5EF4-FFF2-40B4-BE49-F238E27FC236}">
+                <a16:creationId xmlns:a16="http://schemas.microsoft.com/office/drawing/2014/main" id="{445C0B39-B2AF-BD04-F301-1E8D0D00D478}"/>
+              </a:ext>
+            </a:extLst>
+          </p:cNvPr>
+          <p:cNvSpPr/>
+          <p:nvPr/>
+        </p:nvSpPr>
+        <p:spPr>
+          <a:xfrm>
+            <a:off x="3799095" y="5256729"/>
+            <a:ext cx="266700" cy="226219"/>
+          </a:xfrm>
+          <a:prstGeom prst="ellipse">
+            <a:avLst/>
+          </a:prstGeom>
+          <a:solidFill>
+            <a:srgbClr val="1A3260">
+              <a:alpha val="27059"/>
+            </a:srgbClr>
+          </a:solidFill>
+        </p:spPr>
+        <p:style>
+          <a:lnRef idx="2">
+            <a:schemeClr val="accent1">
+              <a:shade val="15000"/>
+            </a:schemeClr>
+          </a:lnRef>
+          <a:fillRef idx="1">
+            <a:schemeClr val="accent1"/>
+          </a:fillRef>
+          <a:effectRef idx="0">
+            <a:schemeClr val="accent1"/>
+          </a:effectRef>
+          <a:fontRef idx="minor">
+            <a:schemeClr val="lt1"/>
+          </a:fontRef>
+        </p:style>
+        <p:txBody>
+          <a:bodyPr rtlCol="0" anchor="ctr"/>
+          <a:lstStyle/>
+          <a:p>
+            <a:pPr algn="ctr"/>
+            <a:endParaRPr lang="el-GR"/>
+          </a:p>
+        </p:txBody>
+      </p:sp>
+    </p:spTree>
+    <p:extLst>
+      <p:ext uri="{BB962C8B-B14F-4D97-AF65-F5344CB8AC3E}">
+        <p14:creationId xmlns:p14="http://schemas.microsoft.com/office/powerpoint/2010/main" val="1133800916"/>
+      </p:ext>
+    </p:extLst>
+  </p:cSld>
+  <p:clrMapOvr>
+    <a:masterClrMapping/>
+  </p:clrMapOvr>
+</p:sld>
+</file>
+
+<file path=ppt/slides/slide19.xml><?xml version="1.0" encoding="utf-8"?>
+<p:sld xmlns:a="http://schemas.openxmlformats.org/drawingml/2006/main" xmlns:r="http://schemas.openxmlformats.org/officeDocument/2006/relationships" xmlns:p="http://schemas.openxmlformats.org/presentationml/2006/main">
+  <p:cSld>
+    <p:spTree>
+      <p:nvGrpSpPr>
+        <p:cNvPr id="1" name=""/>
+        <p:cNvGrpSpPr/>
+        <p:nvPr/>
+      </p:nvGrpSpPr>
+      <p:grpSpPr>
+        <a:xfrm>
+          <a:off x="0" y="0"/>
+          <a:ext cx="0" cy="0"/>
+          <a:chOff x="0" y="0"/>
+          <a:chExt cx="0" cy="0"/>
+        </a:xfrm>
+      </p:grpSpPr>
+      <p:sp>
+        <p:nvSpPr>
+          <p:cNvPr id="2" name="Τίτλος 1">
+            <a:extLst>
+              <a:ext uri="{FF2B5EF4-FFF2-40B4-BE49-F238E27FC236}">
+                <a16:creationId xmlns:a16="http://schemas.microsoft.com/office/drawing/2014/main" id="{E7A8B1D4-3ED6-98D4-F0EE-4DA3551A45C3}"/>
+              </a:ext>
+            </a:extLst>
+          </p:cNvPr>
+          <p:cNvSpPr>
+            <a:spLocks noGrp="1"/>
+          </p:cNvSpPr>
+          <p:nvPr>
+            <p:ph type="title"/>
+          </p:nvPr>
+        </p:nvSpPr>
+        <p:spPr/>
+        <p:txBody>
+          <a:bodyPr/>
+          <a:lstStyle/>
+          <a:p>
+            <a:r>
+              <a:rPr lang="el-GR" dirty="0" err="1"/>
+              <a:t>Παραδειγμα</a:t>
+            </a:r>
+            <a:r>
+              <a:rPr lang="el-GR" dirty="0"/>
+              <a:t> </a:t>
+            </a:r>
+            <a:r>
+              <a:rPr lang="el-GR" dirty="0" err="1"/>
+              <a:t>λειτουργιασ</a:t>
+            </a:r>
+            <a:r>
+              <a:rPr lang="en-US" dirty="0"/>
+              <a:t> 1</a:t>
+            </a:r>
+            <a:endParaRPr lang="el-GR" dirty="0"/>
+          </a:p>
+        </p:txBody>
+      </p:sp>
+      <p:pic>
+        <p:nvPicPr>
+          <p:cNvPr id="6" name="Θέση περιεχομένου 5" descr="Εικόνα που περιέχει κείμενο, στιγμιότυπο οθόνης, αριθμομηχανή&#10;&#10;Περιγραφή που δημιουργήθηκε αυτόματα">
+            <a:extLst>
+              <a:ext uri="{FF2B5EF4-FFF2-40B4-BE49-F238E27FC236}">
+                <a16:creationId xmlns:a16="http://schemas.microsoft.com/office/drawing/2014/main" id="{DB7B2181-F870-5618-121C-35132A403A00}"/>
+              </a:ext>
+            </a:extLst>
+          </p:cNvPr>
+          <p:cNvPicPr>
+            <a:picLocks noGrp="1" noChangeAspect="1"/>
+          </p:cNvPicPr>
+          <p:nvPr>
+            <p:ph sz="half" idx="1"/>
+          </p:nvPr>
+        </p:nvPicPr>
+        <p:blipFill>
+          <a:blip r:embed="rId2"/>
+          <a:stretch>
+            <a:fillRect/>
+          </a:stretch>
+        </p:blipFill>
+        <p:spPr>
+          <a:xfrm>
+            <a:off x="2479920" y="2227263"/>
+            <a:ext cx="1625110" cy="3633787"/>
+          </a:xfrm>
+        </p:spPr>
+      </p:pic>
+      <p:sp>
+        <p:nvSpPr>
+          <p:cNvPr id="4" name="Θέση περιεχομένου 3">
+            <a:extLst>
+              <a:ext uri="{FF2B5EF4-FFF2-40B4-BE49-F238E27FC236}">
+                <a16:creationId xmlns:a16="http://schemas.microsoft.com/office/drawing/2014/main" id="{AD1E34C1-5EFA-F173-F8A3-4A2D158810EF}"/>
+              </a:ext>
+            </a:extLst>
+          </p:cNvPr>
+          <p:cNvSpPr>
+            <a:spLocks noGrp="1"/>
+          </p:cNvSpPr>
+          <p:nvPr>
+            <p:ph sz="half" idx="2"/>
+          </p:nvPr>
+        </p:nvSpPr>
+        <p:spPr/>
+        <p:txBody>
+          <a:bodyPr/>
+          <a:lstStyle/>
+          <a:p>
+            <a:r>
+              <a:rPr lang="el-GR" dirty="0"/>
+              <a:t>Πατάμε το πλήκτρο ‘0’</a:t>
+            </a:r>
+          </a:p>
+          <a:p>
+            <a:endParaRPr lang="el-GR" dirty="0"/>
+          </a:p>
+        </p:txBody>
+      </p:sp>
+      <p:sp>
+        <p:nvSpPr>
+          <p:cNvPr id="9" name="Οβάλ 8">
+            <a:extLst>
+              <a:ext uri="{FF2B5EF4-FFF2-40B4-BE49-F238E27FC236}">
+                <a16:creationId xmlns:a16="http://schemas.microsoft.com/office/drawing/2014/main" id="{445C0B39-B2AF-BD04-F301-1E8D0D00D478}"/>
+              </a:ext>
+            </a:extLst>
+          </p:cNvPr>
+          <p:cNvSpPr/>
+          <p:nvPr/>
+        </p:nvSpPr>
+        <p:spPr>
+          <a:xfrm>
+            <a:off x="2516395" y="5574229"/>
+            <a:ext cx="266700" cy="226219"/>
+          </a:xfrm>
+          <a:prstGeom prst="ellipse">
+            <a:avLst/>
+          </a:prstGeom>
+          <a:solidFill>
+            <a:srgbClr val="1A3260">
+              <a:alpha val="27059"/>
+            </a:srgbClr>
+          </a:solidFill>
+        </p:spPr>
+        <p:style>
+          <a:lnRef idx="2">
+            <a:schemeClr val="accent1">
+              <a:shade val="15000"/>
+            </a:schemeClr>
+          </a:lnRef>
+          <a:fillRef idx="1">
+            <a:schemeClr val="accent1"/>
+          </a:fillRef>
+          <a:effectRef idx="0">
+            <a:schemeClr val="accent1"/>
+          </a:effectRef>
+          <a:fontRef idx="minor">
+            <a:schemeClr val="lt1"/>
+          </a:fontRef>
+        </p:style>
+        <p:txBody>
+          <a:bodyPr rtlCol="0" anchor="ctr"/>
+          <a:lstStyle/>
+          <a:p>
+            <a:pPr algn="ctr"/>
+            <a:endParaRPr lang="el-GR"/>
+          </a:p>
+        </p:txBody>
+      </p:sp>
+    </p:spTree>
+    <p:extLst>
+      <p:ext uri="{BB962C8B-B14F-4D97-AF65-F5344CB8AC3E}">
+        <p14:creationId xmlns:p14="http://schemas.microsoft.com/office/powerpoint/2010/main" val="1154978714"/>
+      </p:ext>
+    </p:extLst>
+  </p:cSld>
+  <p:clrMapOvr>
+    <a:masterClrMapping/>
+  </p:clrMapOvr>
+</p:sld>
+</file>
+
 <file path=ppt/slides/slide2.xml><?xml version="1.0" encoding="utf-8"?>
 <p:sld xmlns:a="http://schemas.openxmlformats.org/drawingml/2006/main" xmlns:r="http://schemas.openxmlformats.org/officeDocument/2006/relationships" xmlns:p="http://schemas.openxmlformats.org/presentationml/2006/main">
   <p:cSld>
@@ -5216,6 +7626,1003 @@
     <p:extLst>
       <p:ext uri="{BB962C8B-B14F-4D97-AF65-F5344CB8AC3E}">
         <p14:creationId xmlns:p14="http://schemas.microsoft.com/office/powerpoint/2010/main" val="1461925694"/>
+      </p:ext>
+    </p:extLst>
+  </p:cSld>
+  <p:clrMapOvr>
+    <a:masterClrMapping/>
+  </p:clrMapOvr>
+</p:sld>
+</file>
+
+<file path=ppt/slides/slide20.xml><?xml version="1.0" encoding="utf-8"?>
+<p:sld xmlns:a="http://schemas.openxmlformats.org/drawingml/2006/main" xmlns:r="http://schemas.openxmlformats.org/officeDocument/2006/relationships" xmlns:p="http://schemas.openxmlformats.org/presentationml/2006/main">
+  <p:cSld>
+    <p:spTree>
+      <p:nvGrpSpPr>
+        <p:cNvPr id="1" name=""/>
+        <p:cNvGrpSpPr/>
+        <p:nvPr/>
+      </p:nvGrpSpPr>
+      <p:grpSpPr>
+        <a:xfrm>
+          <a:off x="0" y="0"/>
+          <a:ext cx="0" cy="0"/>
+          <a:chOff x="0" y="0"/>
+          <a:chExt cx="0" cy="0"/>
+        </a:xfrm>
+      </p:grpSpPr>
+      <p:sp>
+        <p:nvSpPr>
+          <p:cNvPr id="2" name="Τίτλος 1">
+            <a:extLst>
+              <a:ext uri="{FF2B5EF4-FFF2-40B4-BE49-F238E27FC236}">
+                <a16:creationId xmlns:a16="http://schemas.microsoft.com/office/drawing/2014/main" id="{F0DB698C-AC43-E8DC-7C1D-25345D97276A}"/>
+              </a:ext>
+            </a:extLst>
+          </p:cNvPr>
+          <p:cNvSpPr>
+            <a:spLocks noGrp="1"/>
+          </p:cNvSpPr>
+          <p:nvPr>
+            <p:ph type="title"/>
+          </p:nvPr>
+        </p:nvSpPr>
+        <p:spPr/>
+        <p:txBody>
+          <a:bodyPr/>
+          <a:lstStyle/>
+          <a:p>
+            <a:r>
+              <a:rPr lang="el-GR" dirty="0" err="1"/>
+              <a:t>Παραδειγμα</a:t>
+            </a:r>
+            <a:r>
+              <a:rPr lang="el-GR" dirty="0"/>
+              <a:t> </a:t>
+            </a:r>
+            <a:r>
+              <a:rPr lang="el-GR" dirty="0" err="1"/>
+              <a:t>λειτουργιασ</a:t>
+            </a:r>
+            <a:r>
+              <a:rPr lang="en-US" dirty="0"/>
+              <a:t> 1</a:t>
+            </a:r>
+            <a:endParaRPr lang="el-GR" dirty="0"/>
+          </a:p>
+        </p:txBody>
+      </p:sp>
+      <p:pic>
+        <p:nvPicPr>
+          <p:cNvPr id="6" name="Θέση περιεχομένου 5" descr="Εικόνα που περιέχει κείμενο, στιγμιότυπο οθόνης, αριθμομηχανή&#10;&#10;Περιγραφή που δημιουργήθηκε αυτόματα">
+            <a:extLst>
+              <a:ext uri="{FF2B5EF4-FFF2-40B4-BE49-F238E27FC236}">
+                <a16:creationId xmlns:a16="http://schemas.microsoft.com/office/drawing/2014/main" id="{0C1B156D-592B-3C5A-A24C-0AB7955DA40A}"/>
+              </a:ext>
+            </a:extLst>
+          </p:cNvPr>
+          <p:cNvPicPr>
+            <a:picLocks noGrp="1" noChangeAspect="1"/>
+          </p:cNvPicPr>
+          <p:nvPr>
+            <p:ph sz="half" idx="1"/>
+          </p:nvPr>
+        </p:nvPicPr>
+        <p:blipFill>
+          <a:blip r:embed="rId2"/>
+          <a:stretch>
+            <a:fillRect/>
+          </a:stretch>
+        </p:blipFill>
+        <p:spPr>
+          <a:xfrm>
+            <a:off x="2479920" y="2227263"/>
+            <a:ext cx="1625110" cy="3633787"/>
+          </a:xfrm>
+        </p:spPr>
+      </p:pic>
+      <p:sp>
+        <p:nvSpPr>
+          <p:cNvPr id="4" name="Θέση περιεχομένου 3">
+            <a:extLst>
+              <a:ext uri="{FF2B5EF4-FFF2-40B4-BE49-F238E27FC236}">
+                <a16:creationId xmlns:a16="http://schemas.microsoft.com/office/drawing/2014/main" id="{7E33ACEF-5B55-CBF7-B6C7-A415FE48FA84}"/>
+              </a:ext>
+            </a:extLst>
+          </p:cNvPr>
+          <p:cNvSpPr>
+            <a:spLocks noGrp="1"/>
+          </p:cNvSpPr>
+          <p:nvPr>
+            <p:ph sz="half" idx="2"/>
+          </p:nvPr>
+        </p:nvSpPr>
+        <p:spPr/>
+        <p:txBody>
+          <a:bodyPr/>
+          <a:lstStyle/>
+          <a:p>
+            <a:r>
+              <a:rPr lang="el-GR" dirty="0"/>
+              <a:t>Στην οθόνη εμφανίζεται το ‘0’</a:t>
+            </a:r>
+          </a:p>
+          <a:p>
+            <a:r>
+              <a:rPr lang="el-GR" dirty="0"/>
+              <a:t>Πατάμε το πλήκτρο ‘ . ‘</a:t>
+            </a:r>
+          </a:p>
+        </p:txBody>
+      </p:sp>
+      <p:sp>
+        <p:nvSpPr>
+          <p:cNvPr id="7" name="Οβάλ 6">
+            <a:extLst>
+              <a:ext uri="{FF2B5EF4-FFF2-40B4-BE49-F238E27FC236}">
+                <a16:creationId xmlns:a16="http://schemas.microsoft.com/office/drawing/2014/main" id="{00A1CFF3-2E95-8309-E1FE-B328A91DB790}"/>
+              </a:ext>
+            </a:extLst>
+          </p:cNvPr>
+          <p:cNvSpPr/>
+          <p:nvPr/>
+        </p:nvSpPr>
+        <p:spPr>
+          <a:xfrm>
+            <a:off x="2830859" y="5574781"/>
+            <a:ext cx="266700" cy="226219"/>
+          </a:xfrm>
+          <a:prstGeom prst="ellipse">
+            <a:avLst/>
+          </a:prstGeom>
+          <a:solidFill>
+            <a:srgbClr val="1A3260">
+              <a:alpha val="27059"/>
+            </a:srgbClr>
+          </a:solidFill>
+        </p:spPr>
+        <p:style>
+          <a:lnRef idx="2">
+            <a:schemeClr val="accent1">
+              <a:shade val="15000"/>
+            </a:schemeClr>
+          </a:lnRef>
+          <a:fillRef idx="1">
+            <a:schemeClr val="accent1"/>
+          </a:fillRef>
+          <a:effectRef idx="0">
+            <a:schemeClr val="accent1"/>
+          </a:effectRef>
+          <a:fontRef idx="minor">
+            <a:schemeClr val="lt1"/>
+          </a:fontRef>
+        </p:style>
+        <p:txBody>
+          <a:bodyPr rtlCol="0" anchor="ctr"/>
+          <a:lstStyle/>
+          <a:p>
+            <a:pPr algn="ctr"/>
+            <a:endParaRPr lang="el-GR"/>
+          </a:p>
+        </p:txBody>
+      </p:sp>
+    </p:spTree>
+    <p:extLst>
+      <p:ext uri="{BB962C8B-B14F-4D97-AF65-F5344CB8AC3E}">
+        <p14:creationId xmlns:p14="http://schemas.microsoft.com/office/powerpoint/2010/main" val="3775914653"/>
+      </p:ext>
+    </p:extLst>
+  </p:cSld>
+  <p:clrMapOvr>
+    <a:masterClrMapping/>
+  </p:clrMapOvr>
+</p:sld>
+</file>
+
+<file path=ppt/slides/slide21.xml><?xml version="1.0" encoding="utf-8"?>
+<p:sld xmlns:a="http://schemas.openxmlformats.org/drawingml/2006/main" xmlns:r="http://schemas.openxmlformats.org/officeDocument/2006/relationships" xmlns:p="http://schemas.openxmlformats.org/presentationml/2006/main">
+  <p:cSld>
+    <p:spTree>
+      <p:nvGrpSpPr>
+        <p:cNvPr id="1" name=""/>
+        <p:cNvGrpSpPr/>
+        <p:nvPr/>
+      </p:nvGrpSpPr>
+      <p:grpSpPr>
+        <a:xfrm>
+          <a:off x="0" y="0"/>
+          <a:ext cx="0" cy="0"/>
+          <a:chOff x="0" y="0"/>
+          <a:chExt cx="0" cy="0"/>
+        </a:xfrm>
+      </p:grpSpPr>
+      <p:sp>
+        <p:nvSpPr>
+          <p:cNvPr id="2" name="Τίτλος 1">
+            <a:extLst>
+              <a:ext uri="{FF2B5EF4-FFF2-40B4-BE49-F238E27FC236}">
+                <a16:creationId xmlns:a16="http://schemas.microsoft.com/office/drawing/2014/main" id="{82A00DC9-F0C1-E076-54C5-8FF317A67657}"/>
+              </a:ext>
+            </a:extLst>
+          </p:cNvPr>
+          <p:cNvSpPr>
+            <a:spLocks noGrp="1"/>
+          </p:cNvSpPr>
+          <p:nvPr>
+            <p:ph type="title"/>
+          </p:nvPr>
+        </p:nvSpPr>
+        <p:spPr/>
+        <p:txBody>
+          <a:bodyPr/>
+          <a:lstStyle/>
+          <a:p>
+            <a:endParaRPr lang="el-GR"/>
+          </a:p>
+        </p:txBody>
+      </p:sp>
+      <p:pic>
+        <p:nvPicPr>
+          <p:cNvPr id="6" name="Θέση περιεχομένου 5" descr="Εικόνα που περιέχει κείμενο, στιγμιότυπο οθόνης, αριθμομηχανή&#10;&#10;Περιγραφή που δημιουργήθηκε αυτόματα">
+            <a:extLst>
+              <a:ext uri="{FF2B5EF4-FFF2-40B4-BE49-F238E27FC236}">
+                <a16:creationId xmlns:a16="http://schemas.microsoft.com/office/drawing/2014/main" id="{0A721ACB-9ACB-DD96-12F6-5A74CCF6E920}"/>
+              </a:ext>
+            </a:extLst>
+          </p:cNvPr>
+          <p:cNvPicPr>
+            <a:picLocks noGrp="1" noChangeAspect="1"/>
+          </p:cNvPicPr>
+          <p:nvPr>
+            <p:ph sz="half" idx="1"/>
+          </p:nvPr>
+        </p:nvPicPr>
+        <p:blipFill>
+          <a:blip r:embed="rId2"/>
+          <a:stretch>
+            <a:fillRect/>
+          </a:stretch>
+        </p:blipFill>
+        <p:spPr>
+          <a:xfrm>
+            <a:off x="2479920" y="2227263"/>
+            <a:ext cx="1625110" cy="3633787"/>
+          </a:xfrm>
+        </p:spPr>
+      </p:pic>
+      <p:sp>
+        <p:nvSpPr>
+          <p:cNvPr id="4" name="Θέση περιεχομένου 3">
+            <a:extLst>
+              <a:ext uri="{FF2B5EF4-FFF2-40B4-BE49-F238E27FC236}">
+                <a16:creationId xmlns:a16="http://schemas.microsoft.com/office/drawing/2014/main" id="{F9CAD320-FE75-60CD-A034-ACEF996EEB0B}"/>
+              </a:ext>
+            </a:extLst>
+          </p:cNvPr>
+          <p:cNvSpPr>
+            <a:spLocks noGrp="1"/>
+          </p:cNvSpPr>
+          <p:nvPr>
+            <p:ph sz="half" idx="2"/>
+          </p:nvPr>
+        </p:nvSpPr>
+        <p:spPr/>
+        <p:txBody>
+          <a:bodyPr/>
+          <a:lstStyle/>
+          <a:p>
+            <a:r>
+              <a:rPr lang="el-GR" dirty="0"/>
+              <a:t>Στην οθόνη εμφανίζεται το ‘0.’</a:t>
+            </a:r>
+          </a:p>
+          <a:p>
+            <a:r>
+              <a:rPr lang="el-GR" dirty="0"/>
+              <a:t>Πατάμε το πλήκτρο ‘9’</a:t>
+            </a:r>
+          </a:p>
+        </p:txBody>
+      </p:sp>
+      <p:sp>
+        <p:nvSpPr>
+          <p:cNvPr id="7" name="Οβάλ 6">
+            <a:extLst>
+              <a:ext uri="{FF2B5EF4-FFF2-40B4-BE49-F238E27FC236}">
+                <a16:creationId xmlns:a16="http://schemas.microsoft.com/office/drawing/2014/main" id="{28596D8B-D872-D9B0-ED60-14D3D83E85E0}"/>
+              </a:ext>
+            </a:extLst>
+          </p:cNvPr>
+          <p:cNvSpPr/>
+          <p:nvPr/>
+        </p:nvSpPr>
+        <p:spPr>
+          <a:xfrm>
+            <a:off x="3152775" y="4641331"/>
+            <a:ext cx="266700" cy="226219"/>
+          </a:xfrm>
+          <a:prstGeom prst="ellipse">
+            <a:avLst/>
+          </a:prstGeom>
+          <a:solidFill>
+            <a:srgbClr val="1A3260">
+              <a:alpha val="27059"/>
+            </a:srgbClr>
+          </a:solidFill>
+        </p:spPr>
+        <p:style>
+          <a:lnRef idx="2">
+            <a:schemeClr val="accent1">
+              <a:shade val="15000"/>
+            </a:schemeClr>
+          </a:lnRef>
+          <a:fillRef idx="1">
+            <a:schemeClr val="accent1"/>
+          </a:fillRef>
+          <a:effectRef idx="0">
+            <a:schemeClr val="accent1"/>
+          </a:effectRef>
+          <a:fontRef idx="minor">
+            <a:schemeClr val="lt1"/>
+          </a:fontRef>
+        </p:style>
+        <p:txBody>
+          <a:bodyPr rtlCol="0" anchor="ctr"/>
+          <a:lstStyle/>
+          <a:p>
+            <a:pPr algn="ctr"/>
+            <a:endParaRPr lang="el-GR"/>
+          </a:p>
+        </p:txBody>
+      </p:sp>
+    </p:spTree>
+    <p:extLst>
+      <p:ext uri="{BB962C8B-B14F-4D97-AF65-F5344CB8AC3E}">
+        <p14:creationId xmlns:p14="http://schemas.microsoft.com/office/powerpoint/2010/main" val="3864846501"/>
+      </p:ext>
+    </p:extLst>
+  </p:cSld>
+  <p:clrMapOvr>
+    <a:masterClrMapping/>
+  </p:clrMapOvr>
+</p:sld>
+</file>
+
+<file path=ppt/slides/slide22.xml><?xml version="1.0" encoding="utf-8"?>
+<p:sld xmlns:a="http://schemas.openxmlformats.org/drawingml/2006/main" xmlns:r="http://schemas.openxmlformats.org/officeDocument/2006/relationships" xmlns:p="http://schemas.openxmlformats.org/presentationml/2006/main">
+  <p:cSld>
+    <p:spTree>
+      <p:nvGrpSpPr>
+        <p:cNvPr id="1" name=""/>
+        <p:cNvGrpSpPr/>
+        <p:nvPr/>
+      </p:nvGrpSpPr>
+      <p:grpSpPr>
+        <a:xfrm>
+          <a:off x="0" y="0"/>
+          <a:ext cx="0" cy="0"/>
+          <a:chOff x="0" y="0"/>
+          <a:chExt cx="0" cy="0"/>
+        </a:xfrm>
+      </p:grpSpPr>
+      <p:sp>
+        <p:nvSpPr>
+          <p:cNvPr id="2" name="Τίτλος 1">
+            <a:extLst>
+              <a:ext uri="{FF2B5EF4-FFF2-40B4-BE49-F238E27FC236}">
+                <a16:creationId xmlns:a16="http://schemas.microsoft.com/office/drawing/2014/main" id="{32F1941F-B10E-EFF6-6F77-9AA718677BC4}"/>
+              </a:ext>
+            </a:extLst>
+          </p:cNvPr>
+          <p:cNvSpPr>
+            <a:spLocks noGrp="1"/>
+          </p:cNvSpPr>
+          <p:nvPr>
+            <p:ph type="title"/>
+          </p:nvPr>
+        </p:nvSpPr>
+        <p:spPr/>
+        <p:txBody>
+          <a:bodyPr/>
+          <a:lstStyle/>
+          <a:p>
+            <a:endParaRPr lang="el-GR"/>
+          </a:p>
+        </p:txBody>
+      </p:sp>
+      <p:pic>
+        <p:nvPicPr>
+          <p:cNvPr id="6" name="Θέση περιεχομένου 5" descr="Εικόνα που περιέχει κείμενο, στιγμιότυπο οθόνης, αριθμομηχανή&#10;&#10;Περιγραφή που δημιουργήθηκε αυτόματα">
+            <a:extLst>
+              <a:ext uri="{FF2B5EF4-FFF2-40B4-BE49-F238E27FC236}">
+                <a16:creationId xmlns:a16="http://schemas.microsoft.com/office/drawing/2014/main" id="{C4DD6240-C6F9-65C3-ACCD-8BD2CA8B6BAF}"/>
+              </a:ext>
+            </a:extLst>
+          </p:cNvPr>
+          <p:cNvPicPr>
+            <a:picLocks noGrp="1" noChangeAspect="1"/>
+          </p:cNvPicPr>
+          <p:nvPr>
+            <p:ph sz="half" idx="1"/>
+          </p:nvPr>
+        </p:nvPicPr>
+        <p:blipFill>
+          <a:blip r:embed="rId2"/>
+          <a:stretch>
+            <a:fillRect/>
+          </a:stretch>
+        </p:blipFill>
+        <p:spPr>
+          <a:xfrm>
+            <a:off x="2479920" y="2227263"/>
+            <a:ext cx="1625110" cy="3633787"/>
+          </a:xfrm>
+        </p:spPr>
+      </p:pic>
+      <p:sp>
+        <p:nvSpPr>
+          <p:cNvPr id="4" name="Θέση περιεχομένου 3">
+            <a:extLst>
+              <a:ext uri="{FF2B5EF4-FFF2-40B4-BE49-F238E27FC236}">
+                <a16:creationId xmlns:a16="http://schemas.microsoft.com/office/drawing/2014/main" id="{7664AFE3-2410-FD51-ECB5-C8523D21058A}"/>
+              </a:ext>
+            </a:extLst>
+          </p:cNvPr>
+          <p:cNvSpPr>
+            <a:spLocks noGrp="1"/>
+          </p:cNvSpPr>
+          <p:nvPr>
+            <p:ph sz="half" idx="2"/>
+          </p:nvPr>
+        </p:nvSpPr>
+        <p:spPr/>
+        <p:txBody>
+          <a:bodyPr/>
+          <a:lstStyle/>
+          <a:p>
+            <a:endParaRPr lang="el-GR" dirty="0"/>
+          </a:p>
+          <a:p>
+            <a:r>
+              <a:rPr lang="el-GR" dirty="0"/>
+              <a:t>Στην οθόνη εμφανίζεται το ‘0.9’</a:t>
+            </a:r>
+          </a:p>
+          <a:p>
+            <a:r>
+              <a:rPr lang="el-GR" dirty="0"/>
+              <a:t>Πατάμε το πλήκτρο ‘÷’</a:t>
+            </a:r>
+          </a:p>
+          <a:p>
+            <a:endParaRPr lang="el-GR" dirty="0"/>
+          </a:p>
+        </p:txBody>
+      </p:sp>
+      <p:sp>
+        <p:nvSpPr>
+          <p:cNvPr id="7" name="Οβάλ 6">
+            <a:extLst>
+              <a:ext uri="{FF2B5EF4-FFF2-40B4-BE49-F238E27FC236}">
+                <a16:creationId xmlns:a16="http://schemas.microsoft.com/office/drawing/2014/main" id="{46A730CD-CA5B-F132-CD39-AEC1A5C611FC}"/>
+              </a:ext>
+            </a:extLst>
+          </p:cNvPr>
+          <p:cNvSpPr/>
+          <p:nvPr/>
+        </p:nvSpPr>
+        <p:spPr>
+          <a:xfrm>
+            <a:off x="3800230" y="4946131"/>
+            <a:ext cx="266700" cy="226219"/>
+          </a:xfrm>
+          <a:prstGeom prst="ellipse">
+            <a:avLst/>
+          </a:prstGeom>
+          <a:solidFill>
+            <a:srgbClr val="1A3260">
+              <a:alpha val="27059"/>
+            </a:srgbClr>
+          </a:solidFill>
+        </p:spPr>
+        <p:style>
+          <a:lnRef idx="2">
+            <a:schemeClr val="accent1">
+              <a:shade val="15000"/>
+            </a:schemeClr>
+          </a:lnRef>
+          <a:fillRef idx="1">
+            <a:schemeClr val="accent1"/>
+          </a:fillRef>
+          <a:effectRef idx="0">
+            <a:schemeClr val="accent1"/>
+          </a:effectRef>
+          <a:fontRef idx="minor">
+            <a:schemeClr val="lt1"/>
+          </a:fontRef>
+        </p:style>
+        <p:txBody>
+          <a:bodyPr rtlCol="0" anchor="ctr"/>
+          <a:lstStyle/>
+          <a:p>
+            <a:pPr algn="ctr"/>
+            <a:endParaRPr lang="el-GR"/>
+          </a:p>
+        </p:txBody>
+      </p:sp>
+    </p:spTree>
+    <p:extLst>
+      <p:ext uri="{BB962C8B-B14F-4D97-AF65-F5344CB8AC3E}">
+        <p14:creationId xmlns:p14="http://schemas.microsoft.com/office/powerpoint/2010/main" val="1044991076"/>
+      </p:ext>
+    </p:extLst>
+  </p:cSld>
+  <p:clrMapOvr>
+    <a:masterClrMapping/>
+  </p:clrMapOvr>
+</p:sld>
+</file>
+
+<file path=ppt/slides/slide23.xml><?xml version="1.0" encoding="utf-8"?>
+<p:sld xmlns:a="http://schemas.openxmlformats.org/drawingml/2006/main" xmlns:r="http://schemas.openxmlformats.org/officeDocument/2006/relationships" xmlns:p="http://schemas.openxmlformats.org/presentationml/2006/main">
+  <p:cSld>
+    <p:spTree>
+      <p:nvGrpSpPr>
+        <p:cNvPr id="1" name=""/>
+        <p:cNvGrpSpPr/>
+        <p:nvPr/>
+      </p:nvGrpSpPr>
+      <p:grpSpPr>
+        <a:xfrm>
+          <a:off x="0" y="0"/>
+          <a:ext cx="0" cy="0"/>
+          <a:chOff x="0" y="0"/>
+          <a:chExt cx="0" cy="0"/>
+        </a:xfrm>
+      </p:grpSpPr>
+      <p:sp>
+        <p:nvSpPr>
+          <p:cNvPr id="2" name="Τίτλος 1">
+            <a:extLst>
+              <a:ext uri="{FF2B5EF4-FFF2-40B4-BE49-F238E27FC236}">
+                <a16:creationId xmlns:a16="http://schemas.microsoft.com/office/drawing/2014/main" id="{8803C42E-B500-384B-6678-9E0DB00FCBE5}"/>
+              </a:ext>
+            </a:extLst>
+          </p:cNvPr>
+          <p:cNvSpPr>
+            <a:spLocks noGrp="1"/>
+          </p:cNvSpPr>
+          <p:nvPr>
+            <p:ph type="title"/>
+          </p:nvPr>
+        </p:nvSpPr>
+        <p:spPr/>
+        <p:txBody>
+          <a:bodyPr/>
+          <a:lstStyle/>
+          <a:p>
+            <a:endParaRPr lang="el-GR"/>
+          </a:p>
+        </p:txBody>
+      </p:sp>
+      <p:pic>
+        <p:nvPicPr>
+          <p:cNvPr id="6" name="Θέση περιεχομένου 5" descr="Εικόνα που περιέχει κείμενο, στιγμιότυπο οθόνης, αριθμομηχανή&#10;&#10;Περιγραφή που δημιουργήθηκε αυτόματα">
+            <a:extLst>
+              <a:ext uri="{FF2B5EF4-FFF2-40B4-BE49-F238E27FC236}">
+                <a16:creationId xmlns:a16="http://schemas.microsoft.com/office/drawing/2014/main" id="{D76AC784-15D4-E95D-D887-BC111230913E}"/>
+              </a:ext>
+            </a:extLst>
+          </p:cNvPr>
+          <p:cNvPicPr>
+            <a:picLocks noGrp="1" noChangeAspect="1"/>
+          </p:cNvPicPr>
+          <p:nvPr>
+            <p:ph sz="half" idx="1"/>
+          </p:nvPr>
+        </p:nvPicPr>
+        <p:blipFill>
+          <a:blip r:embed="rId2"/>
+          <a:stretch>
+            <a:fillRect/>
+          </a:stretch>
+        </p:blipFill>
+        <p:spPr>
+          <a:xfrm>
+            <a:off x="2479920" y="2227263"/>
+            <a:ext cx="1625110" cy="3633787"/>
+          </a:xfrm>
+        </p:spPr>
+      </p:pic>
+      <p:sp>
+        <p:nvSpPr>
+          <p:cNvPr id="4" name="Θέση περιεχομένου 3">
+            <a:extLst>
+              <a:ext uri="{FF2B5EF4-FFF2-40B4-BE49-F238E27FC236}">
+                <a16:creationId xmlns:a16="http://schemas.microsoft.com/office/drawing/2014/main" id="{AB4FA741-AB72-F8E9-DF1C-E0E5EA42F426}"/>
+              </a:ext>
+            </a:extLst>
+          </p:cNvPr>
+          <p:cNvSpPr>
+            <a:spLocks noGrp="1"/>
+          </p:cNvSpPr>
+          <p:nvPr>
+            <p:ph sz="half" idx="2"/>
+          </p:nvPr>
+        </p:nvSpPr>
+        <p:spPr/>
+        <p:txBody>
+          <a:bodyPr/>
+          <a:lstStyle/>
+          <a:p>
+            <a:pPr marL="0" indent="0">
+              <a:buNone/>
+            </a:pPr>
+            <a:endParaRPr lang="en-US" dirty="0"/>
+          </a:p>
+          <a:p>
+            <a:pPr marL="0" indent="0">
+              <a:buNone/>
+            </a:pPr>
+            <a:endParaRPr lang="el-GR" dirty="0"/>
+          </a:p>
+          <a:p>
+            <a:r>
+              <a:rPr lang="el-GR" dirty="0"/>
+              <a:t>Στην οθόνη εμφανίζεται το αποτέλεσμα της πράξης 9 – 0.9 = ‘8.1’</a:t>
+            </a:r>
+          </a:p>
+          <a:p>
+            <a:r>
+              <a:rPr lang="el-GR" dirty="0"/>
+              <a:t>Πατάμε το πλήκτρο ‘5’</a:t>
+            </a:r>
+          </a:p>
+          <a:p>
+            <a:endParaRPr lang="el-GR" dirty="0"/>
+          </a:p>
+          <a:p>
+            <a:endParaRPr lang="el-GR" dirty="0"/>
+          </a:p>
+        </p:txBody>
+      </p:sp>
+      <p:sp>
+        <p:nvSpPr>
+          <p:cNvPr id="9" name="Οβάλ 8">
+            <a:extLst>
+              <a:ext uri="{FF2B5EF4-FFF2-40B4-BE49-F238E27FC236}">
+                <a16:creationId xmlns:a16="http://schemas.microsoft.com/office/drawing/2014/main" id="{97166519-F663-817E-96D7-58D0EF848127}"/>
+              </a:ext>
+            </a:extLst>
+          </p:cNvPr>
+          <p:cNvSpPr/>
+          <p:nvPr/>
+        </p:nvSpPr>
+        <p:spPr>
+          <a:xfrm>
+            <a:off x="2841380" y="4946131"/>
+            <a:ext cx="266700" cy="226219"/>
+          </a:xfrm>
+          <a:prstGeom prst="ellipse">
+            <a:avLst/>
+          </a:prstGeom>
+          <a:solidFill>
+            <a:srgbClr val="1A3260">
+              <a:alpha val="27059"/>
+            </a:srgbClr>
+          </a:solidFill>
+        </p:spPr>
+        <p:style>
+          <a:lnRef idx="2">
+            <a:schemeClr val="accent1">
+              <a:shade val="15000"/>
+            </a:schemeClr>
+          </a:lnRef>
+          <a:fillRef idx="1">
+            <a:schemeClr val="accent1"/>
+          </a:fillRef>
+          <a:effectRef idx="0">
+            <a:schemeClr val="accent1"/>
+          </a:effectRef>
+          <a:fontRef idx="minor">
+            <a:schemeClr val="lt1"/>
+          </a:fontRef>
+        </p:style>
+        <p:txBody>
+          <a:bodyPr rtlCol="0" anchor="ctr"/>
+          <a:lstStyle/>
+          <a:p>
+            <a:pPr algn="ctr"/>
+            <a:endParaRPr lang="el-GR"/>
+          </a:p>
+        </p:txBody>
+      </p:sp>
+    </p:spTree>
+    <p:extLst>
+      <p:ext uri="{BB962C8B-B14F-4D97-AF65-F5344CB8AC3E}">
+        <p14:creationId xmlns:p14="http://schemas.microsoft.com/office/powerpoint/2010/main" val="479476273"/>
+      </p:ext>
+    </p:extLst>
+  </p:cSld>
+  <p:clrMapOvr>
+    <a:masterClrMapping/>
+  </p:clrMapOvr>
+</p:sld>
+</file>
+
+<file path=ppt/slides/slide24.xml><?xml version="1.0" encoding="utf-8"?>
+<p:sld xmlns:a="http://schemas.openxmlformats.org/drawingml/2006/main" xmlns:r="http://schemas.openxmlformats.org/officeDocument/2006/relationships" xmlns:p="http://schemas.openxmlformats.org/presentationml/2006/main">
+  <p:cSld>
+    <p:spTree>
+      <p:nvGrpSpPr>
+        <p:cNvPr id="1" name=""/>
+        <p:cNvGrpSpPr/>
+        <p:nvPr/>
+      </p:nvGrpSpPr>
+      <p:grpSpPr>
+        <a:xfrm>
+          <a:off x="0" y="0"/>
+          <a:ext cx="0" cy="0"/>
+          <a:chOff x="0" y="0"/>
+          <a:chExt cx="0" cy="0"/>
+        </a:xfrm>
+      </p:grpSpPr>
+      <p:sp>
+        <p:nvSpPr>
+          <p:cNvPr id="2" name="Τίτλος 1">
+            <a:extLst>
+              <a:ext uri="{FF2B5EF4-FFF2-40B4-BE49-F238E27FC236}">
+                <a16:creationId xmlns:a16="http://schemas.microsoft.com/office/drawing/2014/main" id="{55C0D39A-16C3-9D09-8EDB-B5FC6CCF9B0E}"/>
+              </a:ext>
+            </a:extLst>
+          </p:cNvPr>
+          <p:cNvSpPr>
+            <a:spLocks noGrp="1"/>
+          </p:cNvSpPr>
+          <p:nvPr>
+            <p:ph type="title"/>
+          </p:nvPr>
+        </p:nvSpPr>
+        <p:spPr/>
+        <p:txBody>
+          <a:bodyPr/>
+          <a:lstStyle/>
+          <a:p>
+            <a:endParaRPr lang="el-GR"/>
+          </a:p>
+        </p:txBody>
+      </p:sp>
+      <p:pic>
+        <p:nvPicPr>
+          <p:cNvPr id="6" name="Θέση περιεχομένου 5" descr="Εικόνα που περιέχει κείμενο, στιγμιότυπο οθόνης, αριθμομηχανή&#10;&#10;Περιγραφή που δημιουργήθηκε αυτόματα">
+            <a:extLst>
+              <a:ext uri="{FF2B5EF4-FFF2-40B4-BE49-F238E27FC236}">
+                <a16:creationId xmlns:a16="http://schemas.microsoft.com/office/drawing/2014/main" id="{5C72A44A-9B4A-64DA-C981-A1619E7B9CDC}"/>
+              </a:ext>
+            </a:extLst>
+          </p:cNvPr>
+          <p:cNvPicPr>
+            <a:picLocks noGrp="1" noChangeAspect="1"/>
+          </p:cNvPicPr>
+          <p:nvPr>
+            <p:ph sz="half" idx="1"/>
+          </p:nvPr>
+        </p:nvPicPr>
+        <p:blipFill>
+          <a:blip r:embed="rId2"/>
+          <a:stretch>
+            <a:fillRect/>
+          </a:stretch>
+        </p:blipFill>
+        <p:spPr>
+          <a:xfrm>
+            <a:off x="2479920" y="2227263"/>
+            <a:ext cx="1625110" cy="3633787"/>
+          </a:xfrm>
+        </p:spPr>
+      </p:pic>
+      <p:sp>
+        <p:nvSpPr>
+          <p:cNvPr id="4" name="Θέση περιεχομένου 3">
+            <a:extLst>
+              <a:ext uri="{FF2B5EF4-FFF2-40B4-BE49-F238E27FC236}">
+                <a16:creationId xmlns:a16="http://schemas.microsoft.com/office/drawing/2014/main" id="{9B9758B2-9CEA-4037-A19C-2AA56B927E46}"/>
+              </a:ext>
+            </a:extLst>
+          </p:cNvPr>
+          <p:cNvSpPr>
+            <a:spLocks noGrp="1"/>
+          </p:cNvSpPr>
+          <p:nvPr>
+            <p:ph sz="half" idx="2"/>
+          </p:nvPr>
+        </p:nvSpPr>
+        <p:spPr/>
+        <p:txBody>
+          <a:bodyPr/>
+          <a:lstStyle/>
+          <a:p>
+            <a:r>
+              <a:rPr lang="el-GR" dirty="0"/>
+              <a:t>Στην οθόνη εμφανίζεται το ‘5’</a:t>
+            </a:r>
+          </a:p>
+          <a:p>
+            <a:r>
+              <a:rPr lang="el-GR" dirty="0"/>
+              <a:t>Πατάμε το πλήκτρο ‘=’</a:t>
+            </a:r>
+          </a:p>
+        </p:txBody>
+      </p:sp>
+      <p:sp>
+        <p:nvSpPr>
+          <p:cNvPr id="9" name="Οβάλ 8">
+            <a:extLst>
+              <a:ext uri="{FF2B5EF4-FFF2-40B4-BE49-F238E27FC236}">
+                <a16:creationId xmlns:a16="http://schemas.microsoft.com/office/drawing/2014/main" id="{6905B1C9-230B-B750-A566-54FFD56B76A8}"/>
+              </a:ext>
+            </a:extLst>
+          </p:cNvPr>
+          <p:cNvSpPr/>
+          <p:nvPr/>
+        </p:nvSpPr>
+        <p:spPr>
+          <a:xfrm>
+            <a:off x="3806580" y="5574781"/>
+            <a:ext cx="266700" cy="226219"/>
+          </a:xfrm>
+          <a:prstGeom prst="ellipse">
+            <a:avLst/>
+          </a:prstGeom>
+          <a:solidFill>
+            <a:srgbClr val="1A3260">
+              <a:alpha val="27059"/>
+            </a:srgbClr>
+          </a:solidFill>
+        </p:spPr>
+        <p:style>
+          <a:lnRef idx="2">
+            <a:schemeClr val="accent1">
+              <a:shade val="15000"/>
+            </a:schemeClr>
+          </a:lnRef>
+          <a:fillRef idx="1">
+            <a:schemeClr val="accent1"/>
+          </a:fillRef>
+          <a:effectRef idx="0">
+            <a:schemeClr val="accent1"/>
+          </a:effectRef>
+          <a:fontRef idx="minor">
+            <a:schemeClr val="lt1"/>
+          </a:fontRef>
+        </p:style>
+        <p:txBody>
+          <a:bodyPr rtlCol="0" anchor="ctr"/>
+          <a:lstStyle/>
+          <a:p>
+            <a:pPr algn="ctr"/>
+            <a:endParaRPr lang="el-GR"/>
+          </a:p>
+        </p:txBody>
+      </p:sp>
+    </p:spTree>
+    <p:extLst>
+      <p:ext uri="{BB962C8B-B14F-4D97-AF65-F5344CB8AC3E}">
+        <p14:creationId xmlns:p14="http://schemas.microsoft.com/office/powerpoint/2010/main" val="2934522648"/>
+      </p:ext>
+    </p:extLst>
+  </p:cSld>
+  <p:clrMapOvr>
+    <a:masterClrMapping/>
+  </p:clrMapOvr>
+</p:sld>
+</file>
+
+<file path=ppt/slides/slide25.xml><?xml version="1.0" encoding="utf-8"?>
+<p:sld xmlns:a="http://schemas.openxmlformats.org/drawingml/2006/main" xmlns:r="http://schemas.openxmlformats.org/officeDocument/2006/relationships" xmlns:p="http://schemas.openxmlformats.org/presentationml/2006/main">
+  <p:cSld>
+    <p:spTree>
+      <p:nvGrpSpPr>
+        <p:cNvPr id="1" name=""/>
+        <p:cNvGrpSpPr/>
+        <p:nvPr/>
+      </p:nvGrpSpPr>
+      <p:grpSpPr>
+        <a:xfrm>
+          <a:off x="0" y="0"/>
+          <a:ext cx="0" cy="0"/>
+          <a:chOff x="0" y="0"/>
+          <a:chExt cx="0" cy="0"/>
+        </a:xfrm>
+      </p:grpSpPr>
+      <p:sp>
+        <p:nvSpPr>
+          <p:cNvPr id="2" name="Τίτλος 1">
+            <a:extLst>
+              <a:ext uri="{FF2B5EF4-FFF2-40B4-BE49-F238E27FC236}">
+                <a16:creationId xmlns:a16="http://schemas.microsoft.com/office/drawing/2014/main" id="{948984E8-946F-C28D-6D3C-40D21D96A418}"/>
+              </a:ext>
+            </a:extLst>
+          </p:cNvPr>
+          <p:cNvSpPr>
+            <a:spLocks noGrp="1"/>
+          </p:cNvSpPr>
+          <p:nvPr>
+            <p:ph type="title"/>
+          </p:nvPr>
+        </p:nvSpPr>
+        <p:spPr/>
+        <p:txBody>
+          <a:bodyPr/>
+          <a:lstStyle/>
+          <a:p>
+            <a:endParaRPr lang="el-GR"/>
+          </a:p>
+        </p:txBody>
+      </p:sp>
+      <p:pic>
+        <p:nvPicPr>
+          <p:cNvPr id="6" name="Θέση περιεχομένου 5" descr="Εικόνα που περιέχει κείμενο, στιγμιότυπο οθόνης, αριθμομηχανή&#10;&#10;Περιγραφή που δημιουργήθηκε αυτόματα">
+            <a:extLst>
+              <a:ext uri="{FF2B5EF4-FFF2-40B4-BE49-F238E27FC236}">
+                <a16:creationId xmlns:a16="http://schemas.microsoft.com/office/drawing/2014/main" id="{9D68B4F7-265D-055E-BF21-0E2AF5DBC7AE}"/>
+              </a:ext>
+            </a:extLst>
+          </p:cNvPr>
+          <p:cNvPicPr>
+            <a:picLocks noGrp="1" noChangeAspect="1"/>
+          </p:cNvPicPr>
+          <p:nvPr>
+            <p:ph sz="half" idx="1"/>
+          </p:nvPr>
+        </p:nvPicPr>
+        <p:blipFill>
+          <a:blip r:embed="rId2"/>
+          <a:stretch>
+            <a:fillRect/>
+          </a:stretch>
+        </p:blipFill>
+        <p:spPr>
+          <a:xfrm>
+            <a:off x="2479920" y="2227263"/>
+            <a:ext cx="1625110" cy="3633787"/>
+          </a:xfrm>
+        </p:spPr>
+      </p:pic>
+      <p:sp>
+        <p:nvSpPr>
+          <p:cNvPr id="4" name="Θέση περιεχομένου 3">
+            <a:extLst>
+              <a:ext uri="{FF2B5EF4-FFF2-40B4-BE49-F238E27FC236}">
+                <a16:creationId xmlns:a16="http://schemas.microsoft.com/office/drawing/2014/main" id="{4C0E6856-AA7B-10CD-E923-14B2061C9F1F}"/>
+              </a:ext>
+            </a:extLst>
+          </p:cNvPr>
+          <p:cNvSpPr>
+            <a:spLocks noGrp="1"/>
+          </p:cNvSpPr>
+          <p:nvPr>
+            <p:ph sz="half" idx="2"/>
+          </p:nvPr>
+        </p:nvSpPr>
+        <p:spPr/>
+        <p:txBody>
+          <a:bodyPr/>
+          <a:lstStyle/>
+          <a:p>
+            <a:r>
+              <a:rPr lang="el-GR" dirty="0"/>
+              <a:t>Εμφανίζεται το τελικό αποτέλεσμα 8.1 / 5 = 1.61</a:t>
+            </a:r>
+          </a:p>
+        </p:txBody>
+      </p:sp>
+    </p:spTree>
+    <p:extLst>
+      <p:ext uri="{BB962C8B-B14F-4D97-AF65-F5344CB8AC3E}">
+        <p14:creationId xmlns:p14="http://schemas.microsoft.com/office/powerpoint/2010/main" val="4005168087"/>
       </p:ext>
     </p:extLst>
   </p:cSld>
@@ -5290,23 +8697,17 @@
         <p:spPr/>
         <p:txBody>
           <a:bodyPr>
-            <a:normAutofit fontScale="77500" lnSpcReduction="20000"/>
+            <a:normAutofit/>
           </a:bodyPr>
           <a:lstStyle/>
-          <a:p>
-            <a:r>
-              <a:rPr lang="el-GR" dirty="0"/>
-              <a:t>Η αριθμομηχανή θα πρέπει να μπορεί να υπολογίζει</a:t>
-            </a:r>
-          </a:p>
           <a:p>
             <a:pPr lvl="1">
               <a:buFont typeface="Courier New" panose="02070309020205020404" pitchFamily="49" charset="0"/>
               <a:buChar char="o"/>
             </a:pPr>
             <a:r>
-              <a:rPr lang="el-GR" dirty="0"/>
-              <a:t>τις 4 βασικές πράξεις (+, -, x, /) για ακέραιους και πραγματικούς αριθμούς</a:t>
+              <a:rPr lang="el-GR" sz="1800" dirty="0"/>
+              <a:t>4 βασικές πράξεις (+, -, x, /) για ακέραιους και πραγματικούς αριθμούς</a:t>
             </a:r>
           </a:p>
           <a:p>
@@ -5315,8 +8716,8 @@
               <a:buChar char="o"/>
             </a:pPr>
             <a:r>
-              <a:rPr lang="el-GR" dirty="0"/>
-              <a:t>τετραγωνική ρίζα και νιοστή ρίζα αριθμού</a:t>
+              <a:rPr lang="el-GR" sz="1800" dirty="0"/>
+              <a:t>Τετραγωνική ρίζα και νιοστή ρίζα αριθμού</a:t>
             </a:r>
           </a:p>
           <a:p>
@@ -5325,8 +8726,8 @@
               <a:buChar char="o"/>
             </a:pPr>
             <a:r>
-              <a:rPr lang="el-GR" dirty="0"/>
-              <a:t>ύψωση σε δύναμη</a:t>
+              <a:rPr lang="el-GR" sz="1800" dirty="0"/>
+              <a:t>Ύψωση σε δύναμη</a:t>
             </a:r>
           </a:p>
           <a:p>
@@ -5335,8 +8736,8 @@
               <a:buChar char="o"/>
             </a:pPr>
             <a:r>
-              <a:rPr lang="el-GR" dirty="0"/>
-              <a:t>δεκαδικό και φυσικό λογάριθμο</a:t>
+              <a:rPr lang="el-GR" sz="1800" dirty="0"/>
+              <a:t>Δεκαδικός και φυσικός λογάριθμος</a:t>
             </a:r>
           </a:p>
           <a:p>
@@ -5345,7 +8746,7 @@
               <a:buChar char="o"/>
             </a:pPr>
             <a:r>
-              <a:rPr lang="el-GR" dirty="0"/>
+              <a:rPr lang="el-GR" sz="1800" dirty="0"/>
               <a:t>Παραγοντικό</a:t>
             </a:r>
           </a:p>
@@ -5355,7 +8756,7 @@
               <a:buChar char="o"/>
             </a:pPr>
             <a:r>
-              <a:rPr lang="el-GR" dirty="0"/>
+              <a:rPr lang="el-GR" sz="1800" dirty="0"/>
               <a:t>ημίτονο, συνημίτονο, εφαπτομένη</a:t>
             </a:r>
           </a:p>
@@ -5365,16 +8766,8 @@
               <a:buChar char="o"/>
             </a:pPr>
             <a:r>
-              <a:rPr lang="el-GR" dirty="0"/>
-              <a:t>τόξο ημιτόνου, τόξο </a:t>
-            </a:r>
-            <a:r>
-              <a:rPr lang="el-GR" dirty="0" err="1"/>
-              <a:t>συνημιτόνου</a:t>
-            </a:r>
-            <a:r>
-              <a:rPr lang="el-GR" dirty="0"/>
-              <a:t>, τόξο εφαπτομένης</a:t>
+              <a:rPr lang="el-GR" sz="1800" dirty="0"/>
+              <a:t>Τόξα ημιτόνου, συνημίτονου, εφαπτομένης</a:t>
             </a:r>
           </a:p>
           <a:p>
@@ -5382,50 +8775,7 @@
               <a:buFont typeface="Courier New" panose="02070309020205020404" pitchFamily="49" charset="0"/>
               <a:buChar char="o"/>
             </a:pPr>
-            <a:r>
-              <a:rPr lang="el-GR" dirty="0"/>
-              <a:t>υπερβολικό ημίτονο, υπερβολικό συνημίτονο, υπερβολική εφαπτομένη</a:t>
-            </a:r>
-          </a:p>
-          <a:p>
-            <a:pPr lvl="1">
-              <a:buFont typeface="Courier New" panose="02070309020205020404" pitchFamily="49" charset="0"/>
-              <a:buChar char="o"/>
-            </a:pPr>
-            <a:r>
-              <a:rPr lang="el-GR" dirty="0"/>
-              <a:t>επιλογή για υπολογισμό σε μοίρες ή ακτίνια</a:t>
-            </a:r>
-          </a:p>
-          <a:p>
-            <a:pPr lvl="1">
-              <a:buFont typeface="Courier New" panose="02070309020205020404" pitchFamily="49" charset="0"/>
-              <a:buChar char="o"/>
-            </a:pPr>
-            <a:r>
-              <a:rPr lang="el-GR" dirty="0"/>
-              <a:t>σταθερές π και e</a:t>
-            </a:r>
-          </a:p>
-          <a:p>
-            <a:pPr lvl="1">
-              <a:buFont typeface="Courier New" panose="02070309020205020404" pitchFamily="49" charset="0"/>
-              <a:buChar char="o"/>
-            </a:pPr>
-            <a:r>
-              <a:rPr lang="el-GR" dirty="0"/>
-              <a:t>αλλαγή προσήμου +/-</a:t>
-            </a:r>
-          </a:p>
-          <a:p>
-            <a:pPr lvl="1">
-              <a:buFont typeface="Courier New" panose="02070309020205020404" pitchFamily="49" charset="0"/>
-              <a:buChar char="o"/>
-            </a:pPr>
-            <a:r>
-              <a:rPr lang="el-GR" dirty="0"/>
-              <a:t>αντίστροφο 1/x.</a:t>
-            </a:r>
+            <a:endParaRPr lang="el-GR" dirty="0"/>
           </a:p>
         </p:txBody>
       </p:sp>
@@ -5464,7 +8814,7 @@
           <p:cNvPr id="2" name="Τίτλος 1">
             <a:extLst>
               <a:ext uri="{FF2B5EF4-FFF2-40B4-BE49-F238E27FC236}">
-                <a16:creationId xmlns:a16="http://schemas.microsoft.com/office/drawing/2014/main" id="{D0BDB84C-6AB7-BB6F-FE2B-3243D43B8FA1}"/>
+                <a16:creationId xmlns:a16="http://schemas.microsoft.com/office/drawing/2014/main" id="{05FE403F-19CB-0292-B352-2CA00CD9FB33}"/>
               </a:ext>
             </a:extLst>
           </p:cNvPr>
@@ -5482,7 +8832,7 @@
           <a:p>
             <a:r>
               <a:rPr lang="el-GR" dirty="0" err="1"/>
-              <a:t>Λειτουργια</a:t>
+              <a:t>λειτουργια</a:t>
             </a:r>
             <a:endParaRPr lang="el-GR" dirty="0"/>
           </a:p>
@@ -5493,7 +8843,7 @@
           <p:cNvPr id="3" name="Θέση περιεχομένου 2">
             <a:extLst>
               <a:ext uri="{FF2B5EF4-FFF2-40B4-BE49-F238E27FC236}">
-                <a16:creationId xmlns:a16="http://schemas.microsoft.com/office/drawing/2014/main" id="{BFCE5D36-B45C-E258-CABA-7CEFFE0F811C}"/>
+                <a16:creationId xmlns:a16="http://schemas.microsoft.com/office/drawing/2014/main" id="{B028695B-101B-18FD-E799-1DF4DD9FE2BE}"/>
               </a:ext>
             </a:extLst>
           </p:cNvPr>
@@ -5506,47 +8856,76 @@
         </p:nvSpPr>
         <p:spPr/>
         <p:txBody>
-          <a:bodyPr>
-            <a:normAutofit/>
-          </a:bodyPr>
+          <a:bodyPr/>
           <a:lstStyle/>
           <a:p>
-            <a:r>
-              <a:rPr lang="el-GR" sz="2000" dirty="0"/>
-              <a:t>Πρέπει να διαθέτει πλήκτρα καθαρισμού (C, </a:t>
-            </a:r>
-            <a:r>
-              <a:rPr lang="el-GR" sz="2000" dirty="0" err="1"/>
-              <a:t>AC</a:t>
-            </a:r>
-            <a:r>
-              <a:rPr lang="el-GR" sz="2000" dirty="0"/>
-              <a:t>)</a:t>
-            </a:r>
-          </a:p>
-          <a:p>
-            <a:r>
-              <a:rPr lang="el-GR" sz="2000" dirty="0"/>
-              <a:t>Πλήκτρα μνήμης (MC, </a:t>
-            </a:r>
-            <a:r>
-              <a:rPr lang="el-GR" sz="2000" dirty="0" err="1"/>
-              <a:t>MR</a:t>
-            </a:r>
-            <a:r>
-              <a:rPr lang="el-GR" sz="2000" dirty="0"/>
-              <a:t>, M+) με λειτουργικότητα ανάλογη των φυσικών αριθμομηχανών.</a:t>
-            </a:r>
-          </a:p>
-          <a:p>
-            <a:endParaRPr lang="el-GR" sz="2000" dirty="0"/>
+            <a:pPr lvl="1">
+              <a:buFont typeface="Courier New" panose="02070309020205020404" pitchFamily="49" charset="0"/>
+              <a:buChar char="o"/>
+            </a:pPr>
+            <a:r>
+              <a:rPr lang="el-GR" sz="1800" dirty="0"/>
+              <a:t>Υπερβολικό ημίτονο, υπερβολικό συνημίτονο, υπερβολική εφαπτομένη</a:t>
+            </a:r>
+            <a:endParaRPr lang="en-US" sz="1800" dirty="0"/>
+          </a:p>
+          <a:p>
+            <a:pPr lvl="1">
+              <a:buFont typeface="Courier New" panose="02070309020205020404" pitchFamily="49" charset="0"/>
+              <a:buChar char="o"/>
+            </a:pPr>
+            <a:r>
+              <a:rPr lang="el-GR" sz="1800" dirty="0"/>
+              <a:t>Τόξα υπερβολικού ημιτόνου, υπερβολικού συνημίτονου και υπερβολικής εφαπτομένης</a:t>
+            </a:r>
+          </a:p>
+          <a:p>
+            <a:pPr lvl="1">
+              <a:buFont typeface="Courier New" panose="02070309020205020404" pitchFamily="49" charset="0"/>
+              <a:buChar char="o"/>
+            </a:pPr>
+            <a:r>
+              <a:rPr lang="el-GR" sz="1800" dirty="0"/>
+              <a:t>Επιλογή για υπολογισμό σε μοίρες ή ακτίνια</a:t>
+            </a:r>
+          </a:p>
+          <a:p>
+            <a:pPr lvl="1">
+              <a:buFont typeface="Courier New" panose="02070309020205020404" pitchFamily="49" charset="0"/>
+              <a:buChar char="o"/>
+            </a:pPr>
+            <a:r>
+              <a:rPr lang="el-GR" sz="1800" dirty="0"/>
+              <a:t>Σταθερές π και e</a:t>
+            </a:r>
+          </a:p>
+          <a:p>
+            <a:pPr lvl="1">
+              <a:buFont typeface="Courier New" panose="02070309020205020404" pitchFamily="49" charset="0"/>
+              <a:buChar char="o"/>
+            </a:pPr>
+            <a:r>
+              <a:rPr lang="el-GR" sz="1800" dirty="0"/>
+              <a:t>Αλλαγή προσήμου +/-</a:t>
+            </a:r>
+          </a:p>
+          <a:p>
+            <a:pPr lvl="1">
+              <a:buFont typeface="Courier New" panose="02070309020205020404" pitchFamily="49" charset="0"/>
+              <a:buChar char="o"/>
+            </a:pPr>
+            <a:r>
+              <a:rPr lang="el-GR" sz="1800" dirty="0"/>
+              <a:t>Αντίστροφο 1/x.</a:t>
+            </a:r>
+            <a:endParaRPr lang="el-GR" dirty="0"/>
           </a:p>
         </p:txBody>
       </p:sp>
     </p:spTree>
     <p:extLst>
       <p:ext uri="{BB962C8B-B14F-4D97-AF65-F5344CB8AC3E}">
-        <p14:creationId xmlns:p14="http://schemas.microsoft.com/office/powerpoint/2010/main" val="21384645"/>
+        <p14:creationId xmlns:p14="http://schemas.microsoft.com/office/powerpoint/2010/main" val="1090695846"/>
       </p:ext>
     </p:extLst>
   </p:cSld>
@@ -5578,7 +8957,7 @@
           <p:cNvPr id="2" name="Τίτλος 1">
             <a:extLst>
               <a:ext uri="{FF2B5EF4-FFF2-40B4-BE49-F238E27FC236}">
-                <a16:creationId xmlns:a16="http://schemas.microsoft.com/office/drawing/2014/main" id="{13E81ACF-D969-0171-3B18-000FA0B6AED4}"/>
+                <a16:creationId xmlns:a16="http://schemas.microsoft.com/office/drawing/2014/main" id="{D0BDB84C-6AB7-BB6F-FE2B-3243D43B8FA1}"/>
               </a:ext>
             </a:extLst>
           </p:cNvPr>
@@ -5596,7 +8975,7 @@
           <a:p>
             <a:r>
               <a:rPr lang="el-GR" dirty="0" err="1"/>
-              <a:t>εργαλεια</a:t>
+              <a:t>Λειτουργια</a:t>
             </a:r>
             <a:endParaRPr lang="el-GR" dirty="0"/>
           </a:p>
@@ -5607,7 +8986,7 @@
           <p:cNvPr id="3" name="Θέση περιεχομένου 2">
             <a:extLst>
               <a:ext uri="{FF2B5EF4-FFF2-40B4-BE49-F238E27FC236}">
-                <a16:creationId xmlns:a16="http://schemas.microsoft.com/office/drawing/2014/main" id="{C7586BCB-8D51-B197-1A71-AA5B8A71D06B}"/>
+                <a16:creationId xmlns:a16="http://schemas.microsoft.com/office/drawing/2014/main" id="{BFCE5D36-B45C-E258-CABA-7CEFFE0F811C}"/>
               </a:ext>
             </a:extLst>
           </p:cNvPr>
@@ -5620,87 +8999,47 @@
         </p:nvSpPr>
         <p:spPr/>
         <p:txBody>
-          <a:bodyPr/>
+          <a:bodyPr>
+            <a:normAutofit/>
+          </a:bodyPr>
           <a:lstStyle/>
           <a:p>
             <a:r>
-              <a:rPr lang="el-GR" dirty="0"/>
-              <a:t>Οι </a:t>
-            </a:r>
-            <a:r>
-              <a:rPr lang="en-US" dirty="0"/>
-              <a:t>built-in </a:t>
-            </a:r>
-            <a:r>
-              <a:rPr lang="el-GR" dirty="0"/>
-              <a:t>βιβλιοθήκες της </a:t>
-            </a:r>
-            <a:r>
-              <a:rPr lang="en-US" dirty="0"/>
-              <a:t>Python</a:t>
-            </a:r>
-          </a:p>
-          <a:p>
-            <a:pPr lvl="1">
-              <a:buFont typeface="Courier New" panose="02070309020205020404" pitchFamily="49" charset="0"/>
-              <a:buChar char="o"/>
-            </a:pPr>
-            <a:r>
-              <a:rPr lang="en-US" dirty="0" err="1"/>
-              <a:t>Os</a:t>
-            </a:r>
-            <a:endParaRPr lang="en-US" dirty="0"/>
-          </a:p>
-          <a:p>
-            <a:pPr lvl="1">
-              <a:buFont typeface="Courier New" panose="02070309020205020404" pitchFamily="49" charset="0"/>
-              <a:buChar char="o"/>
-            </a:pPr>
-            <a:r>
-              <a:rPr lang="en-US" dirty="0" err="1"/>
-              <a:t>Tkiniter</a:t>
-            </a:r>
-            <a:endParaRPr lang="el-GR" dirty="0"/>
-          </a:p>
-          <a:p>
-            <a:pPr lvl="1">
-              <a:buFont typeface="Courier New" panose="02070309020205020404" pitchFamily="49" charset="0"/>
-              <a:buChar char="o"/>
-            </a:pPr>
-            <a:r>
-              <a:rPr lang="en-US" dirty="0"/>
-              <a:t>Math</a:t>
-            </a:r>
-            <a:endParaRPr lang="el-GR" dirty="0"/>
-          </a:p>
-          <a:p>
-            <a:pPr lvl="1">
-              <a:buFont typeface="Courier New" panose="02070309020205020404" pitchFamily="49" charset="0"/>
-              <a:buChar char="o"/>
-            </a:pPr>
-            <a:r>
-              <a:rPr lang="en-US" dirty="0"/>
-              <a:t>Decimal</a:t>
-            </a:r>
-            <a:endParaRPr lang="el-GR" dirty="0"/>
-          </a:p>
-          <a:p>
-            <a:pPr lvl="1">
-              <a:buFont typeface="Courier New" panose="02070309020205020404" pitchFamily="49" charset="0"/>
-              <a:buChar char="o"/>
-            </a:pPr>
-            <a:r>
-              <a:rPr lang="en-US" dirty="0" err="1"/>
-              <a:t>Idlelib</a:t>
-            </a:r>
-            <a:endParaRPr lang="el-GR" dirty="0"/>
+              <a:rPr lang="el-GR" sz="2000" dirty="0"/>
+              <a:t>Πρέπει να διαθέτει πλήκτρα καθαρισμού (C, </a:t>
+            </a:r>
+            <a:r>
+              <a:rPr lang="el-GR" sz="2000" dirty="0" err="1"/>
+              <a:t>AC</a:t>
+            </a:r>
+            <a:r>
+              <a:rPr lang="el-GR" sz="2000" dirty="0"/>
+              <a:t>)</a:t>
+            </a:r>
+          </a:p>
+          <a:p>
+            <a:r>
+              <a:rPr lang="el-GR" sz="2000" dirty="0"/>
+              <a:t>Πλήκτρα μνήμης (MC, </a:t>
+            </a:r>
+            <a:r>
+              <a:rPr lang="el-GR" sz="2000" dirty="0" err="1"/>
+              <a:t>MR</a:t>
+            </a:r>
+            <a:r>
+              <a:rPr lang="el-GR" sz="2000" dirty="0"/>
+              <a:t>, M+) με λειτουργικότητα ανάλογη των φυσικών αριθμομηχανών.</a:t>
+            </a:r>
+          </a:p>
+          <a:p>
+            <a:endParaRPr lang="el-GR" sz="2000" dirty="0"/>
           </a:p>
         </p:txBody>
       </p:sp>
     </p:spTree>
     <p:extLst>
       <p:ext uri="{BB962C8B-B14F-4D97-AF65-F5344CB8AC3E}">
-        <p14:creationId xmlns:p14="http://schemas.microsoft.com/office/powerpoint/2010/main" val="1642808449"/>
+        <p14:creationId xmlns:p14="http://schemas.microsoft.com/office/powerpoint/2010/main" val="21384645"/>
       </p:ext>
     </p:extLst>
   </p:cSld>
@@ -5732,7 +9071,7 @@
           <p:cNvPr id="2" name="Τίτλος 1">
             <a:extLst>
               <a:ext uri="{FF2B5EF4-FFF2-40B4-BE49-F238E27FC236}">
-                <a16:creationId xmlns:a16="http://schemas.microsoft.com/office/drawing/2014/main" id="{60C9D6F4-01B6-801E-2CE6-B6A398189199}"/>
+                <a16:creationId xmlns:a16="http://schemas.microsoft.com/office/drawing/2014/main" id="{13E81ACF-D969-0171-3B18-000FA0B6AED4}"/>
               </a:ext>
             </a:extLst>
           </p:cNvPr>
@@ -5750,15 +9089,7 @@
           <a:p>
             <a:r>
               <a:rPr lang="el-GR" dirty="0" err="1"/>
-              <a:t>Προσεγγιση</a:t>
-            </a:r>
-            <a:r>
-              <a:rPr lang="el-GR" dirty="0"/>
-              <a:t> </a:t>
-            </a:r>
-            <a:r>
-              <a:rPr lang="el-GR" dirty="0" err="1"/>
-              <a:t>λυσησ</a:t>
+              <a:t>εργαλεια</a:t>
             </a:r>
             <a:endParaRPr lang="el-GR" dirty="0"/>
           </a:p>
@@ -5769,7 +9100,7 @@
           <p:cNvPr id="3" name="Θέση περιεχομένου 2">
             <a:extLst>
               <a:ext uri="{FF2B5EF4-FFF2-40B4-BE49-F238E27FC236}">
-                <a16:creationId xmlns:a16="http://schemas.microsoft.com/office/drawing/2014/main" id="{59517ED6-F64C-9803-7FDE-14E1C9CB7728}"/>
+                <a16:creationId xmlns:a16="http://schemas.microsoft.com/office/drawing/2014/main" id="{C7586BCB-8D51-B197-1A71-AA5B8A71D06B}"/>
               </a:ext>
             </a:extLst>
           </p:cNvPr>
@@ -5786,10 +9117,21 @@
           <a:lstStyle/>
           <a:p>
             <a:r>
-              <a:rPr lang="el-GR" dirty="0"/>
-              <a:t>Χρήση αντικειμενοστραφούς προγραμματισμού</a:t>
-            </a:r>
-            <a:endParaRPr lang="en-US" dirty="0"/>
+              <a:rPr lang="el-GR" sz="2000" dirty="0"/>
+              <a:t>Οι </a:t>
+            </a:r>
+            <a:r>
+              <a:rPr lang="en-US" sz="2000" dirty="0"/>
+              <a:t>built-in </a:t>
+            </a:r>
+            <a:r>
+              <a:rPr lang="el-GR" sz="2000" dirty="0"/>
+              <a:t>βιβλιοθήκες της </a:t>
+            </a:r>
+            <a:r>
+              <a:rPr lang="en-US" sz="2000" dirty="0"/>
+              <a:t>Python</a:t>
+            </a:r>
           </a:p>
           <a:p>
             <a:pPr lvl="1">
@@ -5797,79 +9139,53 @@
               <a:buChar char="o"/>
             </a:pPr>
             <a:r>
-              <a:rPr lang="el-GR" dirty="0"/>
-              <a:t>Διασφάλιση ευελιξίας και επεκτασιμότητας του κώδικα</a:t>
-            </a:r>
-          </a:p>
-          <a:p>
-            <a:pPr>
-              <a:buFont typeface="Wingdings" panose="05000000000000000000" pitchFamily="2" charset="2"/>
-              <a:buChar char="§"/>
-            </a:pPr>
-            <a:r>
-              <a:rPr lang="el-GR" dirty="0"/>
-              <a:t>Δημιουργία κλάσης με μεθόδους για τις βασικές λειτουργίες της αριθμομηχανής (εισαγωγή δεδομένων , διαχείριση πράξεων, εμφάνιση αποτελεσμάτων)</a:t>
-            </a:r>
-          </a:p>
-          <a:p>
-            <a:pPr>
-              <a:buFont typeface="Wingdings" panose="05000000000000000000" pitchFamily="2" charset="2"/>
-              <a:buChar char="§"/>
-            </a:pPr>
-            <a:r>
-              <a:rPr lang="el-GR" dirty="0"/>
-              <a:t>Χρήση της </a:t>
-            </a:r>
-            <a:r>
-              <a:rPr lang="en-US" dirty="0"/>
-              <a:t>math </a:t>
-            </a:r>
-            <a:r>
-              <a:rPr lang="el-GR" dirty="0"/>
-              <a:t>για τις προχωρημένες μαθηματικές συναρτήσεις</a:t>
-            </a:r>
-            <a:endParaRPr lang="en-US" dirty="0"/>
-          </a:p>
-          <a:p>
-            <a:pPr>
-              <a:buFont typeface="Wingdings" panose="05000000000000000000" pitchFamily="2" charset="2"/>
-              <a:buChar char="§"/>
-            </a:pPr>
-            <a:r>
-              <a:rPr lang="el-GR" dirty="0"/>
-              <a:t>Χρήση της </a:t>
-            </a:r>
-            <a:r>
-              <a:rPr lang="en-US" dirty="0"/>
-              <a:t>tkinter </a:t>
-            </a:r>
-            <a:r>
-              <a:rPr lang="el-GR" dirty="0"/>
-              <a:t>για την ανάπτυξη διεπαφής χρήστη</a:t>
-            </a:r>
-          </a:p>
-          <a:p>
-            <a:pPr>
-              <a:buFont typeface="Wingdings" panose="05000000000000000000" pitchFamily="2" charset="2"/>
-              <a:buChar char="§"/>
-            </a:pPr>
-            <a:r>
-              <a:rPr lang="el-GR" dirty="0"/>
-              <a:t>Διαχείριση σφαλμάτων εισόδου και εξόδου και σαφή μηνύματα σφάλματος στους χρήστες</a:t>
-            </a:r>
+              <a:rPr lang="en-US" sz="1800" dirty="0" err="1"/>
+              <a:t>Os</a:t>
+            </a:r>
+            <a:endParaRPr lang="en-US" sz="1800" dirty="0"/>
           </a:p>
           <a:p>
             <a:pPr lvl="1">
               <a:buFont typeface="Courier New" panose="02070309020205020404" pitchFamily="49" charset="0"/>
               <a:buChar char="o"/>
             </a:pPr>
-            <a:endParaRPr lang="el-GR" dirty="0"/>
+            <a:r>
+              <a:rPr lang="en-US" sz="1800" dirty="0" err="1"/>
+              <a:t>Tkiniter</a:t>
+            </a:r>
+            <a:endParaRPr lang="el-GR" sz="1800" dirty="0"/>
           </a:p>
           <a:p>
             <a:pPr lvl="1">
               <a:buFont typeface="Courier New" panose="02070309020205020404" pitchFamily="49" charset="0"/>
               <a:buChar char="o"/>
             </a:pPr>
+            <a:r>
+              <a:rPr lang="en-US" sz="1800" dirty="0"/>
+              <a:t>Math</a:t>
+            </a:r>
+            <a:endParaRPr lang="el-GR" sz="1800" dirty="0"/>
+          </a:p>
+          <a:p>
+            <a:pPr lvl="1">
+              <a:buFont typeface="Courier New" panose="02070309020205020404" pitchFamily="49" charset="0"/>
+              <a:buChar char="o"/>
+            </a:pPr>
+            <a:r>
+              <a:rPr lang="en-US" sz="1800" dirty="0"/>
+              <a:t>Decimal</a:t>
+            </a:r>
+            <a:endParaRPr lang="el-GR" sz="1800" dirty="0"/>
+          </a:p>
+          <a:p>
+            <a:pPr lvl="1">
+              <a:buFont typeface="Courier New" panose="02070309020205020404" pitchFamily="49" charset="0"/>
+              <a:buChar char="o"/>
+            </a:pPr>
+            <a:r>
+              <a:rPr lang="en-US" sz="1800" dirty="0" err="1"/>
+              <a:t>Idlelib</a:t>
+            </a:r>
             <a:endParaRPr lang="el-GR" dirty="0"/>
           </a:p>
         </p:txBody>
@@ -5877,7 +9193,7 @@
     </p:spTree>
     <p:extLst>
       <p:ext uri="{BB962C8B-B14F-4D97-AF65-F5344CB8AC3E}">
-        <p14:creationId xmlns:p14="http://schemas.microsoft.com/office/powerpoint/2010/main" val="2219773199"/>
+        <p14:creationId xmlns:p14="http://schemas.microsoft.com/office/powerpoint/2010/main" val="1642808449"/>
       </p:ext>
     </p:extLst>
   </p:cSld>
@@ -5909,7 +9225,7 @@
           <p:cNvPr id="2" name="Τίτλος 1">
             <a:extLst>
               <a:ext uri="{FF2B5EF4-FFF2-40B4-BE49-F238E27FC236}">
-                <a16:creationId xmlns:a16="http://schemas.microsoft.com/office/drawing/2014/main" id="{3BFDDD71-B426-3396-182F-70A8E52CB764}"/>
+                <a16:creationId xmlns:a16="http://schemas.microsoft.com/office/drawing/2014/main" id="{60C9D6F4-01B6-801E-2CE6-B6A398189199}"/>
               </a:ext>
             </a:extLst>
           </p:cNvPr>
@@ -5927,7 +9243,7 @@
           <a:p>
             <a:r>
               <a:rPr lang="el-GR" dirty="0" err="1"/>
-              <a:t>Διαμοιρασμος</a:t>
+              <a:t>Προσεγγιση</a:t>
             </a:r>
             <a:r>
               <a:rPr lang="el-GR" dirty="0"/>
@@ -5935,7 +9251,7 @@
             </a:r>
             <a:r>
               <a:rPr lang="el-GR" dirty="0" err="1"/>
-              <a:t>εργασιων</a:t>
+              <a:t>λυσησ</a:t>
             </a:r>
             <a:endParaRPr lang="el-GR" dirty="0"/>
           </a:p>
@@ -5946,7 +9262,7 @@
           <p:cNvPr id="3" name="Θέση περιεχομένου 2">
             <a:extLst>
               <a:ext uri="{FF2B5EF4-FFF2-40B4-BE49-F238E27FC236}">
-                <a16:creationId xmlns:a16="http://schemas.microsoft.com/office/drawing/2014/main" id="{27CC5DBA-328B-3896-AA32-3945DBEAE022}"/>
+                <a16:creationId xmlns:a16="http://schemas.microsoft.com/office/drawing/2014/main" id="{59517ED6-F64C-9803-7FDE-14E1C9CB7728}"/>
               </a:ext>
             </a:extLst>
           </p:cNvPr>
@@ -5963,19 +9279,10 @@
           <a:lstStyle/>
           <a:p>
             <a:r>
-              <a:rPr lang="el-GR" dirty="0"/>
-              <a:t>Αρχική συζήτηση για τις βασικές ιδέες και την προσέγγιση</a:t>
-            </a:r>
-          </a:p>
-          <a:p>
-            <a:r>
-              <a:rPr lang="el-GR" dirty="0"/>
-              <a:t>Δυο ομάδες- </a:t>
-            </a:r>
-            <a:r>
-              <a:rPr lang="en-US" dirty="0"/>
-              <a:t>Front End &amp; Back End</a:t>
-            </a:r>
+              <a:rPr lang="el-GR" sz="2000" dirty="0"/>
+              <a:t>Χρήση αντικειμενοστραφούς προγραμματισμού</a:t>
+            </a:r>
+            <a:endParaRPr lang="en-US" sz="2000" dirty="0"/>
           </a:p>
           <a:p>
             <a:pPr lvl="1">
@@ -5983,20 +9290,65 @@
               <a:buChar char="o"/>
             </a:pPr>
             <a:r>
-              <a:rPr lang="en-US" dirty="0"/>
-              <a:t>Front End: </a:t>
-            </a:r>
-            <a:r>
-              <a:rPr lang="el-GR" dirty="0"/>
-              <a:t>Σχεδιασμός και ανάπτυξη </a:t>
-            </a:r>
-            <a:r>
-              <a:rPr lang="en-US" dirty="0"/>
-              <a:t>GUI </a:t>
-            </a:r>
-            <a:r>
-              <a:rPr lang="el-GR" dirty="0"/>
-              <a:t>με στόχο ένα φιλικό και λειτουργικό περιβάλλον</a:t>
+              <a:rPr lang="el-GR" sz="1800" dirty="0"/>
+              <a:t>Διασφάλιση ευελιξίας και επεκτασιμότητας του κώδικα</a:t>
+            </a:r>
+          </a:p>
+          <a:p>
+            <a:pPr>
+              <a:buFont typeface="Wingdings" panose="05000000000000000000" pitchFamily="2" charset="2"/>
+              <a:buChar char="§"/>
+            </a:pPr>
+            <a:r>
+              <a:rPr lang="el-GR" sz="2000" dirty="0"/>
+              <a:t>Δημιουργία κλάσης με μεθόδους για τις βασικές λειτουργίες της αριθμομηχανής (εισαγωγή δεδομένων , διαχείριση πράξεων, εμφάνιση αποτελεσμάτων)</a:t>
+            </a:r>
+          </a:p>
+          <a:p>
+            <a:pPr>
+              <a:buFont typeface="Wingdings" panose="05000000000000000000" pitchFamily="2" charset="2"/>
+              <a:buChar char="§"/>
+            </a:pPr>
+            <a:r>
+              <a:rPr lang="el-GR" sz="2000" dirty="0"/>
+              <a:t>Χρήση της </a:t>
+            </a:r>
+            <a:r>
+              <a:rPr lang="en-US" sz="2000" dirty="0"/>
+              <a:t>math </a:t>
+            </a:r>
+            <a:r>
+              <a:rPr lang="el-GR" sz="2000" dirty="0"/>
+              <a:t>για τις προχωρημένες μαθηματικές συναρτήσεις</a:t>
+            </a:r>
+            <a:endParaRPr lang="en-US" sz="2000" dirty="0"/>
+          </a:p>
+          <a:p>
+            <a:pPr>
+              <a:buFont typeface="Wingdings" panose="05000000000000000000" pitchFamily="2" charset="2"/>
+              <a:buChar char="§"/>
+            </a:pPr>
+            <a:r>
+              <a:rPr lang="el-GR" sz="2000" dirty="0"/>
+              <a:t>Χρήση της </a:t>
+            </a:r>
+            <a:r>
+              <a:rPr lang="en-US" sz="2000" dirty="0"/>
+              <a:t>tkinter </a:t>
+            </a:r>
+            <a:r>
+              <a:rPr lang="el-GR" sz="2000" dirty="0"/>
+              <a:t>για την ανάπτυξη διεπαφής χρήστη</a:t>
+            </a:r>
+          </a:p>
+          <a:p>
+            <a:pPr>
+              <a:buFont typeface="Wingdings" panose="05000000000000000000" pitchFamily="2" charset="2"/>
+              <a:buChar char="§"/>
+            </a:pPr>
+            <a:r>
+              <a:rPr lang="el-GR" sz="2000" dirty="0"/>
+              <a:t>Διαχείριση σφαλμάτων εισόδου και εξόδου και σαφή μηνύματα σφάλματος στους χρήστες</a:t>
             </a:r>
           </a:p>
           <a:p>
@@ -6004,37 +9356,14 @@
               <a:buFont typeface="Courier New" panose="02070309020205020404" pitchFamily="49" charset="0"/>
               <a:buChar char="o"/>
             </a:pPr>
-            <a:r>
-              <a:rPr lang="en-US" dirty="0"/>
-              <a:t>Back End: </a:t>
-            </a:r>
-            <a:r>
-              <a:rPr lang="el-GR" dirty="0"/>
-              <a:t>Σχεδιασμός και υλοποίηση μεθόδων για τον υπολογισμό των συναρτήσεων</a:t>
-            </a:r>
-            <a:endParaRPr lang="en-US" dirty="0"/>
-          </a:p>
-          <a:p>
-            <a:r>
-              <a:rPr lang="el-GR" dirty="0"/>
-              <a:t>Από κοινού </a:t>
-            </a:r>
-            <a:r>
-              <a:rPr lang="en-US" dirty="0"/>
-              <a:t>debugging </a:t>
-            </a:r>
-            <a:r>
-              <a:rPr lang="el-GR" dirty="0"/>
-              <a:t>και δοκιμές λειτουργίας</a:t>
-            </a:r>
-            <a:endParaRPr lang="en-US" dirty="0"/>
+            <a:endParaRPr lang="el-GR" dirty="0"/>
           </a:p>
         </p:txBody>
       </p:sp>
     </p:spTree>
     <p:extLst>
       <p:ext uri="{BB962C8B-B14F-4D97-AF65-F5344CB8AC3E}">
-        <p14:creationId xmlns:p14="http://schemas.microsoft.com/office/powerpoint/2010/main" val="2025534729"/>
+        <p14:creationId xmlns:p14="http://schemas.microsoft.com/office/powerpoint/2010/main" val="2219773199"/>
       </p:ext>
     </p:extLst>
   </p:cSld>
@@ -6066,7 +9395,7 @@
           <p:cNvPr id="2" name="Τίτλος 1">
             <a:extLst>
               <a:ext uri="{FF2B5EF4-FFF2-40B4-BE49-F238E27FC236}">
-                <a16:creationId xmlns:a16="http://schemas.microsoft.com/office/drawing/2014/main" id="{90EACACE-1E69-4164-EA05-B746CBC3255F}"/>
+                <a16:creationId xmlns:a16="http://schemas.microsoft.com/office/drawing/2014/main" id="{F30FC04A-4C0F-730E-D63D-A99FE0829168}"/>
               </a:ext>
             </a:extLst>
           </p:cNvPr>
@@ -6082,7 +9411,19 @@
           <a:bodyPr/>
           <a:lstStyle/>
           <a:p>
-            <a:endParaRPr lang="el-GR"/>
+            <a:r>
+              <a:rPr lang="el-GR" dirty="0" err="1"/>
+              <a:t>Προβληματα</a:t>
+            </a:r>
+            <a:r>
+              <a:rPr lang="el-GR" dirty="0"/>
+              <a:t> που </a:t>
+            </a:r>
+            <a:r>
+              <a:rPr lang="el-GR" dirty="0" err="1"/>
+              <a:t>συναντησαμε</a:t>
+            </a:r>
+            <a:endParaRPr lang="el-GR" dirty="0"/>
           </a:p>
         </p:txBody>
       </p:sp>
@@ -6091,7 +9432,7 @@
           <p:cNvPr id="3" name="Θέση περιεχομένου 2">
             <a:extLst>
               <a:ext uri="{FF2B5EF4-FFF2-40B4-BE49-F238E27FC236}">
-                <a16:creationId xmlns:a16="http://schemas.microsoft.com/office/drawing/2014/main" id="{405D51DA-C1A9-B86A-6760-AFD67E5EE5A2}"/>
+                <a16:creationId xmlns:a16="http://schemas.microsoft.com/office/drawing/2014/main" id="{D72EC429-3952-D8A6-DFF4-DB1678CCE83B}"/>
               </a:ext>
             </a:extLst>
           </p:cNvPr>
@@ -6107,14 +9448,209 @@
           <a:bodyPr/>
           <a:lstStyle/>
           <a:p>
-            <a:endParaRPr lang="el-GR"/>
+            <a:r>
+              <a:rPr lang="el-GR" sz="2000" dirty="0"/>
+              <a:t>Δυσκολία εύρεσης κοινών ωρών επικοινωνίας λόγω διαφορετικών ωραρίων</a:t>
+            </a:r>
+          </a:p>
+          <a:p>
+            <a:r>
+              <a:rPr lang="el-GR" sz="2000" dirty="0"/>
+              <a:t>Περιορισμοί μετατροπής και παρουσίασης αριθμών κινητής υποδιαστολής στο δυαδικό σύστημα.</a:t>
+            </a:r>
+          </a:p>
+          <a:p>
+            <a:r>
+              <a:rPr lang="el-GR" sz="2000" dirty="0"/>
+              <a:t>Διαχείριση μορφών εισόδων/ εξόδων (</a:t>
+            </a:r>
+            <a:r>
+              <a:rPr lang="en-US" sz="2000" dirty="0"/>
+              <a:t>string, int, float) </a:t>
+            </a:r>
+            <a:r>
+              <a:rPr lang="el-GR" sz="2000" dirty="0"/>
+              <a:t>και σωστή απεικόνιση.</a:t>
+            </a:r>
+          </a:p>
+          <a:p>
+            <a:r>
+              <a:rPr lang="el-GR" sz="2000" dirty="0"/>
+              <a:t>Διαχείριση πράξεων με έναν και δύο τελεστέους</a:t>
+            </a:r>
+          </a:p>
+          <a:p>
+            <a:r>
+              <a:rPr lang="el-GR" sz="2000" dirty="0"/>
+              <a:t>Εκτέλεση δευτερευουσών πράξεων πριν τις κύριες</a:t>
+            </a:r>
+          </a:p>
+          <a:p>
+            <a:endParaRPr lang="el-GR" dirty="0"/>
           </a:p>
         </p:txBody>
       </p:sp>
     </p:spTree>
     <p:extLst>
       <p:ext uri="{BB962C8B-B14F-4D97-AF65-F5344CB8AC3E}">
-        <p14:creationId xmlns:p14="http://schemas.microsoft.com/office/powerpoint/2010/main" val="3760529039"/>
+        <p14:creationId xmlns:p14="http://schemas.microsoft.com/office/powerpoint/2010/main" val="3106502201"/>
+      </p:ext>
+    </p:extLst>
+  </p:cSld>
+  <p:clrMapOvr>
+    <a:masterClrMapping/>
+  </p:clrMapOvr>
+</p:sld>
+</file>
+
+<file path=ppt/slides/slide9.xml><?xml version="1.0" encoding="utf-8"?>
+<p:sld xmlns:a="http://schemas.openxmlformats.org/drawingml/2006/main" xmlns:r="http://schemas.openxmlformats.org/officeDocument/2006/relationships" xmlns:p="http://schemas.openxmlformats.org/presentationml/2006/main">
+  <p:cSld>
+    <p:spTree>
+      <p:nvGrpSpPr>
+        <p:cNvPr id="1" name=""/>
+        <p:cNvGrpSpPr/>
+        <p:nvPr/>
+      </p:nvGrpSpPr>
+      <p:grpSpPr>
+        <a:xfrm>
+          <a:off x="0" y="0"/>
+          <a:ext cx="0" cy="0"/>
+          <a:chOff x="0" y="0"/>
+          <a:chExt cx="0" cy="0"/>
+        </a:xfrm>
+      </p:grpSpPr>
+      <p:sp>
+        <p:nvSpPr>
+          <p:cNvPr id="2" name="Τίτλος 1">
+            <a:extLst>
+              <a:ext uri="{FF2B5EF4-FFF2-40B4-BE49-F238E27FC236}">
+                <a16:creationId xmlns:a16="http://schemas.microsoft.com/office/drawing/2014/main" id="{3BFDDD71-B426-3396-182F-70A8E52CB764}"/>
+              </a:ext>
+            </a:extLst>
+          </p:cNvPr>
+          <p:cNvSpPr>
+            <a:spLocks noGrp="1"/>
+          </p:cNvSpPr>
+          <p:nvPr>
+            <p:ph type="title"/>
+          </p:nvPr>
+        </p:nvSpPr>
+        <p:spPr/>
+        <p:txBody>
+          <a:bodyPr/>
+          <a:lstStyle/>
+          <a:p>
+            <a:r>
+              <a:rPr lang="el-GR" dirty="0" err="1"/>
+              <a:t>Διαμοιρασμος</a:t>
+            </a:r>
+            <a:r>
+              <a:rPr lang="el-GR" dirty="0"/>
+              <a:t> </a:t>
+            </a:r>
+            <a:r>
+              <a:rPr lang="el-GR" dirty="0" err="1"/>
+              <a:t>εργασιων</a:t>
+            </a:r>
+            <a:endParaRPr lang="el-GR" dirty="0"/>
+          </a:p>
+        </p:txBody>
+      </p:sp>
+      <p:sp>
+        <p:nvSpPr>
+          <p:cNvPr id="3" name="Θέση περιεχομένου 2">
+            <a:extLst>
+              <a:ext uri="{FF2B5EF4-FFF2-40B4-BE49-F238E27FC236}">
+                <a16:creationId xmlns:a16="http://schemas.microsoft.com/office/drawing/2014/main" id="{27CC5DBA-328B-3896-AA32-3945DBEAE022}"/>
+              </a:ext>
+            </a:extLst>
+          </p:cNvPr>
+          <p:cNvSpPr>
+            <a:spLocks noGrp="1"/>
+          </p:cNvSpPr>
+          <p:nvPr>
+            <p:ph idx="1"/>
+          </p:nvPr>
+        </p:nvSpPr>
+        <p:spPr/>
+        <p:txBody>
+          <a:bodyPr/>
+          <a:lstStyle/>
+          <a:p>
+            <a:r>
+              <a:rPr lang="el-GR" sz="2000" dirty="0"/>
+              <a:t>Αρχική συζήτηση για τις βασικές ιδέες και την προσέγγιση</a:t>
+            </a:r>
+          </a:p>
+          <a:p>
+            <a:r>
+              <a:rPr lang="el-GR" sz="2000" dirty="0"/>
+              <a:t>Δυο ομάδες- </a:t>
+            </a:r>
+            <a:r>
+              <a:rPr lang="en-US" sz="2000" dirty="0"/>
+              <a:t>Front End &amp; Back End</a:t>
+            </a:r>
+          </a:p>
+          <a:p>
+            <a:pPr lvl="1">
+              <a:buFont typeface="Courier New" panose="02070309020205020404" pitchFamily="49" charset="0"/>
+              <a:buChar char="o"/>
+            </a:pPr>
+            <a:r>
+              <a:rPr lang="en-US" sz="1800" dirty="0"/>
+              <a:t>Front End: </a:t>
+            </a:r>
+            <a:r>
+              <a:rPr lang="el-GR" sz="1800" dirty="0"/>
+              <a:t>Σχεδιασμός και ανάπτυξη </a:t>
+            </a:r>
+            <a:r>
+              <a:rPr lang="en-US" sz="1800" dirty="0"/>
+              <a:t>GUI </a:t>
+            </a:r>
+            <a:r>
+              <a:rPr lang="el-GR" sz="1800" dirty="0"/>
+              <a:t>με στόχο ένα φιλικό και λειτουργικό περιβάλλον</a:t>
+            </a:r>
+          </a:p>
+          <a:p>
+            <a:pPr lvl="1">
+              <a:buFont typeface="Courier New" panose="02070309020205020404" pitchFamily="49" charset="0"/>
+              <a:buChar char="o"/>
+            </a:pPr>
+            <a:r>
+              <a:rPr lang="en-US" sz="1800" dirty="0"/>
+              <a:t>Back End: </a:t>
+            </a:r>
+            <a:r>
+              <a:rPr lang="el-GR" sz="1800" dirty="0"/>
+              <a:t>Σχεδιασμός και υλοποίηση μεθόδων για τον υπολογισμό των συναρτήσεων</a:t>
+            </a:r>
+            <a:endParaRPr lang="en-US" sz="1800" dirty="0"/>
+          </a:p>
+          <a:p>
+            <a:r>
+              <a:rPr lang="el-GR" sz="2000" dirty="0"/>
+              <a:t>Από κοινού </a:t>
+            </a:r>
+            <a:r>
+              <a:rPr lang="en-US" sz="2000" dirty="0"/>
+              <a:t>debugging </a:t>
+            </a:r>
+            <a:r>
+              <a:rPr lang="el-GR" sz="2000" dirty="0"/>
+              <a:t>και δοκιμές λειτουργίας</a:t>
+            </a:r>
+            <a:endParaRPr lang="en-US" sz="2000" dirty="0"/>
+          </a:p>
+        </p:txBody>
+      </p:sp>
+    </p:spTree>
+    <p:extLst>
+      <p:ext uri="{BB962C8B-B14F-4D97-AF65-F5344CB8AC3E}">
+        <p14:creationId xmlns:p14="http://schemas.microsoft.com/office/powerpoint/2010/main" val="2025534729"/>
       </p:ext>
     </p:extLst>
   </p:cSld>

--- a/sci_calc_main/documentation/Παρουσίαση.pptx
+++ b/sci_calc_main/documentation/Παρουσίαση.pptx
@@ -5,10 +5,10 @@
     <p:sldMasterId id="2147483672" r:id="rId1"/>
   </p:sldMasterIdLst>
   <p:notesMasterIdLst>
-    <p:notesMasterId r:id="rId27"/>
+    <p:notesMasterId r:id="rId28"/>
   </p:notesMasterIdLst>
   <p:handoutMasterIdLst>
-    <p:handoutMasterId r:id="rId28"/>
+    <p:handoutMasterId r:id="rId29"/>
   </p:handoutMasterIdLst>
   <p:sldIdLst>
     <p:sldId id="256" r:id="rId2"/>
@@ -27,15 +27,16 @@
     <p:sldId id="269" r:id="rId15"/>
     <p:sldId id="270" r:id="rId16"/>
     <p:sldId id="271" r:id="rId17"/>
-    <p:sldId id="272" r:id="rId18"/>
-    <p:sldId id="273" r:id="rId19"/>
-    <p:sldId id="278" r:id="rId20"/>
-    <p:sldId id="274" r:id="rId21"/>
-    <p:sldId id="275" r:id="rId22"/>
-    <p:sldId id="277" r:id="rId23"/>
-    <p:sldId id="279" r:id="rId24"/>
-    <p:sldId id="280" r:id="rId25"/>
-    <p:sldId id="281" r:id="rId26"/>
+    <p:sldId id="282" r:id="rId18"/>
+    <p:sldId id="272" r:id="rId19"/>
+    <p:sldId id="273" r:id="rId20"/>
+    <p:sldId id="278" r:id="rId21"/>
+    <p:sldId id="274" r:id="rId22"/>
+    <p:sldId id="275" r:id="rId23"/>
+    <p:sldId id="277" r:id="rId24"/>
+    <p:sldId id="279" r:id="rId25"/>
+    <p:sldId id="280" r:id="rId26"/>
+    <p:sldId id="281" r:id="rId27"/>
   </p:sldIdLst>
   <p:sldSz cx="12192000" cy="6858000"/>
   <p:notesSz cx="6858000" cy="9144000"/>
@@ -148,7 +149,7 @@
 <file path=ppt/revisionInfo.xml><?xml version="1.0" encoding="utf-8"?>
 <p1510:revInfo xmlns:a="http://schemas.openxmlformats.org/drawingml/2006/main" xmlns:r="http://schemas.openxmlformats.org/officeDocument/2006/relationships" xmlns:p1510="http://schemas.microsoft.com/office/powerpoint/2015/10/main">
   <p1510:revLst>
-    <p1510:client id="{0E19EBBC-76C8-4175-856E-9CD6DDD70504}" v="24" dt="2024-06-08T15:55:23.132"/>
+    <p1510:client id="{0E19EBBC-76C8-4175-856E-9CD6DDD70504}" v="26" dt="2024-06-09T11:51:45.684"/>
   </p1510:revLst>
 </p1510:revInfo>
 </file>
@@ -158,7 +159,7 @@
   <pc:docChgLst>
     <pc:chgData name="Meletis Konstas" userId="80fb3a933d8d92c8" providerId="LiveId" clId="{0E19EBBC-76C8-4175-856E-9CD6DDD70504}"/>
     <pc:docChg chg="undo custSel addSld delSld modSld">
-      <pc:chgData name="Meletis Konstas" userId="80fb3a933d8d92c8" providerId="LiveId" clId="{0E19EBBC-76C8-4175-856E-9CD6DDD70504}" dt="2024-06-08T15:55:30.825" v="3102" actId="20577"/>
+      <pc:chgData name="Meletis Konstas" userId="80fb3a933d8d92c8" providerId="LiveId" clId="{0E19EBBC-76C8-4175-856E-9CD6DDD70504}" dt="2024-06-09T11:53:01.557" v="3199"/>
       <pc:docMkLst>
         <pc:docMk/>
       </pc:docMkLst>
@@ -533,7 +534,7 @@
         </pc:picChg>
       </pc:sldChg>
       <pc:sldChg chg="addSp delSp modSp add mod">
-        <pc:chgData name="Meletis Konstas" userId="80fb3a933d8d92c8" providerId="LiveId" clId="{0E19EBBC-76C8-4175-856E-9CD6DDD70504}" dt="2024-06-08T15:43:05.651" v="2407"/>
+        <pc:chgData name="Meletis Konstas" userId="80fb3a933d8d92c8" providerId="LiveId" clId="{0E19EBBC-76C8-4175-856E-9CD6DDD70504}" dt="2024-06-09T11:51:57.851" v="3189" actId="20577"/>
         <pc:sldMkLst>
           <pc:docMk/>
           <pc:sldMk cId="3026023675" sldId="272"/>
@@ -547,7 +548,7 @@
           </ac:spMkLst>
         </pc:spChg>
         <pc:spChg chg="mod">
-          <ac:chgData name="Meletis Konstas" userId="80fb3a933d8d92c8" providerId="LiveId" clId="{0E19EBBC-76C8-4175-856E-9CD6DDD70504}" dt="2024-06-08T15:41:52.793" v="2350" actId="313"/>
+          <ac:chgData name="Meletis Konstas" userId="80fb3a933d8d92c8" providerId="LiveId" clId="{0E19EBBC-76C8-4175-856E-9CD6DDD70504}" dt="2024-06-09T11:51:57.851" v="3189" actId="20577"/>
           <ac:spMkLst>
             <pc:docMk/>
             <pc:sldMk cId="3026023675" sldId="272"/>
@@ -563,7 +564,15 @@
           </ac:spMkLst>
         </pc:spChg>
         <pc:spChg chg="add mod">
-          <ac:chgData name="Meletis Konstas" userId="80fb3a933d8d92c8" providerId="LiveId" clId="{0E19EBBC-76C8-4175-856E-9CD6DDD70504}" dt="2024-06-08T15:42:05.099" v="2354" actId="1036"/>
+          <ac:chgData name="Meletis Konstas" userId="80fb3a933d8d92c8" providerId="LiveId" clId="{0E19EBBC-76C8-4175-856E-9CD6DDD70504}" dt="2024-06-09T11:51:45.684" v="3163"/>
+          <ac:spMkLst>
+            <pc:docMk/>
+            <pc:sldMk cId="3026023675" sldId="272"/>
+            <ac:spMk id="9" creationId="{445C0B39-B2AF-BD04-F301-1E8D0D00D478}"/>
+          </ac:spMkLst>
+        </pc:spChg>
+        <pc:spChg chg="add del mod">
+          <ac:chgData name="Meletis Konstas" userId="80fb3a933d8d92c8" providerId="LiveId" clId="{0E19EBBC-76C8-4175-856E-9CD6DDD70504}" dt="2024-06-09T11:51:27.176" v="3156" actId="21"/>
           <ac:spMkLst>
             <pc:docMk/>
             <pc:sldMk cId="3026023675" sldId="272"/>
@@ -596,7 +605,7 @@
         </pc:picChg>
       </pc:sldChg>
       <pc:sldChg chg="addSp delSp modSp new mod">
-        <pc:chgData name="Meletis Konstas" userId="80fb3a933d8d92c8" providerId="LiveId" clId="{0E19EBBC-76C8-4175-856E-9CD6DDD70504}" dt="2024-06-08T15:44:44.221" v="2606" actId="20577"/>
+        <pc:chgData name="Meletis Konstas" userId="80fb3a933d8d92c8" providerId="LiveId" clId="{0E19EBBC-76C8-4175-856E-9CD6DDD70504}" dt="2024-06-09T11:52:10.789" v="3194" actId="20577"/>
         <pc:sldMkLst>
           <pc:docMk/>
           <pc:sldMk cId="1133800916" sldId="273"/>
@@ -618,7 +627,7 @@
           </ac:spMkLst>
         </pc:spChg>
         <pc:spChg chg="mod">
-          <ac:chgData name="Meletis Konstas" userId="80fb3a933d8d92c8" providerId="LiveId" clId="{0E19EBBC-76C8-4175-856E-9CD6DDD70504}" dt="2024-06-08T15:44:44.221" v="2606" actId="20577"/>
+          <ac:chgData name="Meletis Konstas" userId="80fb3a933d8d92c8" providerId="LiveId" clId="{0E19EBBC-76C8-4175-856E-9CD6DDD70504}" dt="2024-06-09T11:52:10.789" v="3194" actId="20577"/>
           <ac:spMkLst>
             <pc:docMk/>
             <pc:sldMk cId="1133800916" sldId="273"/>
@@ -633,8 +642,8 @@
             <ac:spMk id="8" creationId="{2FEB4B50-AB3A-0B2C-EE9F-2C72DA927123}"/>
           </ac:spMkLst>
         </pc:spChg>
-        <pc:spChg chg="add mod">
-          <ac:chgData name="Meletis Konstas" userId="80fb3a933d8d92c8" providerId="LiveId" clId="{0E19EBBC-76C8-4175-856E-9CD6DDD70504}" dt="2024-06-08T15:44:32.249" v="2579" actId="1035"/>
+        <pc:spChg chg="add del mod">
+          <ac:chgData name="Meletis Konstas" userId="80fb3a933d8d92c8" providerId="LiveId" clId="{0E19EBBC-76C8-4175-856E-9CD6DDD70504}" dt="2024-06-09T11:51:44.586" v="3162" actId="21"/>
           <ac:spMkLst>
             <pc:docMk/>
             <pc:sldMk cId="1133800916" sldId="273"/>
@@ -698,11 +707,19 @@
         </pc:picChg>
       </pc:sldChg>
       <pc:sldChg chg="addSp delSp modSp new mod">
-        <pc:chgData name="Meletis Konstas" userId="80fb3a933d8d92c8" providerId="LiveId" clId="{0E19EBBC-76C8-4175-856E-9CD6DDD70504}" dt="2024-06-08T15:51:09.533" v="2933" actId="6549"/>
+        <pc:chgData name="Meletis Konstas" userId="80fb3a933d8d92c8" providerId="LiveId" clId="{0E19EBBC-76C8-4175-856E-9CD6DDD70504}" dt="2024-06-09T11:52:57.132" v="3195"/>
         <pc:sldMkLst>
           <pc:docMk/>
           <pc:sldMk cId="3864846501" sldId="275"/>
         </pc:sldMkLst>
+        <pc:spChg chg="mod">
+          <ac:chgData name="Meletis Konstas" userId="80fb3a933d8d92c8" providerId="LiveId" clId="{0E19EBBC-76C8-4175-856E-9CD6DDD70504}" dt="2024-06-09T11:52:57.132" v="3195"/>
+          <ac:spMkLst>
+            <pc:docMk/>
+            <pc:sldMk cId="3864846501" sldId="275"/>
+            <ac:spMk id="2" creationId="{82A00DC9-F0C1-E076-54C5-8FF317A67657}"/>
+          </ac:spMkLst>
+        </pc:spChg>
         <pc:spChg chg="del">
           <ac:chgData name="Meletis Konstas" userId="80fb3a933d8d92c8" providerId="LiveId" clId="{0E19EBBC-76C8-4175-856E-9CD6DDD70504}" dt="2024-06-08T15:46:05.953" v="2681"/>
           <ac:spMkLst>
@@ -760,11 +777,19 @@
         </pc:spChg>
       </pc:sldChg>
       <pc:sldChg chg="addSp delSp modSp new mod">
-        <pc:chgData name="Meletis Konstas" userId="80fb3a933d8d92c8" providerId="LiveId" clId="{0E19EBBC-76C8-4175-856E-9CD6DDD70504}" dt="2024-06-08T15:52:42.344" v="2952" actId="1036"/>
+        <pc:chgData name="Meletis Konstas" userId="80fb3a933d8d92c8" providerId="LiveId" clId="{0E19EBBC-76C8-4175-856E-9CD6DDD70504}" dt="2024-06-09T11:52:58.539" v="3196"/>
         <pc:sldMkLst>
           <pc:docMk/>
           <pc:sldMk cId="1044991076" sldId="277"/>
         </pc:sldMkLst>
+        <pc:spChg chg="mod">
+          <ac:chgData name="Meletis Konstas" userId="80fb3a933d8d92c8" providerId="LiveId" clId="{0E19EBBC-76C8-4175-856E-9CD6DDD70504}" dt="2024-06-09T11:52:58.539" v="3196"/>
+          <ac:spMkLst>
+            <pc:docMk/>
+            <pc:sldMk cId="1044991076" sldId="277"/>
+            <ac:spMk id="2" creationId="{32F1941F-B10E-EFF6-6F77-9AA718677BC4}"/>
+          </ac:spMkLst>
+        </pc:spChg>
         <pc:spChg chg="del">
           <ac:chgData name="Meletis Konstas" userId="80fb3a933d8d92c8" providerId="LiveId" clId="{0E19EBBC-76C8-4175-856E-9CD6DDD70504}" dt="2024-06-08T15:49:13.919" v="2913"/>
           <ac:spMkLst>
@@ -813,11 +838,19 @@
         </pc:sldMkLst>
       </pc:sldChg>
       <pc:sldChg chg="addSp delSp modSp new mod">
-        <pc:chgData name="Meletis Konstas" userId="80fb3a933d8d92c8" providerId="LiveId" clId="{0E19EBBC-76C8-4175-856E-9CD6DDD70504}" dt="2024-06-08T15:54:00.421" v="3022" actId="20577"/>
+        <pc:chgData name="Meletis Konstas" userId="80fb3a933d8d92c8" providerId="LiveId" clId="{0E19EBBC-76C8-4175-856E-9CD6DDD70504}" dt="2024-06-09T11:52:59.529" v="3197"/>
         <pc:sldMkLst>
           <pc:docMk/>
           <pc:sldMk cId="479476273" sldId="279"/>
         </pc:sldMkLst>
+        <pc:spChg chg="mod">
+          <ac:chgData name="Meletis Konstas" userId="80fb3a933d8d92c8" providerId="LiveId" clId="{0E19EBBC-76C8-4175-856E-9CD6DDD70504}" dt="2024-06-09T11:52:59.529" v="3197"/>
+          <ac:spMkLst>
+            <pc:docMk/>
+            <pc:sldMk cId="479476273" sldId="279"/>
+            <ac:spMk id="2" creationId="{8803C42E-B500-384B-6678-9E0DB00FCBE5}"/>
+          </ac:spMkLst>
+        </pc:spChg>
         <pc:spChg chg="del">
           <ac:chgData name="Meletis Konstas" userId="80fb3a933d8d92c8" providerId="LiveId" clId="{0E19EBBC-76C8-4175-856E-9CD6DDD70504}" dt="2024-06-08T15:51:52.869" v="2938"/>
           <ac:spMkLst>
@@ -860,11 +893,19 @@
         </pc:picChg>
       </pc:sldChg>
       <pc:sldChg chg="addSp delSp modSp new mod">
-        <pc:chgData name="Meletis Konstas" userId="80fb3a933d8d92c8" providerId="LiveId" clId="{0E19EBBC-76C8-4175-856E-9CD6DDD70504}" dt="2024-06-08T15:54:39.433" v="3040" actId="1038"/>
+        <pc:chgData name="Meletis Konstas" userId="80fb3a933d8d92c8" providerId="LiveId" clId="{0E19EBBC-76C8-4175-856E-9CD6DDD70504}" dt="2024-06-09T11:53:00.541" v="3198"/>
         <pc:sldMkLst>
           <pc:docMk/>
           <pc:sldMk cId="2934522648" sldId="280"/>
         </pc:sldMkLst>
+        <pc:spChg chg="mod">
+          <ac:chgData name="Meletis Konstas" userId="80fb3a933d8d92c8" providerId="LiveId" clId="{0E19EBBC-76C8-4175-856E-9CD6DDD70504}" dt="2024-06-09T11:53:00.541" v="3198"/>
+          <ac:spMkLst>
+            <pc:docMk/>
+            <pc:sldMk cId="2934522648" sldId="280"/>
+            <ac:spMk id="2" creationId="{55C0D39A-16C3-9D09-8EDB-B5FC6CCF9B0E}"/>
+          </ac:spMkLst>
+        </pc:spChg>
         <pc:spChg chg="del">
           <ac:chgData name="Meletis Konstas" userId="80fb3a933d8d92c8" providerId="LiveId" clId="{0E19EBBC-76C8-4175-856E-9CD6DDD70504}" dt="2024-06-08T15:53:56.815" v="3018"/>
           <ac:spMkLst>
@@ -907,11 +948,19 @@
         </pc:picChg>
       </pc:sldChg>
       <pc:sldChg chg="addSp delSp modSp new mod">
-        <pc:chgData name="Meletis Konstas" userId="80fb3a933d8d92c8" providerId="LiveId" clId="{0E19EBBC-76C8-4175-856E-9CD6DDD70504}" dt="2024-06-08T15:55:30.825" v="3102" actId="20577"/>
+        <pc:chgData name="Meletis Konstas" userId="80fb3a933d8d92c8" providerId="LiveId" clId="{0E19EBBC-76C8-4175-856E-9CD6DDD70504}" dt="2024-06-09T11:53:01.557" v="3199"/>
         <pc:sldMkLst>
           <pc:docMk/>
           <pc:sldMk cId="4005168087" sldId="281"/>
         </pc:sldMkLst>
+        <pc:spChg chg="mod">
+          <ac:chgData name="Meletis Konstas" userId="80fb3a933d8d92c8" providerId="LiveId" clId="{0E19EBBC-76C8-4175-856E-9CD6DDD70504}" dt="2024-06-09T11:53:01.557" v="3199"/>
+          <ac:spMkLst>
+            <pc:docMk/>
+            <pc:sldMk cId="4005168087" sldId="281"/>
+            <ac:spMk id="2" creationId="{948984E8-946F-C28D-6D3C-40D21D96A418}"/>
+          </ac:spMkLst>
+        </pc:spChg>
         <pc:spChg chg="del">
           <ac:chgData name="Meletis Konstas" userId="80fb3a933d8d92c8" providerId="LiveId" clId="{0E19EBBC-76C8-4175-856E-9CD6DDD70504}" dt="2024-06-08T15:54:58.629" v="3041"/>
           <ac:spMkLst>
@@ -945,6 +994,37 @@
           </ac:picMkLst>
         </pc:picChg>
       </pc:sldChg>
+      <pc:sldChg chg="addSp delSp modSp add mod">
+        <pc:chgData name="Meletis Konstas" userId="80fb3a933d8d92c8" providerId="LiveId" clId="{0E19EBBC-76C8-4175-856E-9CD6DDD70504}" dt="2024-06-09T11:51:37.426" v="3160" actId="20577"/>
+        <pc:sldMkLst>
+          <pc:docMk/>
+          <pc:sldMk cId="2343777836" sldId="282"/>
+        </pc:sldMkLst>
+        <pc:spChg chg="mod">
+          <ac:chgData name="Meletis Konstas" userId="80fb3a933d8d92c8" providerId="LiveId" clId="{0E19EBBC-76C8-4175-856E-9CD6DDD70504}" dt="2024-06-09T11:51:37.426" v="3160" actId="20577"/>
+          <ac:spMkLst>
+            <pc:docMk/>
+            <pc:sldMk cId="2343777836" sldId="282"/>
+            <ac:spMk id="4" creationId="{1DDB2F69-CB12-48EA-E3DF-B632D36EC7A1}"/>
+          </ac:spMkLst>
+        </pc:spChg>
+        <pc:spChg chg="del">
+          <ac:chgData name="Meletis Konstas" userId="80fb3a933d8d92c8" providerId="LiveId" clId="{0E19EBBC-76C8-4175-856E-9CD6DDD70504}" dt="2024-06-09T11:51:30.585" v="3158" actId="478"/>
+          <ac:spMkLst>
+            <pc:docMk/>
+            <pc:sldMk cId="2343777836" sldId="282"/>
+            <ac:spMk id="7" creationId="{83FD4727-70A4-D72B-BF33-45A715E420DD}"/>
+          </ac:spMkLst>
+        </pc:spChg>
+        <pc:spChg chg="add mod">
+          <ac:chgData name="Meletis Konstas" userId="80fb3a933d8d92c8" providerId="LiveId" clId="{0E19EBBC-76C8-4175-856E-9CD6DDD70504}" dt="2024-06-09T11:51:28.541" v="3157"/>
+          <ac:spMkLst>
+            <pc:docMk/>
+            <pc:sldMk cId="2343777836" sldId="282"/>
+            <ac:spMk id="11" creationId="{DA691C82-96BD-B674-9B05-4EC9B581556C}"/>
+          </ac:spMkLst>
+        </pc:spChg>
+      </pc:sldChg>
     </pc:docChg>
   </pc:docChgLst>
 </pc:chgInfo>
@@ -1046,7 +1126,7 @@
             <a:pPr rtl="0"/>
             <a:fld id="{9989CEA1-E749-494C-AD44-096A79C0D099}" type="datetime1">
               <a:rPr lang="el-GR" smtClean="0"/>
-              <a:t>8/6/2024</a:t>
+              <a:t>9/6/2024</a:t>
             </a:fld>
             <a:endParaRPr lang="el-GR"/>
           </a:p>
@@ -1228,7 +1308,7 @@
             <a:pPr rtl="0"/>
             <a:fld id="{B821F92E-8357-45A9-A750-682B497434C8}" type="datetime1">
               <a:rPr lang="el-GR" noProof="0" smtClean="0"/>
-              <a:t>8/6/2024</a:t>
+              <a:t>9/6/2024</a:t>
             </a:fld>
             <a:endParaRPr lang="el-GR" noProof="0"/>
           </a:p>
@@ -1831,7 +1911,7 @@
             <a:pPr rtl="0"/>
             <a:fld id="{782BF959-9F1D-442A-B1B3-D30FE43F2A8E}" type="datetime1">
               <a:rPr lang="el-GR" noProof="0" smtClean="0"/>
-              <a:t>8/6/2024</a:t>
+              <a:t>9/6/2024</a:t>
             </a:fld>
             <a:endParaRPr lang="el-GR" noProof="0"/>
           </a:p>
@@ -2096,7 +2176,7 @@
             <a:pPr rtl="0"/>
             <a:fld id="{1C64ADB0-84A2-4632-A109-B776CF25AF76}" type="datetime1">
               <a:rPr lang="el-GR" noProof="0" smtClean="0"/>
-              <a:t>8/6/2024</a:t>
+              <a:t>9/6/2024</a:t>
             </a:fld>
             <a:endParaRPr lang="el-GR" noProof="0"/>
           </a:p>
@@ -2334,7 +2414,7 @@
             <a:pPr rtl="0"/>
             <a:fld id="{CDE11580-C0E1-4567-95AB-58528A20AC01}" type="datetime1">
               <a:rPr lang="el-GR" noProof="0" smtClean="0"/>
-              <a:t>8/6/2024</a:t>
+              <a:t>9/6/2024</a:t>
             </a:fld>
             <a:endParaRPr lang="el-GR" noProof="0"/>
           </a:p>
@@ -2577,7 +2657,7 @@
             <a:pPr rtl="0"/>
             <a:fld id="{70C65874-BBEE-4786-940F-8886DF266E9A}" type="datetime1">
               <a:rPr lang="el-GR" noProof="0" smtClean="0"/>
-              <a:t>8/6/2024</a:t>
+              <a:t>9/6/2024</a:t>
             </a:fld>
             <a:endParaRPr lang="el-GR" noProof="0"/>
           </a:p>
@@ -2888,7 +2968,7 @@
             <a:pPr rtl="0"/>
             <a:fld id="{BAE92C03-DC0A-4F93-ABD3-719702CA1AA1}" type="datetime1">
               <a:rPr lang="el-GR" noProof="0" smtClean="0"/>
-              <a:t>8/6/2024</a:t>
+              <a:t>9/6/2024</a:t>
             </a:fld>
             <a:endParaRPr lang="el-GR" noProof="0"/>
           </a:p>
@@ -3192,7 +3272,7 @@
             <a:pPr rtl="0"/>
             <a:fld id="{89FB7F7F-200D-4E06-9708-36F5C2BBCB8C}" type="datetime1">
               <a:rPr lang="el-GR" noProof="0" smtClean="0"/>
-              <a:t>8/6/2024</a:t>
+              <a:t>9/6/2024</a:t>
             </a:fld>
             <a:endParaRPr lang="el-GR" noProof="0"/>
           </a:p>
@@ -3616,7 +3696,7 @@
             <a:pPr rtl="0"/>
             <a:fld id="{A0DB36A7-F304-4C43-9713-854E8FD8E66E}" type="datetime1">
               <a:rPr lang="el-GR" noProof="0" smtClean="0"/>
-              <a:t>8/6/2024</a:t>
+              <a:t>9/6/2024</a:t>
             </a:fld>
             <a:endParaRPr lang="el-GR" noProof="0"/>
           </a:p>
@@ -3715,7 +3795,7 @@
             <a:pPr rtl="0"/>
             <a:fld id="{722CCC3C-F87B-4D2A-BF51-F22AC7A9A790}" type="datetime1">
               <a:rPr lang="el-GR" noProof="0" smtClean="0"/>
-              <a:t>8/6/2024</a:t>
+              <a:t>9/6/2024</a:t>
             </a:fld>
             <a:endParaRPr lang="el-GR" noProof="0"/>
           </a:p>
@@ -3881,7 +3961,7 @@
             <a:pPr rtl="0"/>
             <a:fld id="{A933C5AD-5A5D-4BE4-A3AF-A1F44AA1602F}" type="datetime1">
               <a:rPr lang="el-GR" noProof="0" smtClean="0"/>
-              <a:t>8/6/2024</a:t>
+              <a:t>9/6/2024</a:t>
             </a:fld>
             <a:endParaRPr lang="el-GR" noProof="0"/>
           </a:p>
@@ -4262,7 +4342,7 @@
             <a:pPr rtl="0"/>
             <a:fld id="{BD281C95-C7DA-4379-BA13-55CE6B660E4D}" type="datetime1">
               <a:rPr lang="el-GR" noProof="0" smtClean="0"/>
-              <a:t>8/6/2024</a:t>
+              <a:t>9/6/2024</a:t>
             </a:fld>
             <a:endParaRPr lang="el-GR" noProof="0"/>
           </a:p>
@@ -4555,7 +4635,7 @@
             <a:pPr rtl="0"/>
             <a:fld id="{37B00D55-54B2-4D84-9E21-6F24818E2801}" type="datetime1">
               <a:rPr lang="el-GR" noProof="0" smtClean="0"/>
-              <a:t>8/6/2024</a:t>
+              <a:t>9/6/2024</a:t>
             </a:fld>
             <a:endParaRPr lang="el-GR" noProof="0"/>
           </a:p>
@@ -4770,7 +4850,7 @@
           <a:p>
             <a:fld id="{260B3263-368D-4C77-8BC0-7F24AC002C4D}" type="datetime1">
               <a:rPr lang="el-GR" noProof="0" smtClean="0"/>
-              <a:t>8/6/2024</a:t>
+              <a:t>9/6/2024</a:t>
             </a:fld>
             <a:endParaRPr lang="el-GR" noProof="0">
               <a:latin typeface="Calibri" panose="020F0502020204030204" pitchFamily="34" charset="0"/>
@@ -6993,40 +7073,12 @@
           </a:p>
         </p:txBody>
       </p:sp>
-      <p:sp>
-        <p:nvSpPr>
-          <p:cNvPr id="4" name="Θέση περιεχομένου 3">
+      <p:pic>
+        <p:nvPicPr>
+          <p:cNvPr id="6" name="Θέση περιεχομένου 5" descr="Εικόνα που περιέχει κείμενο, στιγμιότυπο οθόνης, αριθμομηχανή&#10;&#10;Περιγραφή που δημιουργήθηκε αυτόματα">
             <a:extLst>
               <a:ext uri="{FF2B5EF4-FFF2-40B4-BE49-F238E27FC236}">
-                <a16:creationId xmlns:a16="http://schemas.microsoft.com/office/drawing/2014/main" id="{1DDB2F69-CB12-48EA-E3DF-B632D36EC7A1}"/>
-              </a:ext>
-            </a:extLst>
-          </p:cNvPr>
-          <p:cNvSpPr>
-            <a:spLocks noGrp="1"/>
-          </p:cNvSpPr>
-          <p:nvPr>
-            <p:ph sz="half" idx="2"/>
-          </p:nvPr>
-        </p:nvSpPr>
-        <p:spPr/>
-        <p:txBody>
-          <a:bodyPr/>
-          <a:lstStyle/>
-          <a:p>
-            <a:r>
-              <a:rPr lang="el-GR" dirty="0"/>
-              <a:t>Πατάμε το πλήκτρο ‘5’</a:t>
-            </a:r>
-          </a:p>
-        </p:txBody>
-      </p:sp>
-      <p:pic>
-        <p:nvPicPr>
-          <p:cNvPr id="10" name="Θέση περιεχομένου 9" descr="Εικόνα που περιέχει κείμενο, στιγμιότυπο οθόνης, αριθμομηχανή&#10;&#10;Περιγραφή που δημιουργήθηκε αυτόματα">
-            <a:extLst>
-              <a:ext uri="{FF2B5EF4-FFF2-40B4-BE49-F238E27FC236}">
-                <a16:creationId xmlns:a16="http://schemas.microsoft.com/office/drawing/2014/main" id="{3665A065-8416-DA49-66B0-321168A523FC}"/>
+                <a16:creationId xmlns:a16="http://schemas.microsoft.com/office/drawing/2014/main" id="{C37B2F2D-FCF6-209E-D762-8329B83F8400}"/>
               </a:ext>
             </a:extLst>
           </p:cNvPr>
@@ -7050,6 +7102,34 @@
           </a:xfrm>
         </p:spPr>
       </p:pic>
+      <p:sp>
+        <p:nvSpPr>
+          <p:cNvPr id="4" name="Θέση περιεχομένου 3">
+            <a:extLst>
+              <a:ext uri="{FF2B5EF4-FFF2-40B4-BE49-F238E27FC236}">
+                <a16:creationId xmlns:a16="http://schemas.microsoft.com/office/drawing/2014/main" id="{1DDB2F69-CB12-48EA-E3DF-B632D36EC7A1}"/>
+              </a:ext>
+            </a:extLst>
+          </p:cNvPr>
+          <p:cNvSpPr>
+            <a:spLocks noGrp="1"/>
+          </p:cNvSpPr>
+          <p:nvPr>
+            <p:ph sz="half" idx="2"/>
+          </p:nvPr>
+        </p:nvSpPr>
+        <p:spPr/>
+        <p:txBody>
+          <a:bodyPr/>
+          <a:lstStyle/>
+          <a:p>
+            <a:r>
+              <a:rPr lang="el-GR" dirty="0"/>
+              <a:t>Πατάμε το πλήκτρο ‘5’</a:t>
+            </a:r>
+          </a:p>
+        </p:txBody>
+      </p:sp>
       <p:sp>
         <p:nvSpPr>
           <p:cNvPr id="11" name="Οβάλ 10">
@@ -7104,7 +7184,7 @@
     </p:spTree>
     <p:extLst>
       <p:ext uri="{BB962C8B-B14F-4D97-AF65-F5344CB8AC3E}">
-        <p14:creationId xmlns:p14="http://schemas.microsoft.com/office/powerpoint/2010/main" val="3026023675"/>
+        <p14:creationId xmlns:p14="http://schemas.microsoft.com/office/powerpoint/2010/main" val="2343777836"/>
       </p:ext>
     </p:extLst>
   </p:cSld>
@@ -7136,7 +7216,7 @@
           <p:cNvPr id="2" name="Τίτλος 1">
             <a:extLst>
               <a:ext uri="{FF2B5EF4-FFF2-40B4-BE49-F238E27FC236}">
-                <a16:creationId xmlns:a16="http://schemas.microsoft.com/office/drawing/2014/main" id="{E7A8B1D4-3ED6-98D4-F0EE-4DA3551A45C3}"/>
+                <a16:creationId xmlns:a16="http://schemas.microsoft.com/office/drawing/2014/main" id="{FE44084E-7F80-BAD7-F256-E61AF01BA987}"/>
               </a:ext>
             </a:extLst>
           </p:cNvPr>
@@ -7172,12 +7252,46 @@
           </a:p>
         </p:txBody>
       </p:sp>
+      <p:sp>
+        <p:nvSpPr>
+          <p:cNvPr id="4" name="Θέση περιεχομένου 3">
+            <a:extLst>
+              <a:ext uri="{FF2B5EF4-FFF2-40B4-BE49-F238E27FC236}">
+                <a16:creationId xmlns:a16="http://schemas.microsoft.com/office/drawing/2014/main" id="{1DDB2F69-CB12-48EA-E3DF-B632D36EC7A1}"/>
+              </a:ext>
+            </a:extLst>
+          </p:cNvPr>
+          <p:cNvSpPr>
+            <a:spLocks noGrp="1"/>
+          </p:cNvSpPr>
+          <p:nvPr>
+            <p:ph sz="half" idx="2"/>
+          </p:nvPr>
+        </p:nvSpPr>
+        <p:spPr/>
+        <p:txBody>
+          <a:bodyPr/>
+          <a:lstStyle/>
+          <a:p>
+            <a:r>
+              <a:rPr lang="el-GR" dirty="0"/>
+              <a:t>Εμφανίζεται στην οθόνη το ‘5’</a:t>
+            </a:r>
+          </a:p>
+          <a:p>
+            <a:r>
+              <a:rPr lang="el-GR" dirty="0"/>
+              <a:t>Πατάμε το πλήκτρο ‘ - ’</a:t>
+            </a:r>
+          </a:p>
+        </p:txBody>
+      </p:sp>
       <p:pic>
         <p:nvPicPr>
-          <p:cNvPr id="6" name="Θέση περιεχομένου 5" descr="Εικόνα που περιέχει κείμενο, στιγμιότυπο οθόνης, αριθμομηχανή&#10;&#10;Περιγραφή που δημιουργήθηκε αυτόματα">
+          <p:cNvPr id="10" name="Θέση περιεχομένου 9" descr="Εικόνα που περιέχει κείμενο, στιγμιότυπο οθόνης, αριθμομηχανή&#10;&#10;Περιγραφή που δημιουργήθηκε αυτόματα">
             <a:extLst>
               <a:ext uri="{FF2B5EF4-FFF2-40B4-BE49-F238E27FC236}">
-                <a16:creationId xmlns:a16="http://schemas.microsoft.com/office/drawing/2014/main" id="{DB7B2181-F870-5618-121C-35132A403A00}"/>
+                <a16:creationId xmlns:a16="http://schemas.microsoft.com/office/drawing/2014/main" id="{3665A065-8416-DA49-66B0-321168A523FC}"/>
               </a:ext>
             </a:extLst>
           </p:cNvPr>
@@ -7201,43 +7315,6 @@
           </a:xfrm>
         </p:spPr>
       </p:pic>
-      <p:sp>
-        <p:nvSpPr>
-          <p:cNvPr id="4" name="Θέση περιεχομένου 3">
-            <a:extLst>
-              <a:ext uri="{FF2B5EF4-FFF2-40B4-BE49-F238E27FC236}">
-                <a16:creationId xmlns:a16="http://schemas.microsoft.com/office/drawing/2014/main" id="{AD1E34C1-5EFA-F173-F8A3-4A2D158810EF}"/>
-              </a:ext>
-            </a:extLst>
-          </p:cNvPr>
-          <p:cNvSpPr>
-            <a:spLocks noGrp="1"/>
-          </p:cNvSpPr>
-          <p:nvPr>
-            <p:ph sz="half" idx="2"/>
-          </p:nvPr>
-        </p:nvSpPr>
-        <p:spPr/>
-        <p:txBody>
-          <a:bodyPr/>
-          <a:lstStyle/>
-          <a:p>
-            <a:r>
-              <a:rPr lang="el-GR" dirty="0"/>
-              <a:t>Πατάμε το πλήκτρο ‘-’</a:t>
-            </a:r>
-          </a:p>
-          <a:p>
-            <a:r>
-              <a:rPr lang="el-GR" dirty="0"/>
-              <a:t>Στην οθόνη εμφανίζεται το αποτέλεσμα της προηγούμενης πράξης, 4+5 = ‘9’</a:t>
-            </a:r>
-          </a:p>
-          <a:p>
-            <a:endParaRPr lang="el-GR" dirty="0"/>
-          </a:p>
-        </p:txBody>
-      </p:sp>
       <p:sp>
         <p:nvSpPr>
           <p:cNvPr id="9" name="Οβάλ 8">
@@ -7292,6 +7369,140 @@
     </p:spTree>
     <p:extLst>
       <p:ext uri="{BB962C8B-B14F-4D97-AF65-F5344CB8AC3E}">
+        <p14:creationId xmlns:p14="http://schemas.microsoft.com/office/powerpoint/2010/main" val="3026023675"/>
+      </p:ext>
+    </p:extLst>
+  </p:cSld>
+  <p:clrMapOvr>
+    <a:masterClrMapping/>
+  </p:clrMapOvr>
+</p:sld>
+</file>
+
+<file path=ppt/slides/slide19.xml><?xml version="1.0" encoding="utf-8"?>
+<p:sld xmlns:a="http://schemas.openxmlformats.org/drawingml/2006/main" xmlns:r="http://schemas.openxmlformats.org/officeDocument/2006/relationships" xmlns:p="http://schemas.openxmlformats.org/presentationml/2006/main">
+  <p:cSld>
+    <p:spTree>
+      <p:nvGrpSpPr>
+        <p:cNvPr id="1" name=""/>
+        <p:cNvGrpSpPr/>
+        <p:nvPr/>
+      </p:nvGrpSpPr>
+      <p:grpSpPr>
+        <a:xfrm>
+          <a:off x="0" y="0"/>
+          <a:ext cx="0" cy="0"/>
+          <a:chOff x="0" y="0"/>
+          <a:chExt cx="0" cy="0"/>
+        </a:xfrm>
+      </p:grpSpPr>
+      <p:sp>
+        <p:nvSpPr>
+          <p:cNvPr id="2" name="Τίτλος 1">
+            <a:extLst>
+              <a:ext uri="{FF2B5EF4-FFF2-40B4-BE49-F238E27FC236}">
+                <a16:creationId xmlns:a16="http://schemas.microsoft.com/office/drawing/2014/main" id="{E7A8B1D4-3ED6-98D4-F0EE-4DA3551A45C3}"/>
+              </a:ext>
+            </a:extLst>
+          </p:cNvPr>
+          <p:cNvSpPr>
+            <a:spLocks noGrp="1"/>
+          </p:cNvSpPr>
+          <p:nvPr>
+            <p:ph type="title"/>
+          </p:nvPr>
+        </p:nvSpPr>
+        <p:spPr/>
+        <p:txBody>
+          <a:bodyPr/>
+          <a:lstStyle/>
+          <a:p>
+            <a:r>
+              <a:rPr lang="el-GR" dirty="0" err="1"/>
+              <a:t>Παραδειγμα</a:t>
+            </a:r>
+            <a:r>
+              <a:rPr lang="el-GR" dirty="0"/>
+              <a:t> </a:t>
+            </a:r>
+            <a:r>
+              <a:rPr lang="el-GR" dirty="0" err="1"/>
+              <a:t>λειτουργιασ</a:t>
+            </a:r>
+            <a:r>
+              <a:rPr lang="en-US" dirty="0"/>
+              <a:t> 1</a:t>
+            </a:r>
+            <a:endParaRPr lang="el-GR" dirty="0"/>
+          </a:p>
+        </p:txBody>
+      </p:sp>
+      <p:pic>
+        <p:nvPicPr>
+          <p:cNvPr id="6" name="Θέση περιεχομένου 5" descr="Εικόνα που περιέχει κείμενο, στιγμιότυπο οθόνης, αριθμομηχανή&#10;&#10;Περιγραφή που δημιουργήθηκε αυτόματα">
+            <a:extLst>
+              <a:ext uri="{FF2B5EF4-FFF2-40B4-BE49-F238E27FC236}">
+                <a16:creationId xmlns:a16="http://schemas.microsoft.com/office/drawing/2014/main" id="{DB7B2181-F870-5618-121C-35132A403A00}"/>
+              </a:ext>
+            </a:extLst>
+          </p:cNvPr>
+          <p:cNvPicPr>
+            <a:picLocks noGrp="1" noChangeAspect="1"/>
+          </p:cNvPicPr>
+          <p:nvPr>
+            <p:ph sz="half" idx="1"/>
+          </p:nvPr>
+        </p:nvPicPr>
+        <p:blipFill>
+          <a:blip r:embed="rId2"/>
+          <a:stretch>
+            <a:fillRect/>
+          </a:stretch>
+        </p:blipFill>
+        <p:spPr>
+          <a:xfrm>
+            <a:off x="2479920" y="2227263"/>
+            <a:ext cx="1625110" cy="3633787"/>
+          </a:xfrm>
+        </p:spPr>
+      </p:pic>
+      <p:sp>
+        <p:nvSpPr>
+          <p:cNvPr id="4" name="Θέση περιεχομένου 3">
+            <a:extLst>
+              <a:ext uri="{FF2B5EF4-FFF2-40B4-BE49-F238E27FC236}">
+                <a16:creationId xmlns:a16="http://schemas.microsoft.com/office/drawing/2014/main" id="{AD1E34C1-5EFA-F173-F8A3-4A2D158810EF}"/>
+              </a:ext>
+            </a:extLst>
+          </p:cNvPr>
+          <p:cNvSpPr>
+            <a:spLocks noGrp="1"/>
+          </p:cNvSpPr>
+          <p:nvPr>
+            <p:ph sz="half" idx="2"/>
+          </p:nvPr>
+        </p:nvSpPr>
+        <p:spPr/>
+        <p:txBody>
+          <a:bodyPr/>
+          <a:lstStyle/>
+          <a:p>
+            <a:endParaRPr lang="el-GR" dirty="0"/>
+          </a:p>
+          <a:p>
+            <a:r>
+              <a:rPr lang="el-GR" dirty="0"/>
+              <a:t>Στην οθόνη εμφανίζεται το αποτέλεσμα της προηγούμενης πράξης, 4+5 = ‘9’</a:t>
+            </a:r>
+          </a:p>
+          <a:p>
+            <a:endParaRPr lang="el-GR" dirty="0"/>
+          </a:p>
+        </p:txBody>
+      </p:sp>
+    </p:spTree>
+    <p:extLst>
+      <p:ext uri="{BB962C8B-B14F-4D97-AF65-F5344CB8AC3E}">
         <p14:creationId xmlns:p14="http://schemas.microsoft.com/office/powerpoint/2010/main" val="1133800916"/>
       </p:ext>
     </p:extLst>
@@ -7302,7 +7513,158 @@
 </p:sld>
 </file>
 
-<file path=ppt/slides/slide19.xml><?xml version="1.0" encoding="utf-8"?>
+<file path=ppt/slides/slide2.xml><?xml version="1.0" encoding="utf-8"?>
+<p:sld xmlns:a="http://schemas.openxmlformats.org/drawingml/2006/main" xmlns:r="http://schemas.openxmlformats.org/officeDocument/2006/relationships" xmlns:p="http://schemas.openxmlformats.org/presentationml/2006/main">
+  <p:cSld>
+    <p:spTree>
+      <p:nvGrpSpPr>
+        <p:cNvPr id="1" name=""/>
+        <p:cNvGrpSpPr/>
+        <p:nvPr/>
+      </p:nvGrpSpPr>
+      <p:grpSpPr>
+        <a:xfrm>
+          <a:off x="0" y="0"/>
+          <a:ext cx="0" cy="0"/>
+          <a:chOff x="0" y="0"/>
+          <a:chExt cx="0" cy="0"/>
+        </a:xfrm>
+      </p:grpSpPr>
+      <p:sp>
+        <p:nvSpPr>
+          <p:cNvPr id="2" name="Τίτλος 1">
+            <a:extLst>
+              <a:ext uri="{FF2B5EF4-FFF2-40B4-BE49-F238E27FC236}">
+                <a16:creationId xmlns:a16="http://schemas.microsoft.com/office/drawing/2014/main" id="{CD252E5D-5A1E-7D2A-FAF2-D7564A89EFC1}"/>
+              </a:ext>
+            </a:extLst>
+          </p:cNvPr>
+          <p:cNvSpPr>
+            <a:spLocks noGrp="1"/>
+          </p:cNvSpPr>
+          <p:nvPr>
+            <p:ph type="title"/>
+          </p:nvPr>
+        </p:nvSpPr>
+        <p:spPr/>
+        <p:txBody>
+          <a:bodyPr/>
+          <a:lstStyle/>
+          <a:p>
+            <a:r>
+              <a:rPr lang="el-GR" dirty="0"/>
+              <a:t>ΠΡΟΒΛΗΜΑ</a:t>
+            </a:r>
+          </a:p>
+        </p:txBody>
+      </p:sp>
+      <p:sp>
+        <p:nvSpPr>
+          <p:cNvPr id="3" name="Θέση περιεχομένου 2">
+            <a:extLst>
+              <a:ext uri="{FF2B5EF4-FFF2-40B4-BE49-F238E27FC236}">
+                <a16:creationId xmlns:a16="http://schemas.microsoft.com/office/drawing/2014/main" id="{0CFB4E79-91E7-B734-5CD2-517CB97A31B9}"/>
+              </a:ext>
+            </a:extLst>
+          </p:cNvPr>
+          <p:cNvSpPr>
+            <a:spLocks noGrp="1"/>
+          </p:cNvSpPr>
+          <p:nvPr>
+            <p:ph idx="1"/>
+          </p:nvPr>
+        </p:nvSpPr>
+        <p:spPr/>
+        <p:txBody>
+          <a:bodyPr>
+            <a:normAutofit/>
+          </a:bodyPr>
+          <a:lstStyle/>
+          <a:p>
+            <a:r>
+              <a:rPr lang="el-GR" sz="2000" dirty="0"/>
+              <a:t>Δημιουργία μιας επιστημονικής αριθμομηχανής</a:t>
+            </a:r>
+            <a:r>
+              <a:rPr lang="en-US" sz="2000" dirty="0"/>
+              <a:t> </a:t>
+            </a:r>
+            <a:r>
+              <a:rPr lang="el-GR" sz="2000" dirty="0"/>
+              <a:t>σε γλώσσα </a:t>
+            </a:r>
+            <a:r>
+              <a:rPr lang="en-US" sz="2000" dirty="0"/>
+              <a:t>Python</a:t>
+            </a:r>
+          </a:p>
+          <a:p>
+            <a:r>
+              <a:rPr lang="el-GR" sz="2000" dirty="0"/>
+              <a:t>Ανάπτυξη μιας διαδραστικής εφαρμογής με χρήση</a:t>
+            </a:r>
+            <a:r>
+              <a:rPr lang="en-US" sz="2000" dirty="0"/>
+              <a:t> </a:t>
+            </a:r>
+            <a:r>
+              <a:rPr lang="el-GR" sz="2000" dirty="0"/>
+              <a:t>της βιβλιοθήκης </a:t>
+            </a:r>
+            <a:r>
+              <a:rPr lang="en-US" sz="2000" dirty="0"/>
+              <a:t>tkinter </a:t>
+            </a:r>
+            <a:r>
+              <a:rPr lang="el-GR" sz="2000" dirty="0"/>
+              <a:t>για τη δημιουργία του γραφικού περιβάλλοντος.</a:t>
+            </a:r>
+          </a:p>
+          <a:p>
+            <a:r>
+              <a:rPr lang="el-GR" sz="2000" dirty="0"/>
+              <a:t>Στο παράθυρο της εφαρμογής θα πρέπει να σχεδιαστούν ξεχωριστά </a:t>
+            </a:r>
+            <a:r>
+              <a:rPr lang="el-GR" sz="2000" dirty="0" err="1"/>
+              <a:t>buttons</a:t>
+            </a:r>
+            <a:r>
+              <a:rPr lang="el-GR" sz="2000" dirty="0"/>
+              <a:t> για κάθε ψηφίο, το σύμβολο της υποδιαστολής, τα σύμβολα των πράξεων και ένα </a:t>
+            </a:r>
+            <a:r>
+              <a:rPr lang="el-GR" sz="2000" dirty="0" err="1"/>
+              <a:t>display</a:t>
+            </a:r>
+            <a:r>
+              <a:rPr lang="el-GR" sz="2000" dirty="0"/>
+              <a:t>.</a:t>
+            </a:r>
+          </a:p>
+          <a:p>
+            <a:r>
+              <a:rPr lang="el-GR" sz="2000" dirty="0"/>
+              <a:t>Η εφαρμογή θα πρέπει να λειτουργεί και με το ποντίκι και με τα πλήκτρα του υπολογιστή</a:t>
+            </a:r>
+            <a:endParaRPr lang="en-US" sz="2000" dirty="0"/>
+          </a:p>
+        </p:txBody>
+      </p:sp>
+    </p:spTree>
+    <p:extLst>
+      <p:ext uri="{BB962C8B-B14F-4D97-AF65-F5344CB8AC3E}">
+        <p14:creationId xmlns:p14="http://schemas.microsoft.com/office/powerpoint/2010/main" val="1461925694"/>
+      </p:ext>
+    </p:extLst>
+  </p:cSld>
+  <p:clrMapOvr>
+    <a:masterClrMapping/>
+  </p:clrMapOvr>
+</p:sld>
+</file>
+
+<file path=ppt/slides/slide20.xml><?xml version="1.0" encoding="utf-8"?>
 <p:sld xmlns:a="http://schemas.openxmlformats.org/drawingml/2006/main" xmlns:r="http://schemas.openxmlformats.org/officeDocument/2006/relationships" xmlns:p="http://schemas.openxmlformats.org/presentationml/2006/main">
   <p:cSld>
     <p:spTree>
@@ -7484,158 +7846,7 @@
 </p:sld>
 </file>
 
-<file path=ppt/slides/slide2.xml><?xml version="1.0" encoding="utf-8"?>
-<p:sld xmlns:a="http://schemas.openxmlformats.org/drawingml/2006/main" xmlns:r="http://schemas.openxmlformats.org/officeDocument/2006/relationships" xmlns:p="http://schemas.openxmlformats.org/presentationml/2006/main">
-  <p:cSld>
-    <p:spTree>
-      <p:nvGrpSpPr>
-        <p:cNvPr id="1" name=""/>
-        <p:cNvGrpSpPr/>
-        <p:nvPr/>
-      </p:nvGrpSpPr>
-      <p:grpSpPr>
-        <a:xfrm>
-          <a:off x="0" y="0"/>
-          <a:ext cx="0" cy="0"/>
-          <a:chOff x="0" y="0"/>
-          <a:chExt cx="0" cy="0"/>
-        </a:xfrm>
-      </p:grpSpPr>
-      <p:sp>
-        <p:nvSpPr>
-          <p:cNvPr id="2" name="Τίτλος 1">
-            <a:extLst>
-              <a:ext uri="{FF2B5EF4-FFF2-40B4-BE49-F238E27FC236}">
-                <a16:creationId xmlns:a16="http://schemas.microsoft.com/office/drawing/2014/main" id="{CD252E5D-5A1E-7D2A-FAF2-D7564A89EFC1}"/>
-              </a:ext>
-            </a:extLst>
-          </p:cNvPr>
-          <p:cNvSpPr>
-            <a:spLocks noGrp="1"/>
-          </p:cNvSpPr>
-          <p:nvPr>
-            <p:ph type="title"/>
-          </p:nvPr>
-        </p:nvSpPr>
-        <p:spPr/>
-        <p:txBody>
-          <a:bodyPr/>
-          <a:lstStyle/>
-          <a:p>
-            <a:r>
-              <a:rPr lang="el-GR" dirty="0"/>
-              <a:t>ΠΡΟΒΛΗΜΑ</a:t>
-            </a:r>
-          </a:p>
-        </p:txBody>
-      </p:sp>
-      <p:sp>
-        <p:nvSpPr>
-          <p:cNvPr id="3" name="Θέση περιεχομένου 2">
-            <a:extLst>
-              <a:ext uri="{FF2B5EF4-FFF2-40B4-BE49-F238E27FC236}">
-                <a16:creationId xmlns:a16="http://schemas.microsoft.com/office/drawing/2014/main" id="{0CFB4E79-91E7-B734-5CD2-517CB97A31B9}"/>
-              </a:ext>
-            </a:extLst>
-          </p:cNvPr>
-          <p:cNvSpPr>
-            <a:spLocks noGrp="1"/>
-          </p:cNvSpPr>
-          <p:nvPr>
-            <p:ph idx="1"/>
-          </p:nvPr>
-        </p:nvSpPr>
-        <p:spPr/>
-        <p:txBody>
-          <a:bodyPr>
-            <a:normAutofit/>
-          </a:bodyPr>
-          <a:lstStyle/>
-          <a:p>
-            <a:r>
-              <a:rPr lang="el-GR" sz="2000" dirty="0"/>
-              <a:t>Δημιουργία μιας επιστημονικής αριθμομηχανής</a:t>
-            </a:r>
-            <a:r>
-              <a:rPr lang="en-US" sz="2000" dirty="0"/>
-              <a:t> </a:t>
-            </a:r>
-            <a:r>
-              <a:rPr lang="el-GR" sz="2000" dirty="0"/>
-              <a:t>σε γλώσσα </a:t>
-            </a:r>
-            <a:r>
-              <a:rPr lang="en-US" sz="2000" dirty="0"/>
-              <a:t>Python</a:t>
-            </a:r>
-          </a:p>
-          <a:p>
-            <a:r>
-              <a:rPr lang="el-GR" sz="2000" dirty="0"/>
-              <a:t>Ανάπτυξη μιας διαδραστικής εφαρμογής με χρήση</a:t>
-            </a:r>
-            <a:r>
-              <a:rPr lang="en-US" sz="2000" dirty="0"/>
-              <a:t> </a:t>
-            </a:r>
-            <a:r>
-              <a:rPr lang="el-GR" sz="2000" dirty="0"/>
-              <a:t>της βιβλιοθήκης </a:t>
-            </a:r>
-            <a:r>
-              <a:rPr lang="en-US" sz="2000" dirty="0"/>
-              <a:t>tkinter </a:t>
-            </a:r>
-            <a:r>
-              <a:rPr lang="el-GR" sz="2000" dirty="0"/>
-              <a:t>για τη δημιουργία του γραφικού περιβάλλοντος.</a:t>
-            </a:r>
-          </a:p>
-          <a:p>
-            <a:r>
-              <a:rPr lang="el-GR" sz="2000" dirty="0"/>
-              <a:t>Στο παράθυρο της εφαρμογής θα πρέπει να σχεδιαστούν ξεχωριστά </a:t>
-            </a:r>
-            <a:r>
-              <a:rPr lang="el-GR" sz="2000" dirty="0" err="1"/>
-              <a:t>buttons</a:t>
-            </a:r>
-            <a:r>
-              <a:rPr lang="el-GR" sz="2000" dirty="0"/>
-              <a:t> για κάθε ψηφίο, το σύμβολο της υποδιαστολής, τα σύμβολα των πράξεων και ένα </a:t>
-            </a:r>
-            <a:r>
-              <a:rPr lang="el-GR" sz="2000" dirty="0" err="1"/>
-              <a:t>display</a:t>
-            </a:r>
-            <a:r>
-              <a:rPr lang="el-GR" sz="2000" dirty="0"/>
-              <a:t>.</a:t>
-            </a:r>
-          </a:p>
-          <a:p>
-            <a:r>
-              <a:rPr lang="el-GR" sz="2000" dirty="0"/>
-              <a:t>Η εφαρμογή θα πρέπει να λειτουργεί και με το ποντίκι και με τα πλήκτρα του υπολογιστή</a:t>
-            </a:r>
-            <a:endParaRPr lang="en-US" sz="2000" dirty="0"/>
-          </a:p>
-        </p:txBody>
-      </p:sp>
-    </p:spTree>
-    <p:extLst>
-      <p:ext uri="{BB962C8B-B14F-4D97-AF65-F5344CB8AC3E}">
-        <p14:creationId xmlns:p14="http://schemas.microsoft.com/office/powerpoint/2010/main" val="1461925694"/>
-      </p:ext>
-    </p:extLst>
-  </p:cSld>
-  <p:clrMapOvr>
-    <a:masterClrMapping/>
-  </p:clrMapOvr>
-</p:sld>
-</file>
-
-<file path=ppt/slides/slide20.xml><?xml version="1.0" encoding="utf-8"?>
+<file path=ppt/slides/slide21.xml><?xml version="1.0" encoding="utf-8"?>
 <p:sld xmlns:a="http://schemas.openxmlformats.org/drawingml/2006/main" xmlns:r="http://schemas.openxmlformats.org/officeDocument/2006/relationships" xmlns:p="http://schemas.openxmlformats.org/presentationml/2006/main">
   <p:cSld>
     <p:spTree>
@@ -7820,7 +8031,7 @@
 </p:sld>
 </file>
 
-<file path=ppt/slides/slide21.xml><?xml version="1.0" encoding="utf-8"?>
+<file path=ppt/slides/slide22.xml><?xml version="1.0" encoding="utf-8"?>
 <p:sld xmlns:a="http://schemas.openxmlformats.org/drawingml/2006/main" xmlns:r="http://schemas.openxmlformats.org/officeDocument/2006/relationships" xmlns:p="http://schemas.openxmlformats.org/presentationml/2006/main">
   <p:cSld>
     <p:spTree>
@@ -7858,7 +8069,23 @@
           <a:bodyPr/>
           <a:lstStyle/>
           <a:p>
-            <a:endParaRPr lang="el-GR"/>
+            <a:r>
+              <a:rPr lang="el-GR" dirty="0" err="1"/>
+              <a:t>Παραδειγμα</a:t>
+            </a:r>
+            <a:r>
+              <a:rPr lang="el-GR" dirty="0"/>
+              <a:t> </a:t>
+            </a:r>
+            <a:r>
+              <a:rPr lang="el-GR" dirty="0" err="1"/>
+              <a:t>λειτουργιασ</a:t>
+            </a:r>
+            <a:r>
+              <a:rPr lang="en-US" dirty="0"/>
+              <a:t> 1</a:t>
+            </a:r>
+            <a:endParaRPr lang="el-GR" dirty="0"/>
           </a:p>
         </p:txBody>
       </p:sp>
@@ -7989,7 +8216,7 @@
 </p:sld>
 </file>
 
-<file path=ppt/slides/slide22.xml><?xml version="1.0" encoding="utf-8"?>
+<file path=ppt/slides/slide23.xml><?xml version="1.0" encoding="utf-8"?>
 <p:sld xmlns:a="http://schemas.openxmlformats.org/drawingml/2006/main" xmlns:r="http://schemas.openxmlformats.org/officeDocument/2006/relationships" xmlns:p="http://schemas.openxmlformats.org/presentationml/2006/main">
   <p:cSld>
     <p:spTree>
@@ -8027,7 +8254,23 @@
           <a:bodyPr/>
           <a:lstStyle/>
           <a:p>
-            <a:endParaRPr lang="el-GR"/>
+            <a:r>
+              <a:rPr lang="el-GR" dirty="0" err="1"/>
+              <a:t>Παραδειγμα</a:t>
+            </a:r>
+            <a:r>
+              <a:rPr lang="el-GR" dirty="0"/>
+              <a:t> </a:t>
+            </a:r>
+            <a:r>
+              <a:rPr lang="el-GR" dirty="0" err="1"/>
+              <a:t>λειτουργιασ</a:t>
+            </a:r>
+            <a:r>
+              <a:rPr lang="en-US" dirty="0"/>
+              <a:t> 1</a:t>
+            </a:r>
+            <a:endParaRPr lang="el-GR" dirty="0"/>
           </a:p>
         </p:txBody>
       </p:sp>
@@ -8164,7 +8407,7 @@
 </p:sld>
 </file>
 
-<file path=ppt/slides/slide23.xml><?xml version="1.0" encoding="utf-8"?>
+<file path=ppt/slides/slide24.xml><?xml version="1.0" encoding="utf-8"?>
 <p:sld xmlns:a="http://schemas.openxmlformats.org/drawingml/2006/main" xmlns:r="http://schemas.openxmlformats.org/officeDocument/2006/relationships" xmlns:p="http://schemas.openxmlformats.org/presentationml/2006/main">
   <p:cSld>
     <p:spTree>
@@ -8202,7 +8445,23 @@
           <a:bodyPr/>
           <a:lstStyle/>
           <a:p>
-            <a:endParaRPr lang="el-GR"/>
+            <a:r>
+              <a:rPr lang="el-GR" dirty="0" err="1"/>
+              <a:t>Παραδειγμα</a:t>
+            </a:r>
+            <a:r>
+              <a:rPr lang="el-GR" dirty="0"/>
+              <a:t> </a:t>
+            </a:r>
+            <a:r>
+              <a:rPr lang="el-GR" dirty="0" err="1"/>
+              <a:t>λειτουργιασ</a:t>
+            </a:r>
+            <a:r>
+              <a:rPr lang="en-US" dirty="0"/>
+              <a:t> 1</a:t>
+            </a:r>
+            <a:endParaRPr lang="el-GR" dirty="0"/>
           </a:p>
         </p:txBody>
       </p:sp>
@@ -8351,7 +8610,7 @@
 </p:sld>
 </file>
 
-<file path=ppt/slides/slide24.xml><?xml version="1.0" encoding="utf-8"?>
+<file path=ppt/slides/slide25.xml><?xml version="1.0" encoding="utf-8"?>
 <p:sld xmlns:a="http://schemas.openxmlformats.org/drawingml/2006/main" xmlns:r="http://schemas.openxmlformats.org/officeDocument/2006/relationships" xmlns:p="http://schemas.openxmlformats.org/presentationml/2006/main">
   <p:cSld>
     <p:spTree>
@@ -8389,7 +8648,23 @@
           <a:bodyPr/>
           <a:lstStyle/>
           <a:p>
-            <a:endParaRPr lang="el-GR"/>
+            <a:r>
+              <a:rPr lang="el-GR" dirty="0" err="1"/>
+              <a:t>Παραδειγμα</a:t>
+            </a:r>
+            <a:r>
+              <a:rPr lang="el-GR" dirty="0"/>
+              <a:t> </a:t>
+            </a:r>
+            <a:r>
+              <a:rPr lang="el-GR" dirty="0" err="1"/>
+              <a:t>λειτουργιασ</a:t>
+            </a:r>
+            <a:r>
+              <a:rPr lang="en-US" dirty="0"/>
+              <a:t> 1</a:t>
+            </a:r>
+            <a:endParaRPr lang="el-GR" dirty="0"/>
           </a:p>
         </p:txBody>
       </p:sp>
@@ -8520,7 +8795,7 @@
 </p:sld>
 </file>
 
-<file path=ppt/slides/slide25.xml><?xml version="1.0" encoding="utf-8"?>
+<file path=ppt/slides/slide26.xml><?xml version="1.0" encoding="utf-8"?>
 <p:sld xmlns:a="http://schemas.openxmlformats.org/drawingml/2006/main" xmlns:r="http://schemas.openxmlformats.org/officeDocument/2006/relationships" xmlns:p="http://schemas.openxmlformats.org/presentationml/2006/main">
   <p:cSld>
     <p:spTree>
@@ -8558,7 +8833,23 @@
           <a:bodyPr/>
           <a:lstStyle/>
           <a:p>
-            <a:endParaRPr lang="el-GR"/>
+            <a:r>
+              <a:rPr lang="el-GR" dirty="0" err="1"/>
+              <a:t>Παραδειγμα</a:t>
+            </a:r>
+            <a:r>
+              <a:rPr lang="el-GR" dirty="0"/>
+              <a:t> </a:t>
+            </a:r>
+            <a:r>
+              <a:rPr lang="el-GR" dirty="0" err="1"/>
+              <a:t>λειτουργιασ</a:t>
+            </a:r>
+            <a:r>
+              <a:rPr lang="en-US" dirty="0"/>
+              <a:t> 1</a:t>
+            </a:r>
+            <a:endParaRPr lang="el-GR" dirty="0"/>
           </a:p>
         </p:txBody>
       </p:sp>
